--- a/docs/diagrams/CompleteModelComponentClassDiagram.pptx
+++ b/docs/diagrams/CompleteModelComponentClassDiagram.pptx
@@ -109,7 +109,7 @@
   </p:defaultTextStyle>
   <p:extLst>
     <p:ext uri="{EFAFB233-063F-42B5-8137-9DF3F51BA10A}">
-      <p15:sldGuideLst xmlns="" xmlns:p15="http://schemas.microsoft.com/office/powerpoint/2012/main">
+      <p15:sldGuideLst xmlns:p15="http://schemas.microsoft.com/office/powerpoint/2012/main" xmlns="">
         <p15:guide id="1" orient="horz" pos="1488">
           <p15:clr>
             <a:srgbClr val="A4A3A4"/>
@@ -3442,6 +3442,286 @@
           <a:chExt cx="0" cy="0"/>
         </a:xfrm>
       </p:grpSpPr>
+      <p:sp>
+        <p:nvSpPr>
+          <p:cNvPr id="408" name="Rectangle 407"/>
+          <p:cNvSpPr/>
+          <p:nvPr/>
+        </p:nvSpPr>
+        <p:spPr>
+          <a:xfrm>
+            <a:off x="1816455" y="4256134"/>
+            <a:ext cx="47059" cy="130805"/>
+          </a:xfrm>
+          <a:prstGeom prst="rect">
+            <a:avLst/>
+          </a:prstGeom>
+        </p:spPr>
+        <p:style>
+          <a:lnRef idx="2">
+            <a:schemeClr val="accent1">
+              <a:shade val="50000"/>
+            </a:schemeClr>
+          </a:lnRef>
+          <a:fillRef idx="1">
+            <a:schemeClr val="accent1"/>
+          </a:fillRef>
+          <a:effectRef idx="0">
+            <a:schemeClr val="accent1"/>
+          </a:effectRef>
+          <a:fontRef idx="minor">
+            <a:schemeClr val="lt1"/>
+          </a:fontRef>
+        </p:style>
+        <p:txBody>
+          <a:bodyPr rtlCol="0" anchor="ctr"/>
+          <a:lstStyle/>
+          <a:p>
+            <a:pPr algn="ctr"/>
+            <a:endParaRPr lang="en-SG"/>
+          </a:p>
+        </p:txBody>
+      </p:sp>
+      <p:sp>
+        <p:nvSpPr>
+          <p:cNvPr id="318" name="Rectangle 317"/>
+          <p:cNvSpPr/>
+          <p:nvPr/>
+        </p:nvSpPr>
+        <p:spPr>
+          <a:xfrm>
+            <a:off x="4300684" y="6155276"/>
+            <a:ext cx="223973" cy="54988"/>
+          </a:xfrm>
+          <a:prstGeom prst="rect">
+            <a:avLst/>
+          </a:prstGeom>
+        </p:spPr>
+        <p:style>
+          <a:lnRef idx="2">
+            <a:schemeClr val="accent1">
+              <a:shade val="50000"/>
+            </a:schemeClr>
+          </a:lnRef>
+          <a:fillRef idx="1">
+            <a:schemeClr val="accent1"/>
+          </a:fillRef>
+          <a:effectRef idx="0">
+            <a:schemeClr val="accent1"/>
+          </a:effectRef>
+          <a:fontRef idx="minor">
+            <a:schemeClr val="lt1"/>
+          </a:fontRef>
+        </p:style>
+        <p:txBody>
+          <a:bodyPr rtlCol="0" anchor="ctr"/>
+          <a:lstStyle/>
+          <a:p>
+            <a:pPr algn="ctr"/>
+            <a:endParaRPr lang="en-SG"/>
+          </a:p>
+        </p:txBody>
+      </p:sp>
+      <p:sp>
+        <p:nvSpPr>
+          <p:cNvPr id="488" name="Rectangle 487"/>
+          <p:cNvSpPr/>
+          <p:nvPr/>
+        </p:nvSpPr>
+        <p:spPr>
+          <a:xfrm>
+            <a:off x="3993966" y="6164544"/>
+            <a:ext cx="223973" cy="45719"/>
+          </a:xfrm>
+          <a:prstGeom prst="rect">
+            <a:avLst/>
+          </a:prstGeom>
+        </p:spPr>
+        <p:style>
+          <a:lnRef idx="2">
+            <a:schemeClr val="accent1">
+              <a:shade val="50000"/>
+            </a:schemeClr>
+          </a:lnRef>
+          <a:fillRef idx="1">
+            <a:schemeClr val="accent1"/>
+          </a:fillRef>
+          <a:effectRef idx="0">
+            <a:schemeClr val="accent1"/>
+          </a:effectRef>
+          <a:fontRef idx="minor">
+            <a:schemeClr val="lt1"/>
+          </a:fontRef>
+        </p:style>
+        <p:txBody>
+          <a:bodyPr rtlCol="0" anchor="ctr"/>
+          <a:lstStyle/>
+          <a:p>
+            <a:pPr algn="ctr"/>
+            <a:endParaRPr lang="en-SG"/>
+          </a:p>
+        </p:txBody>
+      </p:sp>
+      <p:sp>
+        <p:nvSpPr>
+          <p:cNvPr id="244" name="Rectangle 243"/>
+          <p:cNvSpPr/>
+          <p:nvPr/>
+        </p:nvSpPr>
+        <p:spPr>
+          <a:xfrm>
+            <a:off x="1089881" y="7301322"/>
+            <a:ext cx="119848" cy="152400"/>
+          </a:xfrm>
+          <a:prstGeom prst="rect">
+            <a:avLst/>
+          </a:prstGeom>
+        </p:spPr>
+        <p:style>
+          <a:lnRef idx="2">
+            <a:schemeClr val="accent1">
+              <a:shade val="50000"/>
+            </a:schemeClr>
+          </a:lnRef>
+          <a:fillRef idx="1">
+            <a:schemeClr val="accent1"/>
+          </a:fillRef>
+          <a:effectRef idx="0">
+            <a:schemeClr val="accent1"/>
+          </a:effectRef>
+          <a:fontRef idx="minor">
+            <a:schemeClr val="lt1"/>
+          </a:fontRef>
+        </p:style>
+        <p:txBody>
+          <a:bodyPr rtlCol="0" anchor="ctr"/>
+          <a:lstStyle/>
+          <a:p>
+            <a:pPr algn="ctr"/>
+            <a:endParaRPr lang="en-SG"/>
+          </a:p>
+        </p:txBody>
+      </p:sp>
+      <p:sp>
+        <p:nvSpPr>
+          <p:cNvPr id="232" name="Rectangle 231"/>
+          <p:cNvSpPr/>
+          <p:nvPr/>
+        </p:nvSpPr>
+        <p:spPr>
+          <a:xfrm>
+            <a:off x="3686194" y="6155276"/>
+            <a:ext cx="207064" cy="54987"/>
+          </a:xfrm>
+          <a:prstGeom prst="rect">
+            <a:avLst/>
+          </a:prstGeom>
+        </p:spPr>
+        <p:style>
+          <a:lnRef idx="2">
+            <a:schemeClr val="accent1">
+              <a:shade val="50000"/>
+            </a:schemeClr>
+          </a:lnRef>
+          <a:fillRef idx="1">
+            <a:schemeClr val="accent1"/>
+          </a:fillRef>
+          <a:effectRef idx="0">
+            <a:schemeClr val="accent1"/>
+          </a:effectRef>
+          <a:fontRef idx="minor">
+            <a:schemeClr val="lt1"/>
+          </a:fontRef>
+        </p:style>
+        <p:txBody>
+          <a:bodyPr rtlCol="0" anchor="ctr"/>
+          <a:lstStyle/>
+          <a:p>
+            <a:pPr algn="ctr"/>
+            <a:endParaRPr lang="en-SG"/>
+          </a:p>
+        </p:txBody>
+      </p:sp>
+      <p:sp>
+        <p:nvSpPr>
+          <p:cNvPr id="476" name="Rectangle 475"/>
+          <p:cNvSpPr/>
+          <p:nvPr/>
+        </p:nvSpPr>
+        <p:spPr>
+          <a:xfrm>
+            <a:off x="6565283" y="3720892"/>
+            <a:ext cx="152400" cy="116282"/>
+          </a:xfrm>
+          <a:prstGeom prst="rect">
+            <a:avLst/>
+          </a:prstGeom>
+        </p:spPr>
+        <p:style>
+          <a:lnRef idx="2">
+            <a:schemeClr val="accent1">
+              <a:shade val="50000"/>
+            </a:schemeClr>
+          </a:lnRef>
+          <a:fillRef idx="1">
+            <a:schemeClr val="accent1"/>
+          </a:fillRef>
+          <a:effectRef idx="0">
+            <a:schemeClr val="accent1"/>
+          </a:effectRef>
+          <a:fontRef idx="minor">
+            <a:schemeClr val="lt1"/>
+          </a:fontRef>
+        </p:style>
+        <p:txBody>
+          <a:bodyPr rtlCol="0" anchor="ctr"/>
+          <a:lstStyle/>
+          <a:p>
+            <a:pPr algn="ctr"/>
+            <a:endParaRPr lang="en-SG"/>
+          </a:p>
+        </p:txBody>
+      </p:sp>
+      <p:sp>
+        <p:nvSpPr>
+          <p:cNvPr id="473" name="Rectangle 472"/>
+          <p:cNvSpPr/>
+          <p:nvPr/>
+        </p:nvSpPr>
+        <p:spPr>
+          <a:xfrm>
+            <a:off x="6183193" y="3737402"/>
+            <a:ext cx="195105" cy="100076"/>
+          </a:xfrm>
+          <a:prstGeom prst="rect">
+            <a:avLst/>
+          </a:prstGeom>
+        </p:spPr>
+        <p:style>
+          <a:lnRef idx="2">
+            <a:schemeClr val="accent1">
+              <a:shade val="50000"/>
+            </a:schemeClr>
+          </a:lnRef>
+          <a:fillRef idx="1">
+            <a:schemeClr val="accent1"/>
+          </a:fillRef>
+          <a:effectRef idx="0">
+            <a:schemeClr val="accent1"/>
+          </a:effectRef>
+          <a:fontRef idx="minor">
+            <a:schemeClr val="lt1"/>
+          </a:fontRef>
+        </p:style>
+        <p:txBody>
+          <a:bodyPr rtlCol="0" anchor="ctr"/>
+          <a:lstStyle/>
+          <a:p>
+            <a:pPr algn="ctr"/>
+            <a:endParaRPr lang="en-SG"/>
+          </a:p>
+        </p:txBody>
+      </p:sp>
       <p:cxnSp>
         <p:nvCxnSpPr>
           <p:cNvPr id="165" name="Elbow Connector 122"/>
@@ -3450,8 +3730,8 @@
         </p:nvCxnSpPr>
         <p:spPr>
           <a:xfrm>
-            <a:off x="317499" y="171448"/>
-            <a:ext cx="63501" cy="15297152"/>
+            <a:off x="247651" y="661618"/>
+            <a:ext cx="0" cy="14222735"/>
           </a:xfrm>
           <a:prstGeom prst="straightConnector1">
             <a:avLst/>
@@ -3491,8 +3771,8 @@
         </p:nvSpPr>
         <p:spPr>
           <a:xfrm>
-            <a:off x="1137968" y="2335225"/>
-            <a:ext cx="7643135" cy="3124200"/>
+            <a:off x="488950" y="73769"/>
+            <a:ext cx="8382000" cy="15212306"/>
           </a:xfrm>
           <a:prstGeom prst="roundRect">
             <a:avLst>
@@ -3503,6 +3783,7 @@
             <a:schemeClr val="accent4">
               <a:lumMod val="20000"/>
               <a:lumOff val="80000"/>
+              <a:alpha val="61000"/>
             </a:schemeClr>
           </a:solidFill>
           <a:ln w="19050">
@@ -3529,14 +3810,14 @@
           <a:lstStyle/>
           <a:p>
             <a:r>
-              <a:rPr lang="en-US" sz="1200" b="1" dirty="0" smtClean="0">
+              <a:rPr lang="en-US" sz="1400" b="1" dirty="0" smtClean="0">
                 <a:solidFill>
                   <a:srgbClr val="7030A0"/>
                 </a:solidFill>
               </a:rPr>
-              <a:t>Student Model</a:t>
-            </a:r>
-            <a:endParaRPr lang="en-SG" sz="1200" b="1" dirty="0">
+              <a:t>Model</a:t>
+            </a:r>
+            <a:endParaRPr lang="en-SG" sz="1400" b="1" dirty="0">
               <a:solidFill>
                 <a:srgbClr val="7030A0"/>
               </a:solidFill>
@@ -3552,8 +3833,8 @@
         </p:nvSpPr>
         <p:spPr>
           <a:xfrm rot="16200000">
-            <a:off x="1715089" y="3804119"/>
-            <a:ext cx="1150948" cy="346760"/>
+            <a:off x="1282620" y="3508493"/>
+            <a:ext cx="1410132" cy="346760"/>
           </a:xfrm>
           <a:prstGeom prst="rect">
             <a:avLst/>
@@ -3608,20 +3889,17 @@
           <p:cNvPr id="180" name="Elbow Connector 179"/>
           <p:cNvCxnSpPr>
             <a:cxnSpLocks/>
-            <a:stCxn id="179" idx="1"/>
-            <a:endCxn id="190" idx="2"/>
+            <a:endCxn id="473" idx="2"/>
           </p:cNvCxnSpPr>
           <p:nvPr/>
         </p:nvCxnSpPr>
         <p:spPr>
-          <a:xfrm rot="5400000" flipH="1" flipV="1">
-            <a:off x="4213704" y="2016710"/>
-            <a:ext cx="613122" cy="4459404"/>
-          </a:xfrm>
-          <a:prstGeom prst="bentConnector3">
-            <a:avLst>
-              <a:gd name="adj1" fmla="val -28376"/>
-            </a:avLst>
+          <a:xfrm flipV="1">
+            <a:off x="2167632" y="3837478"/>
+            <a:ext cx="4113114" cy="484060"/>
+          </a:xfrm>
+          <a:prstGeom prst="bentConnector2">
+            <a:avLst/>
           </a:prstGeom>
           <a:ln w="19050">
             <a:solidFill>
@@ -3656,7 +3934,7 @@
         </p:nvSpPr>
         <p:spPr>
           <a:xfrm rot="16200000">
-            <a:off x="1038399" y="3596227"/>
+            <a:off x="735522" y="3504692"/>
             <a:ext cx="1093635" cy="346760"/>
           </a:xfrm>
           <a:prstGeom prst="rect">
@@ -3726,7 +4004,7 @@
         </p:nvSpPr>
         <p:spPr>
           <a:xfrm rot="16200000">
-            <a:off x="1709107" y="3687316"/>
+            <a:off x="1406230" y="3595781"/>
             <a:ext cx="270504" cy="175523"/>
           </a:xfrm>
           <a:prstGeom prst="triangle">
@@ -3765,51 +4043,6 @@
           </a:p>
         </p:txBody>
       </p:sp>
-      <p:cxnSp>
-        <p:nvCxnSpPr>
-          <p:cNvPr id="183" name="Elbow Connector 122"/>
-          <p:cNvCxnSpPr>
-            <a:endCxn id="181" idx="0"/>
-          </p:cNvCxnSpPr>
-          <p:nvPr/>
-        </p:nvCxnSpPr>
-        <p:spPr>
-          <a:xfrm flipV="1">
-            <a:off x="304799" y="3769607"/>
-            <a:ext cx="1107038" cy="6901"/>
-          </a:xfrm>
-          <a:prstGeom prst="bentConnector3">
-            <a:avLst>
-              <a:gd name="adj1" fmla="val 50000"/>
-            </a:avLst>
-          </a:prstGeom>
-          <a:ln w="19050">
-            <a:solidFill>
-              <a:schemeClr val="bg1">
-                <a:lumMod val="75000"/>
-              </a:schemeClr>
-            </a:solidFill>
-            <a:prstDash val="sysDot"/>
-            <a:headEnd type="none" w="med" len="med"/>
-            <a:tailEnd type="arrow" w="med" len="med"/>
-          </a:ln>
-          <a:effectLst/>
-        </p:spPr>
-        <p:style>
-          <a:lnRef idx="1">
-            <a:schemeClr val="accent2"/>
-          </a:lnRef>
-          <a:fillRef idx="2">
-            <a:schemeClr val="accent2"/>
-          </a:fillRef>
-          <a:effectRef idx="1">
-            <a:schemeClr val="accent2"/>
-          </a:effectRef>
-          <a:fontRef idx="minor">
-            <a:schemeClr val="dk1"/>
-          </a:fontRef>
-        </p:style>
-      </p:cxnSp>
       <p:cxnSp>
         <p:nvCxnSpPr>
           <p:cNvPr id="184" name="Straight Connector 183"/>
@@ -3820,7 +4053,7 @@
         </p:nvCxnSpPr>
         <p:spPr>
           <a:xfrm flipV="1">
-            <a:off x="1932121" y="3775077"/>
+            <a:off x="1629244" y="3683542"/>
             <a:ext cx="216105" cy="1"/>
           </a:xfrm>
           <a:prstGeom prst="line">
@@ -3859,7 +4092,7 @@
         </p:nvSpPr>
         <p:spPr>
           <a:xfrm>
-            <a:off x="2907477" y="3581187"/>
+            <a:off x="2604600" y="3489652"/>
             <a:ext cx="1490560" cy="334856"/>
           </a:xfrm>
           <a:prstGeom prst="rect">
@@ -3918,8 +4151,8 @@
         </p:nvCxnSpPr>
         <p:spPr>
           <a:xfrm>
-            <a:off x="2706557" y="3738058"/>
-            <a:ext cx="200920" cy="10557"/>
+            <a:off x="2403680" y="3653568"/>
+            <a:ext cx="200920" cy="3512"/>
           </a:xfrm>
           <a:prstGeom prst="straightConnector1">
             <a:avLst/>
@@ -3956,7 +4189,7 @@
         </p:nvSpPr>
         <p:spPr>
           <a:xfrm>
-            <a:off x="2470509" y="3651368"/>
+            <a:off x="2167632" y="3566878"/>
             <a:ext cx="236048" cy="173380"/>
           </a:xfrm>
           <a:prstGeom prst="flowChartDecision">
@@ -4001,7 +4234,7 @@
         </p:nvSpPr>
         <p:spPr>
           <a:xfrm>
-            <a:off x="4774847" y="3581187"/>
+            <a:off x="4471970" y="3489652"/>
             <a:ext cx="1156969" cy="346760"/>
           </a:xfrm>
           <a:prstGeom prst="rect">
@@ -4057,7 +4290,7 @@
         </p:nvSpPr>
         <p:spPr>
           <a:xfrm>
-            <a:off x="4407169" y="3655557"/>
+            <a:off x="4104292" y="3564022"/>
             <a:ext cx="236048" cy="173380"/>
           </a:xfrm>
           <a:prstGeom prst="flowChartDecision">
@@ -4104,8 +4337,8 @@
         </p:nvSpPr>
         <p:spPr>
           <a:xfrm>
-            <a:off x="6395874" y="3593091"/>
-            <a:ext cx="708186" cy="346760"/>
+            <a:off x="6087917" y="3499456"/>
+            <a:ext cx="728270" cy="346760"/>
           </a:xfrm>
           <a:prstGeom prst="rect">
             <a:avLst/>
@@ -4160,7 +4393,7 @@
         </p:nvSpPr>
         <p:spPr>
           <a:xfrm>
-            <a:off x="5940948" y="3676701"/>
+            <a:off x="5638071" y="3585166"/>
             <a:ext cx="236048" cy="173380"/>
           </a:xfrm>
           <a:prstGeom prst="flowChartDecision">
@@ -4208,8 +4441,8 @@
         </p:nvCxnSpPr>
         <p:spPr>
           <a:xfrm>
-            <a:off x="6176996" y="3763391"/>
-            <a:ext cx="218878" cy="3080"/>
+            <a:off x="5874119" y="3671856"/>
+            <a:ext cx="213798" cy="980"/>
           </a:xfrm>
           <a:prstGeom prst="bentConnector3">
             <a:avLst/>
@@ -4246,7 +4479,7 @@
         </p:nvSpPr>
         <p:spPr>
           <a:xfrm>
-            <a:off x="7794593" y="3299263"/>
+            <a:off x="7491716" y="3207728"/>
             <a:ext cx="898203" cy="285783"/>
           </a:xfrm>
           <a:prstGeom prst="rect">
@@ -4302,7 +4535,7 @@
         </p:nvSpPr>
         <p:spPr>
           <a:xfrm>
-            <a:off x="7124144" y="3683226"/>
+            <a:off x="6821267" y="3591691"/>
             <a:ext cx="236048" cy="173380"/>
           </a:xfrm>
           <a:prstGeom prst="flowChartDecision">
@@ -4351,7 +4584,7 @@
         </p:nvCxnSpPr>
         <p:spPr>
           <a:xfrm flipV="1">
-            <a:off x="7360192" y="3441846"/>
+            <a:off x="7057315" y="3350311"/>
             <a:ext cx="434402" cy="327761"/>
           </a:xfrm>
           <a:prstGeom prst="bentConnector3">
@@ -4389,7 +4622,7 @@
         </p:nvSpPr>
         <p:spPr>
           <a:xfrm>
-            <a:off x="7794593" y="3622241"/>
+            <a:off x="7491716" y="3530706"/>
             <a:ext cx="898203" cy="285783"/>
           </a:xfrm>
           <a:prstGeom prst="rect">
@@ -4448,7 +4681,7 @@
         </p:nvCxnSpPr>
         <p:spPr>
           <a:xfrm flipV="1">
-            <a:off x="7360192" y="3765133"/>
+            <a:off x="7057315" y="3673598"/>
             <a:ext cx="434401" cy="4783"/>
           </a:xfrm>
           <a:prstGeom prst="bentConnector3">
@@ -4486,7 +4719,7 @@
         </p:nvSpPr>
         <p:spPr>
           <a:xfrm>
-            <a:off x="7794593" y="3945219"/>
+            <a:off x="7491716" y="3853684"/>
             <a:ext cx="898203" cy="285783"/>
           </a:xfrm>
           <a:prstGeom prst="rect">
@@ -4545,7 +4778,7 @@
         </p:nvCxnSpPr>
         <p:spPr>
           <a:xfrm>
-            <a:off x="7360192" y="3769916"/>
+            <a:off x="7057315" y="3678381"/>
             <a:ext cx="434401" cy="318195"/>
           </a:xfrm>
           <a:prstGeom prst="bentConnector3">
@@ -4583,7 +4816,7 @@
         </p:nvSpPr>
         <p:spPr>
           <a:xfrm>
-            <a:off x="7794593" y="4268196"/>
+            <a:off x="7491716" y="4176661"/>
             <a:ext cx="898203" cy="285783"/>
           </a:xfrm>
           <a:prstGeom prst="rect">
@@ -4642,7 +4875,7 @@
         </p:nvCxnSpPr>
         <p:spPr>
           <a:xfrm>
-            <a:off x="7360192" y="3769916"/>
+            <a:off x="7057315" y="3678381"/>
             <a:ext cx="434401" cy="641172"/>
           </a:xfrm>
           <a:prstGeom prst="bentConnector3">
@@ -4682,7 +4915,7 @@
         </p:nvCxnSpPr>
         <p:spPr>
           <a:xfrm rot="5400000">
-            <a:off x="3635808" y="3422584"/>
+            <a:off x="3332931" y="3331049"/>
             <a:ext cx="293825" cy="5938"/>
           </a:xfrm>
           <a:prstGeom prst="bentConnector3">
@@ -4723,7 +4956,7 @@
         </p:nvSpPr>
         <p:spPr>
           <a:xfrm rot="10800000" flipV="1">
-            <a:off x="3644496" y="3121579"/>
+            <a:off x="3341619" y="3030044"/>
             <a:ext cx="282387" cy="157062"/>
           </a:xfrm>
           <a:prstGeom prst="triangle">
@@ -4771,7 +5004,7 @@
         </p:nvSpPr>
         <p:spPr>
           <a:xfrm>
-            <a:off x="1343119" y="2733375"/>
+            <a:off x="4484823" y="2638891"/>
             <a:ext cx="1443661" cy="364396"/>
           </a:xfrm>
           <a:prstGeom prst="rect">
@@ -4841,8 +5074,8 @@
           <p:nvPr/>
         </p:nvSpPr>
         <p:spPr>
-          <a:xfrm rot="16200000">
-            <a:off x="6445083" y="4321330"/>
+          <a:xfrm>
+            <a:off x="3870157" y="4094849"/>
             <a:ext cx="881018" cy="261610"/>
           </a:xfrm>
           <a:prstGeom prst="rect">
@@ -4881,7 +5114,7 @@
         </p:nvSpPr>
         <p:spPr>
           <a:xfrm>
-            <a:off x="4512176" y="3846504"/>
+            <a:off x="4209299" y="3754969"/>
             <a:ext cx="189257" cy="178683"/>
           </a:xfrm>
           <a:prstGeom prst="rect">
@@ -4920,7 +5153,7 @@
         </p:nvSpPr>
         <p:spPr>
           <a:xfrm>
-            <a:off x="6217453" y="3832942"/>
+            <a:off x="5914576" y="3741407"/>
             <a:ext cx="189257" cy="178683"/>
           </a:xfrm>
           <a:prstGeom prst="rect">
@@ -4959,7 +5192,7 @@
         </p:nvSpPr>
         <p:spPr>
           <a:xfrm>
-            <a:off x="2655591" y="3491740"/>
+            <a:off x="2352714" y="3400205"/>
             <a:ext cx="170110" cy="137542"/>
           </a:xfrm>
           <a:prstGeom prst="rect">
@@ -4998,7 +5231,7 @@
         </p:nvSpPr>
         <p:spPr>
           <a:xfrm>
-            <a:off x="6532093" y="3939851"/>
+            <a:off x="6094782" y="3874879"/>
             <a:ext cx="189257" cy="178683"/>
           </a:xfrm>
           <a:prstGeom prst="rect">
@@ -5032,6 +5265,891 @@
       <p:sp>
         <p:nvSpPr>
           <p:cNvPr id="210" name="Rectangle 8">
+            <a:extLst>
+              <a:ext uri="{FF2B5EF4-FFF2-40B4-BE49-F238E27FC236}">
+                <a16:creationId xmlns="" xmlns:a16="http://schemas.microsoft.com/office/drawing/2014/main" id="{ABDCDBD2-131A-4B66-A2F2-43BBEE82C773}"/>
+              </a:ext>
+            </a:extLst>
+          </p:cNvPr>
+          <p:cNvSpPr/>
+          <p:nvPr/>
+        </p:nvSpPr>
+        <p:spPr>
+          <a:xfrm>
+            <a:off x="7491716" y="2872307"/>
+            <a:ext cx="898203" cy="285783"/>
+          </a:xfrm>
+          <a:prstGeom prst="rect">
+            <a:avLst/>
+          </a:prstGeom>
+          <a:ln w="19050">
+            <a:solidFill>
+              <a:srgbClr val="7030A0"/>
+            </a:solidFill>
+          </a:ln>
+          <a:effectLst/>
+        </p:spPr>
+        <p:style>
+          <a:lnRef idx="1">
+            <a:schemeClr val="accent4"/>
+          </a:lnRef>
+          <a:fillRef idx="2">
+            <a:schemeClr val="accent4"/>
+          </a:fillRef>
+          <a:effectRef idx="1">
+            <a:schemeClr val="accent4"/>
+          </a:effectRef>
+          <a:fontRef idx="minor">
+            <a:schemeClr val="dk1"/>
+          </a:fontRef>
+        </p:style>
+        <p:txBody>
+          <a:bodyPr rtlCol="0" anchor="ctr"/>
+          <a:lstStyle/>
+          <a:p>
+            <a:pPr algn="ctr"/>
+            <a:r>
+              <a:rPr lang="en-US" sz="1050" dirty="0">
+                <a:solidFill>
+                  <a:srgbClr val="7030A0"/>
+                </a:solidFill>
+              </a:rPr>
+              <a:t>Tag</a:t>
+            </a:r>
+            <a:endParaRPr lang="en-SG" sz="1050" dirty="0">
+              <a:solidFill>
+                <a:srgbClr val="7030A0"/>
+              </a:solidFill>
+            </a:endParaRPr>
+          </a:p>
+        </p:txBody>
+      </p:sp>
+      <p:cxnSp>
+        <p:nvCxnSpPr>
+          <p:cNvPr id="211" name="Elbow Connector 78">
+            <a:extLst>
+              <a:ext uri="{FF2B5EF4-FFF2-40B4-BE49-F238E27FC236}">
+                <a16:creationId xmlns="" xmlns:a16="http://schemas.microsoft.com/office/drawing/2014/main" id="{B97967F8-618A-448B-81FD-CDFD4AF0EC64}"/>
+              </a:ext>
+            </a:extLst>
+          </p:cNvPr>
+          <p:cNvCxnSpPr>
+            <a:cxnSpLocks/>
+            <a:stCxn id="194" idx="3"/>
+            <a:endCxn id="210" idx="1"/>
+          </p:cNvCxnSpPr>
+          <p:nvPr/>
+        </p:nvCxnSpPr>
+        <p:spPr>
+          <a:xfrm flipV="1">
+            <a:off x="7057315" y="3015199"/>
+            <a:ext cx="434401" cy="663182"/>
+          </a:xfrm>
+          <a:prstGeom prst="bentConnector3">
+            <a:avLst>
+              <a:gd name="adj1" fmla="val 50000"/>
+            </a:avLst>
+          </a:prstGeom>
+          <a:ln w="19050">
+            <a:solidFill>
+              <a:srgbClr val="7030A0"/>
+            </a:solidFill>
+            <a:headEnd type="none" w="med" len="med"/>
+            <a:tailEnd type="arrow" w="med" len="med"/>
+          </a:ln>
+          <a:effectLst/>
+        </p:spPr>
+        <p:style>
+          <a:lnRef idx="1">
+            <a:schemeClr val="accent2"/>
+          </a:lnRef>
+          <a:fillRef idx="2">
+            <a:schemeClr val="accent2"/>
+          </a:fillRef>
+          <a:effectRef idx="1">
+            <a:schemeClr val="accent2"/>
+          </a:effectRef>
+          <a:fontRef idx="minor">
+            <a:schemeClr val="dk1"/>
+          </a:fontRef>
+        </p:style>
+      </p:cxnSp>
+      <p:sp>
+        <p:nvSpPr>
+          <p:cNvPr id="212" name="TextBox 211">
+            <a:extLst>
+              <a:ext uri="{FF2B5EF4-FFF2-40B4-BE49-F238E27FC236}">
+                <a16:creationId xmlns="" xmlns:a16="http://schemas.microsoft.com/office/drawing/2014/main" id="{B3FA9D57-880F-49C4-AD0B-A64E30D6F403}"/>
+              </a:ext>
+            </a:extLst>
+          </p:cNvPr>
+          <p:cNvSpPr txBox="1"/>
+          <p:nvPr/>
+        </p:nvSpPr>
+        <p:spPr>
+          <a:xfrm>
+            <a:off x="7245563" y="2899201"/>
+            <a:ext cx="189257" cy="178683"/>
+          </a:xfrm>
+          <a:prstGeom prst="rect">
+            <a:avLst/>
+          </a:prstGeom>
+          <a:noFill/>
+        </p:spPr>
+        <p:txBody>
+          <a:bodyPr wrap="square" lIns="0" tIns="0" rIns="0" bIns="0" rtlCol="0">
+            <a:noAutofit/>
+          </a:bodyPr>
+          <a:lstStyle/>
+          <a:p>
+            <a:pPr algn="ctr"/>
+            <a:r>
+              <a:rPr lang="en-US" sz="1100" dirty="0">
+                <a:solidFill>
+                  <a:srgbClr val="7030A0"/>
+                </a:solidFill>
+              </a:rPr>
+              <a:t>*</a:t>
+            </a:r>
+            <a:endParaRPr lang="en-SG" sz="1100" dirty="0">
+              <a:solidFill>
+                <a:srgbClr val="7030A0"/>
+              </a:solidFill>
+            </a:endParaRPr>
+          </a:p>
+        </p:txBody>
+      </p:sp>
+      <p:sp>
+        <p:nvSpPr>
+          <p:cNvPr id="213" name="Rectangle 8"/>
+          <p:cNvSpPr/>
+          <p:nvPr/>
+        </p:nvSpPr>
+        <p:spPr>
+          <a:xfrm>
+            <a:off x="2949501" y="2641840"/>
+            <a:ext cx="1060683" cy="364396"/>
+          </a:xfrm>
+          <a:prstGeom prst="rect">
+            <a:avLst/>
+          </a:prstGeom>
+          <a:ln w="19050">
+            <a:solidFill>
+              <a:srgbClr val="7030A0"/>
+            </a:solidFill>
+          </a:ln>
+          <a:effectLst/>
+        </p:spPr>
+        <p:style>
+          <a:lnRef idx="1">
+            <a:schemeClr val="accent4"/>
+          </a:lnRef>
+          <a:fillRef idx="2">
+            <a:schemeClr val="accent4"/>
+          </a:fillRef>
+          <a:effectRef idx="1">
+            <a:schemeClr val="accent4"/>
+          </a:effectRef>
+          <a:fontRef idx="minor">
+            <a:schemeClr val="dk1"/>
+          </a:fontRef>
+        </p:style>
+        <p:txBody>
+          <a:bodyPr rtlCol="0" anchor="ctr"/>
+          <a:lstStyle/>
+          <a:p>
+            <a:pPr algn="ctr"/>
+            <a:r>
+              <a:rPr lang="en-US" sz="1050" dirty="0" err="1">
+                <a:solidFill>
+                  <a:srgbClr val="7030A0"/>
+                </a:solidFill>
+              </a:rPr>
+              <a:t>AddressBook</a:t>
+            </a:r>
+            <a:endParaRPr lang="en-SG" sz="1050" dirty="0">
+              <a:solidFill>
+                <a:srgbClr val="7030A0"/>
+              </a:solidFill>
+            </a:endParaRPr>
+          </a:p>
+        </p:txBody>
+      </p:sp>
+      <p:cxnSp>
+        <p:nvCxnSpPr>
+          <p:cNvPr id="214" name="Straight Arrow Connector 213"/>
+          <p:cNvCxnSpPr>
+            <a:stCxn id="189" idx="1"/>
+            <a:endCxn id="188" idx="1"/>
+          </p:cNvCxnSpPr>
+          <p:nvPr/>
+        </p:nvCxnSpPr>
+        <p:spPr>
+          <a:xfrm>
+            <a:off x="4104292" y="3650712"/>
+            <a:ext cx="367678" cy="12320"/>
+          </a:xfrm>
+          <a:prstGeom prst="straightConnector1">
+            <a:avLst/>
+          </a:prstGeom>
+          <a:ln w="19050">
+            <a:solidFill>
+              <a:srgbClr val="7030A0"/>
+            </a:solidFill>
+            <a:headEnd type="none" w="med" len="med"/>
+            <a:tailEnd type="arrow" w="med" len="med"/>
+          </a:ln>
+          <a:effectLst/>
+        </p:spPr>
+        <p:style>
+          <a:lnRef idx="1">
+            <a:schemeClr val="accent2"/>
+          </a:lnRef>
+          <a:fillRef idx="2">
+            <a:schemeClr val="accent2"/>
+          </a:fillRef>
+          <a:effectRef idx="1">
+            <a:schemeClr val="accent2"/>
+          </a:effectRef>
+          <a:fontRef idx="minor">
+            <a:schemeClr val="dk1"/>
+          </a:fontRef>
+        </p:style>
+      </p:cxnSp>
+      <p:sp>
+        <p:nvSpPr>
+          <p:cNvPr id="215" name="Isosceles Triangle 102"/>
+          <p:cNvSpPr/>
+          <p:nvPr/>
+        </p:nvSpPr>
+        <p:spPr>
+          <a:xfrm rot="5400000">
+            <a:off x="4247941" y="2747589"/>
+            <a:ext cx="271014" cy="187417"/>
+          </a:xfrm>
+          <a:prstGeom prst="triangle">
+            <a:avLst>
+              <a:gd name="adj" fmla="val 44517"/>
+            </a:avLst>
+          </a:prstGeom>
+          <a:solidFill>
+            <a:schemeClr val="accent4">
+              <a:lumMod val="20000"/>
+              <a:lumOff val="80000"/>
+            </a:schemeClr>
+          </a:solidFill>
+          <a:ln w="19050">
+            <a:solidFill>
+              <a:srgbClr val="7030A0"/>
+            </a:solidFill>
+          </a:ln>
+          <a:effectLst/>
+        </p:spPr>
+        <p:style>
+          <a:lnRef idx="1">
+            <a:schemeClr val="accent6"/>
+          </a:lnRef>
+          <a:fillRef idx="2">
+            <a:schemeClr val="accent6"/>
+          </a:fillRef>
+          <a:effectRef idx="1">
+            <a:schemeClr val="accent6"/>
+          </a:effectRef>
+          <a:fontRef idx="minor">
+            <a:schemeClr val="dk1"/>
+          </a:fontRef>
+        </p:style>
+        <p:txBody>
+          <a:bodyPr rtlCol="0" anchor="ctr"/>
+          <a:lstStyle/>
+          <a:p>
+            <a:pPr algn="ctr"/>
+            <a:endParaRPr lang="en-SG" sz="1050"/>
+          </a:p>
+        </p:txBody>
+      </p:sp>
+      <p:cxnSp>
+        <p:nvCxnSpPr>
+          <p:cNvPr id="216" name="Elbow Connector 63"/>
+          <p:cNvCxnSpPr>
+            <a:stCxn id="215" idx="3"/>
+            <a:endCxn id="213" idx="3"/>
+          </p:cNvCxnSpPr>
+          <p:nvPr/>
+        </p:nvCxnSpPr>
+        <p:spPr>
+          <a:xfrm flipH="1" flipV="1">
+            <a:off x="4010184" y="2824038"/>
+            <a:ext cx="279556" cy="2400"/>
+          </a:xfrm>
+          <a:prstGeom prst="straightConnector1">
+            <a:avLst/>
+          </a:prstGeom>
+          <a:ln w="19050">
+            <a:solidFill>
+              <a:srgbClr val="7030A0"/>
+            </a:solidFill>
+            <a:prstDash val="sysDot"/>
+            <a:headEnd type="none" w="med" len="med"/>
+            <a:tailEnd type="none" w="med" len="med"/>
+          </a:ln>
+          <a:effectLst/>
+        </p:spPr>
+        <p:style>
+          <a:lnRef idx="1">
+            <a:schemeClr val="accent2"/>
+          </a:lnRef>
+          <a:fillRef idx="2">
+            <a:schemeClr val="accent2"/>
+          </a:fillRef>
+          <a:effectRef idx="1">
+            <a:schemeClr val="accent2"/>
+          </a:effectRef>
+          <a:fontRef idx="minor">
+            <a:schemeClr val="dk1"/>
+          </a:fontRef>
+        </p:style>
+      </p:cxnSp>
+      <p:sp>
+        <p:nvSpPr>
+          <p:cNvPr id="217" name="Rectangle 8"/>
+          <p:cNvSpPr/>
+          <p:nvPr/>
+        </p:nvSpPr>
+        <p:spPr>
+          <a:xfrm>
+            <a:off x="7491716" y="4502987"/>
+            <a:ext cx="898204" cy="285783"/>
+          </a:xfrm>
+          <a:prstGeom prst="rect">
+            <a:avLst/>
+          </a:prstGeom>
+          <a:ln w="19050">
+            <a:solidFill>
+              <a:srgbClr val="7030A0"/>
+            </a:solidFill>
+          </a:ln>
+          <a:effectLst/>
+        </p:spPr>
+        <p:style>
+          <a:lnRef idx="1">
+            <a:schemeClr val="accent4"/>
+          </a:lnRef>
+          <a:fillRef idx="2">
+            <a:schemeClr val="accent4"/>
+          </a:fillRef>
+          <a:effectRef idx="1">
+            <a:schemeClr val="accent4"/>
+          </a:effectRef>
+          <a:fontRef idx="minor">
+            <a:schemeClr val="dk1"/>
+          </a:fontRef>
+        </p:style>
+        <p:txBody>
+          <a:bodyPr rtlCol="0" anchor="ctr"/>
+          <a:lstStyle/>
+          <a:p>
+            <a:pPr algn="ctr"/>
+            <a:r>
+              <a:rPr lang="en-US" sz="1050" dirty="0" err="1" smtClean="0">
+                <a:solidFill>
+                  <a:srgbClr val="7030A0"/>
+                </a:solidFill>
+              </a:rPr>
+              <a:t>CourseCode</a:t>
+            </a:r>
+            <a:endParaRPr lang="en-SG" sz="1050" dirty="0">
+              <a:solidFill>
+                <a:srgbClr val="7030A0"/>
+              </a:solidFill>
+            </a:endParaRPr>
+          </a:p>
+        </p:txBody>
+      </p:sp>
+      <p:sp>
+        <p:nvSpPr>
+          <p:cNvPr id="218" name="Rectangle 8"/>
+          <p:cNvSpPr/>
+          <p:nvPr/>
+        </p:nvSpPr>
+        <p:spPr>
+          <a:xfrm>
+            <a:off x="7491716" y="4828394"/>
+            <a:ext cx="898203" cy="285783"/>
+          </a:xfrm>
+          <a:prstGeom prst="rect">
+            <a:avLst/>
+          </a:prstGeom>
+          <a:ln w="19050">
+            <a:solidFill>
+              <a:srgbClr val="7030A0"/>
+            </a:solidFill>
+          </a:ln>
+          <a:effectLst/>
+        </p:spPr>
+        <p:style>
+          <a:lnRef idx="1">
+            <a:schemeClr val="accent4"/>
+          </a:lnRef>
+          <a:fillRef idx="2">
+            <a:schemeClr val="accent4"/>
+          </a:fillRef>
+          <a:effectRef idx="1">
+            <a:schemeClr val="accent4"/>
+          </a:effectRef>
+          <a:fontRef idx="minor">
+            <a:schemeClr val="dk1"/>
+          </a:fontRef>
+        </p:style>
+        <p:txBody>
+          <a:bodyPr rtlCol="0" anchor="ctr"/>
+          <a:lstStyle/>
+          <a:p>
+            <a:pPr algn="ctr"/>
+            <a:r>
+              <a:rPr lang="en-US" sz="1050" dirty="0" err="1" smtClean="0">
+                <a:solidFill>
+                  <a:srgbClr val="7030A0"/>
+                </a:solidFill>
+              </a:rPr>
+              <a:t>MatricNo</a:t>
+            </a:r>
+            <a:endParaRPr lang="en-SG" sz="1050" dirty="0">
+              <a:solidFill>
+                <a:srgbClr val="7030A0"/>
+              </a:solidFill>
+            </a:endParaRPr>
+          </a:p>
+        </p:txBody>
+      </p:sp>
+      <p:cxnSp>
+        <p:nvCxnSpPr>
+          <p:cNvPr id="219" name="Elbow Connector 218"/>
+          <p:cNvCxnSpPr>
+            <a:stCxn id="194" idx="3"/>
+            <a:endCxn id="217" idx="1"/>
+          </p:cNvCxnSpPr>
+          <p:nvPr/>
+        </p:nvCxnSpPr>
+        <p:spPr>
+          <a:xfrm>
+            <a:off x="7057315" y="3678381"/>
+            <a:ext cx="434401" cy="967498"/>
+          </a:xfrm>
+          <a:prstGeom prst="bentConnector3">
+            <a:avLst>
+              <a:gd name="adj1" fmla="val 50000"/>
+            </a:avLst>
+          </a:prstGeom>
+          <a:ln w="19050">
+            <a:solidFill>
+              <a:srgbClr val="7030A0"/>
+            </a:solidFill>
+            <a:headEnd type="none" w="med" len="med"/>
+            <a:tailEnd type="arrow" w="med" len="med"/>
+          </a:ln>
+          <a:effectLst/>
+        </p:spPr>
+        <p:style>
+          <a:lnRef idx="1">
+            <a:schemeClr val="accent2"/>
+          </a:lnRef>
+          <a:fillRef idx="2">
+            <a:schemeClr val="accent2"/>
+          </a:fillRef>
+          <a:effectRef idx="1">
+            <a:schemeClr val="accent2"/>
+          </a:effectRef>
+          <a:fontRef idx="minor">
+            <a:schemeClr val="dk1"/>
+          </a:fontRef>
+        </p:style>
+      </p:cxnSp>
+      <p:cxnSp>
+        <p:nvCxnSpPr>
+          <p:cNvPr id="220" name="Elbow Connector 219"/>
+          <p:cNvCxnSpPr>
+            <a:stCxn id="194" idx="3"/>
+            <a:endCxn id="218" idx="1"/>
+          </p:cNvCxnSpPr>
+          <p:nvPr/>
+        </p:nvCxnSpPr>
+        <p:spPr>
+          <a:xfrm>
+            <a:off x="7057315" y="3678381"/>
+            <a:ext cx="434401" cy="1292905"/>
+          </a:xfrm>
+          <a:prstGeom prst="bentConnector3">
+            <a:avLst>
+              <a:gd name="adj1" fmla="val 50000"/>
+            </a:avLst>
+          </a:prstGeom>
+          <a:ln w="19050">
+            <a:solidFill>
+              <a:srgbClr val="7030A0"/>
+            </a:solidFill>
+            <a:headEnd type="none" w="med" len="med"/>
+            <a:tailEnd type="arrow" w="med" len="med"/>
+          </a:ln>
+          <a:effectLst/>
+        </p:spPr>
+        <p:style>
+          <a:lnRef idx="1">
+            <a:schemeClr val="accent2"/>
+          </a:lnRef>
+          <a:fillRef idx="2">
+            <a:schemeClr val="accent2"/>
+          </a:fillRef>
+          <a:effectRef idx="1">
+            <a:schemeClr val="accent2"/>
+          </a:effectRef>
+          <a:fontRef idx="minor">
+            <a:schemeClr val="dk1"/>
+          </a:fontRef>
+        </p:style>
+      </p:cxnSp>
+      <p:sp>
+        <p:nvSpPr>
+          <p:cNvPr id="252" name="Rectangle 62"/>
+          <p:cNvSpPr/>
+          <p:nvPr/>
+        </p:nvSpPr>
+        <p:spPr>
+          <a:xfrm rot="16200000">
+            <a:off x="772607" y="1035056"/>
+            <a:ext cx="1093635" cy="346760"/>
+          </a:xfrm>
+          <a:prstGeom prst="rect">
+            <a:avLst/>
+          </a:prstGeom>
+          <a:solidFill>
+            <a:srgbClr val="7030A0"/>
+          </a:solidFill>
+          <a:ln w="19050">
+            <a:solidFill>
+              <a:srgbClr val="7030A0"/>
+            </a:solidFill>
+          </a:ln>
+          <a:effectLst/>
+        </p:spPr>
+        <p:style>
+          <a:lnRef idx="1">
+            <a:schemeClr val="accent2"/>
+          </a:lnRef>
+          <a:fillRef idx="2">
+            <a:schemeClr val="accent2"/>
+          </a:fillRef>
+          <a:effectRef idx="1">
+            <a:schemeClr val="accent2"/>
+          </a:effectRef>
+          <a:fontRef idx="minor">
+            <a:schemeClr val="dk1"/>
+          </a:fontRef>
+        </p:style>
+        <p:txBody>
+          <a:bodyPr rtlCol="0" anchor="ctr"/>
+          <a:lstStyle/>
+          <a:p>
+            <a:pPr algn="ctr"/>
+            <a:r>
+              <a:rPr lang="en-US" sz="1050" dirty="0" err="1" smtClean="0">
+                <a:solidFill>
+                  <a:schemeClr val="bg1"/>
+                </a:solidFill>
+              </a:rPr>
+              <a:t>CourseManager</a:t>
+            </a:r>
+            <a:endParaRPr lang="en-US" sz="1050" dirty="0" smtClean="0">
+              <a:solidFill>
+                <a:schemeClr val="bg1"/>
+              </a:solidFill>
+            </a:endParaRPr>
+          </a:p>
+        </p:txBody>
+      </p:sp>
+      <p:cxnSp>
+        <p:nvCxnSpPr>
+          <p:cNvPr id="254" name="Straight Arrow Connector 253"/>
+          <p:cNvCxnSpPr>
+            <a:endCxn id="255" idx="1"/>
+          </p:cNvCxnSpPr>
+          <p:nvPr/>
+        </p:nvCxnSpPr>
+        <p:spPr>
+          <a:xfrm>
+            <a:off x="1728853" y="1222629"/>
+            <a:ext cx="254083" cy="0"/>
+          </a:xfrm>
+          <a:prstGeom prst="straightConnector1">
+            <a:avLst/>
+          </a:prstGeom>
+          <a:ln w="19050">
+            <a:solidFill>
+              <a:srgbClr val="7030A0"/>
+            </a:solidFill>
+            <a:headEnd type="none" w="med" len="med"/>
+            <a:tailEnd type="arrow" w="med" len="med"/>
+          </a:ln>
+          <a:effectLst/>
+        </p:spPr>
+        <p:style>
+          <a:lnRef idx="1">
+            <a:schemeClr val="accent2"/>
+          </a:lnRef>
+          <a:fillRef idx="2">
+            <a:schemeClr val="accent2"/>
+          </a:fillRef>
+          <a:effectRef idx="1">
+            <a:schemeClr val="accent2"/>
+          </a:effectRef>
+          <a:fontRef idx="minor">
+            <a:schemeClr val="dk1"/>
+          </a:fontRef>
+        </p:style>
+      </p:cxnSp>
+      <p:sp>
+        <p:nvSpPr>
+          <p:cNvPr id="255" name="Rectangle 8"/>
+          <p:cNvSpPr/>
+          <p:nvPr/>
+        </p:nvSpPr>
+        <p:spPr>
+          <a:xfrm>
+            <a:off x="1982936" y="1049249"/>
+            <a:ext cx="708186" cy="346760"/>
+          </a:xfrm>
+          <a:prstGeom prst="rect">
+            <a:avLst/>
+          </a:prstGeom>
+          <a:ln w="19050">
+            <a:solidFill>
+              <a:srgbClr val="7030A0"/>
+            </a:solidFill>
+          </a:ln>
+          <a:effectLst/>
+        </p:spPr>
+        <p:style>
+          <a:lnRef idx="1">
+            <a:schemeClr val="accent4"/>
+          </a:lnRef>
+          <a:fillRef idx="2">
+            <a:schemeClr val="accent4"/>
+          </a:fillRef>
+          <a:effectRef idx="1">
+            <a:schemeClr val="accent4"/>
+          </a:effectRef>
+          <a:fontRef idx="minor">
+            <a:schemeClr val="dk1"/>
+          </a:fontRef>
+        </p:style>
+        <p:txBody>
+          <a:bodyPr rtlCol="0" anchor="ctr"/>
+          <a:lstStyle/>
+          <a:p>
+            <a:pPr algn="ctr"/>
+            <a:r>
+              <a:rPr lang="en-US" sz="1050" dirty="0" smtClean="0">
+                <a:solidFill>
+                  <a:srgbClr val="7030A0"/>
+                </a:solidFill>
+              </a:rPr>
+              <a:t>Course</a:t>
+            </a:r>
+            <a:endParaRPr lang="en-SG" sz="1050" dirty="0">
+              <a:solidFill>
+                <a:srgbClr val="7030A0"/>
+              </a:solidFill>
+            </a:endParaRPr>
+          </a:p>
+        </p:txBody>
+      </p:sp>
+      <p:sp>
+        <p:nvSpPr>
+          <p:cNvPr id="256" name="Rectangle 8"/>
+          <p:cNvSpPr/>
+          <p:nvPr/>
+        </p:nvSpPr>
+        <p:spPr>
+          <a:xfrm>
+            <a:off x="3394669" y="1079737"/>
+            <a:ext cx="1001834" cy="285783"/>
+          </a:xfrm>
+          <a:prstGeom prst="rect">
+            <a:avLst/>
+          </a:prstGeom>
+          <a:ln w="19050">
+            <a:solidFill>
+              <a:srgbClr val="7030A0"/>
+            </a:solidFill>
+          </a:ln>
+          <a:effectLst/>
+        </p:spPr>
+        <p:style>
+          <a:lnRef idx="1">
+            <a:schemeClr val="accent4"/>
+          </a:lnRef>
+          <a:fillRef idx="2">
+            <a:schemeClr val="accent4"/>
+          </a:fillRef>
+          <a:effectRef idx="1">
+            <a:schemeClr val="accent4"/>
+          </a:effectRef>
+          <a:fontRef idx="minor">
+            <a:schemeClr val="dk1"/>
+          </a:fontRef>
+        </p:style>
+        <p:txBody>
+          <a:bodyPr rtlCol="0" anchor="ctr"/>
+          <a:lstStyle/>
+          <a:p>
+            <a:pPr algn="ctr"/>
+            <a:r>
+              <a:rPr lang="en-US" sz="1050" dirty="0" err="1" smtClean="0">
+                <a:solidFill>
+                  <a:srgbClr val="7030A0"/>
+                </a:solidFill>
+              </a:rPr>
+              <a:t>CourseName</a:t>
+            </a:r>
+            <a:endParaRPr lang="en-SG" sz="1050" dirty="0">
+              <a:solidFill>
+                <a:srgbClr val="7030A0"/>
+              </a:solidFill>
+            </a:endParaRPr>
+          </a:p>
+        </p:txBody>
+      </p:sp>
+      <p:sp>
+        <p:nvSpPr>
+          <p:cNvPr id="257" name="Flowchart: Decision 96"/>
+          <p:cNvSpPr/>
+          <p:nvPr/>
+        </p:nvSpPr>
+        <p:spPr>
+          <a:xfrm>
+            <a:off x="2716123" y="1135939"/>
+            <a:ext cx="236048" cy="173380"/>
+          </a:xfrm>
+          <a:prstGeom prst="flowChartDecision">
+            <a:avLst/>
+          </a:prstGeom>
+          <a:solidFill>
+            <a:srgbClr val="7030A0"/>
+          </a:solidFill>
+          <a:ln w="19050">
+            <a:solidFill>
+              <a:srgbClr val="7030A0"/>
+            </a:solidFill>
+          </a:ln>
+          <a:effectLst/>
+        </p:spPr>
+        <p:style>
+          <a:lnRef idx="1">
+            <a:schemeClr val="accent6"/>
+          </a:lnRef>
+          <a:fillRef idx="2">
+            <a:schemeClr val="accent6"/>
+          </a:fillRef>
+          <a:effectRef idx="1">
+            <a:schemeClr val="accent6"/>
+          </a:effectRef>
+          <a:fontRef idx="minor">
+            <a:schemeClr val="dk1"/>
+          </a:fontRef>
+        </p:style>
+        <p:txBody>
+          <a:bodyPr rtlCol="0" anchor="ctr"/>
+          <a:lstStyle/>
+          <a:p>
+            <a:pPr algn="ctr"/>
+            <a:endParaRPr lang="en-US" sz="1050"/>
+          </a:p>
+        </p:txBody>
+      </p:sp>
+      <p:cxnSp>
+        <p:nvCxnSpPr>
+          <p:cNvPr id="258" name="Elbow Connector 257"/>
+          <p:cNvCxnSpPr>
+            <a:cxnSpLocks/>
+            <a:stCxn id="257" idx="3"/>
+            <a:endCxn id="256" idx="1"/>
+          </p:cNvCxnSpPr>
+          <p:nvPr/>
+        </p:nvCxnSpPr>
+        <p:spPr>
+          <a:xfrm>
+            <a:off x="2952171" y="1222629"/>
+            <a:ext cx="442498" cy="12700"/>
+          </a:xfrm>
+          <a:prstGeom prst="bentConnector3">
+            <a:avLst/>
+          </a:prstGeom>
+          <a:ln w="19050">
+            <a:solidFill>
+              <a:srgbClr val="7030A0"/>
+            </a:solidFill>
+            <a:headEnd type="none" w="med" len="med"/>
+            <a:tailEnd type="arrow" w="med" len="med"/>
+          </a:ln>
+          <a:effectLst/>
+        </p:spPr>
+        <p:style>
+          <a:lnRef idx="1">
+            <a:schemeClr val="accent2"/>
+          </a:lnRef>
+          <a:fillRef idx="2">
+            <a:schemeClr val="accent2"/>
+          </a:fillRef>
+          <a:effectRef idx="1">
+            <a:schemeClr val="accent2"/>
+          </a:effectRef>
+          <a:fontRef idx="minor">
+            <a:schemeClr val="dk1"/>
+          </a:fontRef>
+        </p:style>
+      </p:cxnSp>
+      <p:sp>
+        <p:nvSpPr>
+          <p:cNvPr id="259" name="TextBox 258"/>
+          <p:cNvSpPr txBox="1"/>
+          <p:nvPr/>
+        </p:nvSpPr>
+        <p:spPr>
+          <a:xfrm>
+            <a:off x="1801230" y="1060907"/>
+            <a:ext cx="170110" cy="137542"/>
+          </a:xfrm>
+          <a:prstGeom prst="rect">
+            <a:avLst/>
+          </a:prstGeom>
+          <a:noFill/>
+        </p:spPr>
+        <p:txBody>
+          <a:bodyPr wrap="square" lIns="0" tIns="0" rIns="0" bIns="0" rtlCol="0">
+            <a:noAutofit/>
+          </a:bodyPr>
+          <a:lstStyle/>
+          <a:p>
+            <a:pPr algn="ctr"/>
+            <a:r>
+              <a:rPr lang="en-US" sz="1100" dirty="0">
+                <a:solidFill>
+                  <a:srgbClr val="7030A0"/>
+                </a:solidFill>
+              </a:rPr>
+              <a:t>*</a:t>
+            </a:r>
+            <a:endParaRPr lang="en-SG" sz="1100" dirty="0">
+              <a:solidFill>
+                <a:srgbClr val="7030A0"/>
+              </a:solidFill>
+            </a:endParaRPr>
+          </a:p>
+        </p:txBody>
+      </p:sp>
+      <p:sp>
+        <p:nvSpPr>
+          <p:cNvPr id="260" name="Rectangle 8">
             <a:extLst>
               <a:ext uri="{FF2B5EF4-FFF2-40B4-BE49-F238E27FC236}">
                 <a16:creationId xmlns:a16="http://schemas.microsoft.com/office/drawing/2014/main" xmlns="" id="{ABDCDBD2-131A-4B66-A2F2-43BBEE82C773}"/>
@@ -5043,8 +6161,8 @@
         </p:nvSpPr>
         <p:spPr>
           <a:xfrm>
-            <a:off x="7794593" y="2963842"/>
-            <a:ext cx="898203" cy="285783"/>
+            <a:off x="3394668" y="756836"/>
+            <a:ext cx="1001835" cy="285783"/>
           </a:xfrm>
           <a:prstGeom prst="rect">
             <a:avLst/>
@@ -5076,12 +6194,12 @@
           <a:p>
             <a:pPr algn="ctr"/>
             <a:r>
-              <a:rPr lang="en-US" sz="1050" dirty="0">
+              <a:rPr lang="en-US" sz="1050" dirty="0" err="1" smtClean="0">
                 <a:solidFill>
                   <a:srgbClr val="7030A0"/>
                 </a:solidFill>
               </a:rPr>
-              <a:t>Tag</a:t>
+              <a:t>CourseCode</a:t>
             </a:r>
             <a:endParaRPr lang="en-SG" sz="1050" dirty="0">
               <a:solidFill>
@@ -5093,7 +6211,7 @@
       </p:sp>
       <p:cxnSp>
         <p:nvCxnSpPr>
-          <p:cNvPr id="211" name="Elbow Connector 78">
+          <p:cNvPr id="261" name="Elbow Connector 78">
             <a:extLst>
               <a:ext uri="{FF2B5EF4-FFF2-40B4-BE49-F238E27FC236}">
                 <a16:creationId xmlns:a16="http://schemas.microsoft.com/office/drawing/2014/main" xmlns="" id="{B97967F8-618A-448B-81FD-CDFD4AF0EC64}"/>
@@ -5102,15 +6220,15 @@
           </p:cNvPr>
           <p:cNvCxnSpPr>
             <a:cxnSpLocks/>
-            <a:stCxn id="194" idx="3"/>
-            <a:endCxn id="210" idx="1"/>
+            <a:stCxn id="257" idx="3"/>
+            <a:endCxn id="260" idx="1"/>
           </p:cNvCxnSpPr>
           <p:nvPr/>
         </p:nvCxnSpPr>
         <p:spPr>
           <a:xfrm flipV="1">
-            <a:off x="7360192" y="3106734"/>
-            <a:ext cx="434401" cy="663182"/>
+            <a:off x="2952171" y="899728"/>
+            <a:ext cx="442497" cy="322901"/>
           </a:xfrm>
           <a:prstGeom prst="bentConnector3">
             <a:avLst>
@@ -5143,20 +6261,460 @@
       </p:cxnSp>
       <p:sp>
         <p:nvSpPr>
-          <p:cNvPr id="212" name="TextBox 211">
-            <a:extLst>
-              <a:ext uri="{FF2B5EF4-FFF2-40B4-BE49-F238E27FC236}">
-                <a16:creationId xmlns:a16="http://schemas.microsoft.com/office/drawing/2014/main" xmlns="" id="{B3FA9D57-880F-49C4-AD0B-A64E30D6F403}"/>
-              </a:ext>
-            </a:extLst>
-          </p:cNvPr>
+          <p:cNvPr id="262" name="Rectangle 8"/>
+          <p:cNvSpPr/>
+          <p:nvPr/>
+        </p:nvSpPr>
+        <p:spPr>
+          <a:xfrm>
+            <a:off x="3394669" y="1396009"/>
+            <a:ext cx="1001834" cy="285783"/>
+          </a:xfrm>
+          <a:prstGeom prst="rect">
+            <a:avLst/>
+          </a:prstGeom>
+          <a:ln w="19050">
+            <a:solidFill>
+              <a:srgbClr val="7030A0"/>
+            </a:solidFill>
+          </a:ln>
+          <a:effectLst/>
+        </p:spPr>
+        <p:style>
+          <a:lnRef idx="1">
+            <a:schemeClr val="accent4"/>
+          </a:lnRef>
+          <a:fillRef idx="2">
+            <a:schemeClr val="accent4"/>
+          </a:fillRef>
+          <a:effectRef idx="1">
+            <a:schemeClr val="accent4"/>
+          </a:effectRef>
+          <a:fontRef idx="minor">
+            <a:schemeClr val="dk1"/>
+          </a:fontRef>
+        </p:style>
+        <p:txBody>
+          <a:bodyPr rtlCol="0" anchor="ctr"/>
+          <a:lstStyle/>
+          <a:p>
+            <a:pPr algn="ctr"/>
+            <a:r>
+              <a:rPr lang="en-US" sz="1000" dirty="0" err="1" smtClean="0">
+                <a:solidFill>
+                  <a:srgbClr val="7030A0"/>
+                </a:solidFill>
+              </a:rPr>
+              <a:t>FacultyName</a:t>
+            </a:r>
+            <a:endParaRPr lang="en-SG" sz="1000" dirty="0">
+              <a:solidFill>
+                <a:srgbClr val="7030A0"/>
+              </a:solidFill>
+            </a:endParaRPr>
+          </a:p>
+        </p:txBody>
+      </p:sp>
+      <p:cxnSp>
+        <p:nvCxnSpPr>
+          <p:cNvPr id="263" name="Elbow Connector 262"/>
+          <p:cNvCxnSpPr>
+            <a:cxnSpLocks/>
+            <a:stCxn id="257" idx="3"/>
+            <a:endCxn id="262" idx="1"/>
+          </p:cNvCxnSpPr>
+          <p:nvPr/>
+        </p:nvCxnSpPr>
+        <p:spPr>
+          <a:xfrm>
+            <a:off x="2952171" y="1222629"/>
+            <a:ext cx="442498" cy="316272"/>
+          </a:xfrm>
+          <a:prstGeom prst="bentConnector3">
+            <a:avLst/>
+          </a:prstGeom>
+          <a:ln w="19050">
+            <a:solidFill>
+              <a:srgbClr val="7030A0"/>
+            </a:solidFill>
+            <a:headEnd type="none" w="med" len="med"/>
+            <a:tailEnd type="arrow" w="med" len="med"/>
+          </a:ln>
+          <a:effectLst/>
+        </p:spPr>
+        <p:style>
+          <a:lnRef idx="1">
+            <a:schemeClr val="accent2"/>
+          </a:lnRef>
+          <a:fillRef idx="2">
+            <a:schemeClr val="accent2"/>
+          </a:fillRef>
+          <a:effectRef idx="1">
+            <a:schemeClr val="accent2"/>
+          </a:effectRef>
+          <a:fontRef idx="minor">
+            <a:schemeClr val="dk1"/>
+          </a:fontRef>
+        </p:style>
+      </p:cxnSp>
+      <p:sp>
+        <p:nvSpPr>
+          <p:cNvPr id="264" name="Flowchart: Decision 96"/>
+          <p:cNvSpPr/>
+          <p:nvPr/>
+        </p:nvSpPr>
+        <p:spPr>
+          <a:xfrm>
+            <a:off x="1492805" y="1135938"/>
+            <a:ext cx="236048" cy="173380"/>
+          </a:xfrm>
+          <a:prstGeom prst="flowChartDecision">
+            <a:avLst/>
+          </a:prstGeom>
+          <a:solidFill>
+            <a:srgbClr val="7030A0"/>
+          </a:solidFill>
+          <a:ln w="19050">
+            <a:solidFill>
+              <a:srgbClr val="7030A0"/>
+            </a:solidFill>
+          </a:ln>
+          <a:effectLst/>
+        </p:spPr>
+        <p:style>
+          <a:lnRef idx="1">
+            <a:schemeClr val="accent6"/>
+          </a:lnRef>
+          <a:fillRef idx="2">
+            <a:schemeClr val="accent6"/>
+          </a:fillRef>
+          <a:effectRef idx="1">
+            <a:schemeClr val="accent6"/>
+          </a:effectRef>
+          <a:fontRef idx="minor">
+            <a:schemeClr val="dk1"/>
+          </a:fontRef>
+        </p:style>
+        <p:txBody>
+          <a:bodyPr rtlCol="0" anchor="ctr"/>
+          <a:lstStyle/>
+          <a:p>
+            <a:pPr algn="ctr"/>
+            <a:endParaRPr lang="en-US" sz="1050"/>
+          </a:p>
+        </p:txBody>
+      </p:sp>
+      <p:sp>
+        <p:nvSpPr>
+          <p:cNvPr id="267" name="Rectangle 62"/>
+          <p:cNvSpPr/>
+          <p:nvPr/>
+        </p:nvSpPr>
+        <p:spPr>
+          <a:xfrm rot="16200000">
+            <a:off x="723345" y="5533552"/>
+            <a:ext cx="1093635" cy="346760"/>
+          </a:xfrm>
+          <a:prstGeom prst="rect">
+            <a:avLst/>
+          </a:prstGeom>
+          <a:solidFill>
+            <a:srgbClr val="7030A0"/>
+          </a:solidFill>
+          <a:ln w="19050">
+            <a:solidFill>
+              <a:srgbClr val="7030A0"/>
+            </a:solidFill>
+          </a:ln>
+          <a:effectLst/>
+        </p:spPr>
+        <p:style>
+          <a:lnRef idx="1">
+            <a:schemeClr val="accent2"/>
+          </a:lnRef>
+          <a:fillRef idx="2">
+            <a:schemeClr val="accent2"/>
+          </a:fillRef>
+          <a:effectRef idx="1">
+            <a:schemeClr val="accent2"/>
+          </a:effectRef>
+          <a:fontRef idx="minor">
+            <a:schemeClr val="dk1"/>
+          </a:fontRef>
+        </p:style>
+        <p:txBody>
+          <a:bodyPr rtlCol="0" anchor="ctr"/>
+          <a:lstStyle/>
+          <a:p>
+            <a:pPr algn="ctr"/>
+            <a:r>
+              <a:rPr lang="en-US" sz="1050" dirty="0" err="1" smtClean="0">
+                <a:solidFill>
+                  <a:schemeClr val="bg1"/>
+                </a:solidFill>
+              </a:rPr>
+              <a:t>ModuleManager</a:t>
+            </a:r>
+            <a:endParaRPr lang="en-US" sz="1050" dirty="0" smtClean="0">
+              <a:solidFill>
+                <a:schemeClr val="bg1"/>
+              </a:solidFill>
+            </a:endParaRPr>
+          </a:p>
+        </p:txBody>
+      </p:sp>
+      <p:cxnSp>
+        <p:nvCxnSpPr>
+          <p:cNvPr id="269" name="Straight Arrow Connector 268"/>
+          <p:cNvCxnSpPr>
+            <a:stCxn id="280" idx="3"/>
+            <a:endCxn id="270" idx="1"/>
+          </p:cNvCxnSpPr>
+          <p:nvPr/>
+        </p:nvCxnSpPr>
+        <p:spPr>
+          <a:xfrm>
+            <a:off x="1689333" y="5705120"/>
+            <a:ext cx="216152" cy="1813"/>
+          </a:xfrm>
+          <a:prstGeom prst="straightConnector1">
+            <a:avLst/>
+          </a:prstGeom>
+          <a:ln w="19050">
+            <a:solidFill>
+              <a:srgbClr val="7030A0"/>
+            </a:solidFill>
+            <a:headEnd type="none" w="med" len="med"/>
+            <a:tailEnd type="arrow" w="med" len="med"/>
+          </a:ln>
+          <a:effectLst/>
+        </p:spPr>
+        <p:style>
+          <a:lnRef idx="1">
+            <a:schemeClr val="accent2"/>
+          </a:lnRef>
+          <a:fillRef idx="2">
+            <a:schemeClr val="accent2"/>
+          </a:fillRef>
+          <a:effectRef idx="1">
+            <a:schemeClr val="accent2"/>
+          </a:effectRef>
+          <a:fontRef idx="minor">
+            <a:schemeClr val="dk1"/>
+          </a:fontRef>
+        </p:style>
+      </p:cxnSp>
+      <p:sp>
+        <p:nvSpPr>
+          <p:cNvPr id="270" name="Rectangle 8"/>
+          <p:cNvSpPr/>
+          <p:nvPr/>
+        </p:nvSpPr>
+        <p:spPr>
+          <a:xfrm>
+            <a:off x="1905485" y="5533553"/>
+            <a:ext cx="1033870" cy="346760"/>
+          </a:xfrm>
+          <a:prstGeom prst="rect">
+            <a:avLst/>
+          </a:prstGeom>
+          <a:ln w="19050">
+            <a:solidFill>
+              <a:srgbClr val="7030A0"/>
+            </a:solidFill>
+          </a:ln>
+          <a:effectLst/>
+        </p:spPr>
+        <p:style>
+          <a:lnRef idx="1">
+            <a:schemeClr val="accent4"/>
+          </a:lnRef>
+          <a:fillRef idx="2">
+            <a:schemeClr val="accent4"/>
+          </a:fillRef>
+          <a:effectRef idx="1">
+            <a:schemeClr val="accent4"/>
+          </a:effectRef>
+          <a:fontRef idx="minor">
+            <a:schemeClr val="dk1"/>
+          </a:fontRef>
+        </p:style>
+        <p:txBody>
+          <a:bodyPr rtlCol="0" anchor="ctr"/>
+          <a:lstStyle/>
+          <a:p>
+            <a:pPr algn="ctr"/>
+            <a:r>
+              <a:rPr lang="en-US" sz="1050" smtClean="0">
+                <a:solidFill>
+                  <a:srgbClr val="7030A0"/>
+                </a:solidFill>
+              </a:rPr>
+              <a:t>Module</a:t>
+            </a:r>
+            <a:endParaRPr lang="en-SG" sz="1050" dirty="0">
+              <a:solidFill>
+                <a:srgbClr val="7030A0"/>
+              </a:solidFill>
+            </a:endParaRPr>
+          </a:p>
+        </p:txBody>
+      </p:sp>
+      <p:sp>
+        <p:nvSpPr>
+          <p:cNvPr id="271" name="Rectangle 8"/>
+          <p:cNvSpPr/>
+          <p:nvPr/>
+        </p:nvSpPr>
+        <p:spPr>
+          <a:xfrm>
+            <a:off x="3607426" y="5567551"/>
+            <a:ext cx="1001834" cy="285783"/>
+          </a:xfrm>
+          <a:prstGeom prst="rect">
+            <a:avLst/>
+          </a:prstGeom>
+          <a:ln w="19050">
+            <a:solidFill>
+              <a:srgbClr val="7030A0"/>
+            </a:solidFill>
+          </a:ln>
+          <a:effectLst/>
+        </p:spPr>
+        <p:style>
+          <a:lnRef idx="1">
+            <a:schemeClr val="accent4"/>
+          </a:lnRef>
+          <a:fillRef idx="2">
+            <a:schemeClr val="accent4"/>
+          </a:fillRef>
+          <a:effectRef idx="1">
+            <a:schemeClr val="accent4"/>
+          </a:effectRef>
+          <a:fontRef idx="minor">
+            <a:schemeClr val="dk1"/>
+          </a:fontRef>
+        </p:style>
+        <p:txBody>
+          <a:bodyPr rtlCol="0" anchor="ctr"/>
+          <a:lstStyle/>
+          <a:p>
+            <a:pPr algn="ctr"/>
+            <a:r>
+              <a:rPr lang="en-US" sz="1050" dirty="0" err="1" smtClean="0">
+                <a:solidFill>
+                  <a:srgbClr val="7030A0"/>
+                </a:solidFill>
+              </a:rPr>
+              <a:t>ModuleName</a:t>
+            </a:r>
+            <a:endParaRPr lang="en-SG" sz="1050" dirty="0">
+              <a:solidFill>
+                <a:srgbClr val="7030A0"/>
+              </a:solidFill>
+            </a:endParaRPr>
+          </a:p>
+        </p:txBody>
+      </p:sp>
+      <p:sp>
+        <p:nvSpPr>
+          <p:cNvPr id="272" name="Flowchart: Decision 96"/>
+          <p:cNvSpPr/>
+          <p:nvPr/>
+        </p:nvSpPr>
+        <p:spPr>
+          <a:xfrm>
+            <a:off x="2956886" y="5625797"/>
+            <a:ext cx="236048" cy="173380"/>
+          </a:xfrm>
+          <a:prstGeom prst="flowChartDecision">
+            <a:avLst/>
+          </a:prstGeom>
+          <a:solidFill>
+            <a:srgbClr val="7030A0"/>
+          </a:solidFill>
+          <a:ln w="19050">
+            <a:solidFill>
+              <a:srgbClr val="7030A0"/>
+            </a:solidFill>
+          </a:ln>
+          <a:effectLst/>
+        </p:spPr>
+        <p:style>
+          <a:lnRef idx="1">
+            <a:schemeClr val="accent6"/>
+          </a:lnRef>
+          <a:fillRef idx="2">
+            <a:schemeClr val="accent6"/>
+          </a:fillRef>
+          <a:effectRef idx="1">
+            <a:schemeClr val="accent6"/>
+          </a:effectRef>
+          <a:fontRef idx="minor">
+            <a:schemeClr val="dk1"/>
+          </a:fontRef>
+        </p:style>
+        <p:txBody>
+          <a:bodyPr rtlCol="0" anchor="ctr"/>
+          <a:lstStyle/>
+          <a:p>
+            <a:pPr algn="ctr"/>
+            <a:endParaRPr lang="en-US" sz="1050"/>
+          </a:p>
+        </p:txBody>
+      </p:sp>
+      <p:cxnSp>
+        <p:nvCxnSpPr>
+          <p:cNvPr id="273" name="Elbow Connector 272"/>
+          <p:cNvCxnSpPr>
+            <a:cxnSpLocks/>
+            <a:stCxn id="272" idx="3"/>
+            <a:endCxn id="271" idx="1"/>
+          </p:cNvCxnSpPr>
+          <p:nvPr/>
+        </p:nvCxnSpPr>
+        <p:spPr>
+          <a:xfrm flipV="1">
+            <a:off x="3192934" y="5710443"/>
+            <a:ext cx="414492" cy="2044"/>
+          </a:xfrm>
+          <a:prstGeom prst="bentConnector3">
+            <a:avLst/>
+          </a:prstGeom>
+          <a:ln w="19050">
+            <a:solidFill>
+              <a:srgbClr val="7030A0"/>
+            </a:solidFill>
+            <a:headEnd type="none" w="med" len="med"/>
+            <a:tailEnd type="arrow" w="med" len="med"/>
+          </a:ln>
+          <a:effectLst/>
+        </p:spPr>
+        <p:style>
+          <a:lnRef idx="1">
+            <a:schemeClr val="accent2"/>
+          </a:lnRef>
+          <a:fillRef idx="2">
+            <a:schemeClr val="accent2"/>
+          </a:fillRef>
+          <a:effectRef idx="1">
+            <a:schemeClr val="accent2"/>
+          </a:effectRef>
+          <a:fontRef idx="minor">
+            <a:schemeClr val="dk1"/>
+          </a:fontRef>
+        </p:style>
+      </p:cxnSp>
+      <p:sp>
+        <p:nvSpPr>
+          <p:cNvPr id="274" name="TextBox 273"/>
           <p:cNvSpPr txBox="1"/>
           <p:nvPr/>
         </p:nvSpPr>
         <p:spPr>
           <a:xfrm>
-            <a:off x="7548440" y="2990736"/>
-            <a:ext cx="189257" cy="178683"/>
+            <a:off x="1723780" y="5545211"/>
+            <a:ext cx="170110" cy="137542"/>
           </a:xfrm>
           <a:prstGeom prst="rect">
             <a:avLst/>
@@ -5188,14 +6746,20 @@
       </p:sp>
       <p:sp>
         <p:nvSpPr>
-          <p:cNvPr id="213" name="Rectangle 8"/>
+          <p:cNvPr id="275" name="Rectangle 8">
+            <a:extLst>
+              <a:ext uri="{FF2B5EF4-FFF2-40B4-BE49-F238E27FC236}">
+                <a16:creationId xmlns:a16="http://schemas.microsoft.com/office/drawing/2014/main" xmlns="" id="{ABDCDBD2-131A-4B66-A2F2-43BBEE82C773}"/>
+              </a:ext>
+            </a:extLst>
+          </p:cNvPr>
           <p:cNvSpPr/>
           <p:nvPr/>
         </p:nvSpPr>
         <p:spPr>
           <a:xfrm>
-            <a:off x="3252378" y="2733375"/>
-            <a:ext cx="1060683" cy="364396"/>
+            <a:off x="3602345" y="5208217"/>
+            <a:ext cx="1001835" cy="285783"/>
           </a:xfrm>
           <a:prstGeom prst="rect">
             <a:avLst/>
@@ -5227,12 +6791,12 @@
           <a:p>
             <a:pPr algn="ctr"/>
             <a:r>
-              <a:rPr lang="en-US" sz="1050" dirty="0" err="1">
+              <a:rPr lang="en-US" sz="1050" dirty="0" smtClean="0">
                 <a:solidFill>
                   <a:srgbClr val="7030A0"/>
                 </a:solidFill>
               </a:rPr>
-              <a:t>AddressBook</a:t>
+              <a:t>Person</a:t>
             </a:r>
             <a:endParaRPr lang="en-SG" sz="1050" dirty="0">
               <a:solidFill>
@@ -5244,110 +6808,24 @@
       </p:sp>
       <p:cxnSp>
         <p:nvCxnSpPr>
-          <p:cNvPr id="214" name="Straight Arrow Connector 213"/>
+          <p:cNvPr id="276" name="Elbow Connector 78">
+            <a:extLst>
+              <a:ext uri="{FF2B5EF4-FFF2-40B4-BE49-F238E27FC236}">
+                <a16:creationId xmlns:a16="http://schemas.microsoft.com/office/drawing/2014/main" xmlns="" id="{B97967F8-618A-448B-81FD-CDFD4AF0EC64}"/>
+              </a:ext>
+            </a:extLst>
+          </p:cNvPr>
           <p:cNvCxnSpPr>
-            <a:stCxn id="189" idx="1"/>
-            <a:endCxn id="188" idx="1"/>
+            <a:cxnSpLocks/>
+            <a:stCxn id="272" idx="3"/>
+            <a:endCxn id="275" idx="1"/>
           </p:cNvCxnSpPr>
           <p:nvPr/>
         </p:nvCxnSpPr>
         <p:spPr>
-          <a:xfrm>
-            <a:off x="4407169" y="3742247"/>
-            <a:ext cx="367678" cy="12320"/>
-          </a:xfrm>
-          <a:prstGeom prst="straightConnector1">
-            <a:avLst/>
-          </a:prstGeom>
-          <a:ln w="19050">
-            <a:solidFill>
-              <a:srgbClr val="7030A0"/>
-            </a:solidFill>
-            <a:headEnd type="none" w="med" len="med"/>
-            <a:tailEnd type="arrow" w="med" len="med"/>
-          </a:ln>
-          <a:effectLst/>
-        </p:spPr>
-        <p:style>
-          <a:lnRef idx="1">
-            <a:schemeClr val="accent2"/>
-          </a:lnRef>
-          <a:fillRef idx="2">
-            <a:schemeClr val="accent2"/>
-          </a:fillRef>
-          <a:effectRef idx="1">
-            <a:schemeClr val="accent2"/>
-          </a:effectRef>
-          <a:fontRef idx="minor">
-            <a:schemeClr val="dk1"/>
-          </a:fontRef>
-        </p:style>
-      </p:cxnSp>
-      <p:sp>
-        <p:nvSpPr>
-          <p:cNvPr id="215" name="Isosceles Triangle 102"/>
-          <p:cNvSpPr/>
-          <p:nvPr/>
-        </p:nvSpPr>
-        <p:spPr>
-          <a:xfrm rot="16200000">
-            <a:off x="2751270" y="2804183"/>
-            <a:ext cx="271014" cy="187417"/>
-          </a:xfrm>
-          <a:prstGeom prst="triangle">
-            <a:avLst>
-              <a:gd name="adj" fmla="val 44517"/>
-            </a:avLst>
-          </a:prstGeom>
-          <a:solidFill>
-            <a:schemeClr val="accent4">
-              <a:lumMod val="20000"/>
-              <a:lumOff val="80000"/>
-            </a:schemeClr>
-          </a:solidFill>
-          <a:ln w="19050">
-            <a:solidFill>
-              <a:srgbClr val="7030A0"/>
-            </a:solidFill>
-          </a:ln>
-          <a:effectLst/>
-        </p:spPr>
-        <p:style>
-          <a:lnRef idx="1">
-            <a:schemeClr val="accent6"/>
-          </a:lnRef>
-          <a:fillRef idx="2">
-            <a:schemeClr val="accent6"/>
-          </a:fillRef>
-          <a:effectRef idx="1">
-            <a:schemeClr val="accent6"/>
-          </a:effectRef>
-          <a:fontRef idx="minor">
-            <a:schemeClr val="dk1"/>
-          </a:fontRef>
-        </p:style>
-        <p:txBody>
-          <a:bodyPr rtlCol="0" anchor="ctr"/>
-          <a:lstStyle/>
-          <a:p>
-            <a:pPr algn="ctr"/>
-            <a:endParaRPr lang="en-SG" sz="1050"/>
-          </a:p>
-        </p:txBody>
-      </p:sp>
-      <p:cxnSp>
-        <p:nvCxnSpPr>
-          <p:cNvPr id="216" name="Elbow Connector 63"/>
-          <p:cNvCxnSpPr>
-            <a:stCxn id="215" idx="3"/>
-            <a:endCxn id="213" idx="1"/>
-          </p:cNvCxnSpPr>
-          <p:nvPr/>
-        </p:nvCxnSpPr>
-        <p:spPr>
-          <a:xfrm>
-            <a:off x="2980486" y="2912752"/>
-            <a:ext cx="271892" cy="2821"/>
+          <a:xfrm flipV="1">
+            <a:off x="3192934" y="5351109"/>
+            <a:ext cx="409411" cy="361378"/>
           </a:xfrm>
           <a:prstGeom prst="bentConnector3">
             <a:avLst>
@@ -5358,9 +6836,8 @@
             <a:solidFill>
               <a:srgbClr val="7030A0"/>
             </a:solidFill>
-            <a:prstDash val="sysDot"/>
             <a:headEnd type="none" w="med" len="med"/>
-            <a:tailEnd type="none" w="med" len="med"/>
+            <a:tailEnd type="arrow" w="med" len="med"/>
           </a:ln>
           <a:effectLst/>
         </p:spPr>
@@ -5381,14 +6858,14 @@
       </p:cxnSp>
       <p:sp>
         <p:nvSpPr>
-          <p:cNvPr id="217" name="Rectangle 8"/>
+          <p:cNvPr id="277" name="Rectangle 8"/>
           <p:cNvSpPr/>
           <p:nvPr/>
         </p:nvSpPr>
         <p:spPr>
           <a:xfrm>
-            <a:off x="7794593" y="4594522"/>
-            <a:ext cx="898204" cy="285783"/>
+            <a:off x="3607426" y="5923456"/>
+            <a:ext cx="1001834" cy="285783"/>
           </a:xfrm>
           <a:prstGeom prst="rect">
             <a:avLst/>
@@ -5425,7 +6902,7 @@
                   <a:srgbClr val="7030A0"/>
                 </a:solidFill>
               </a:rPr>
-              <a:t>CourseCode</a:t>
+              <a:t>ModuleCode</a:t>
             </a:r>
             <a:endParaRPr lang="en-SG" sz="1050" dirty="0">
               <a:solidFill>
@@ -5435,75 +6912,20 @@
           </a:p>
         </p:txBody>
       </p:sp>
-      <p:sp>
-        <p:nvSpPr>
-          <p:cNvPr id="218" name="Rectangle 8"/>
-          <p:cNvSpPr/>
-          <p:nvPr/>
-        </p:nvSpPr>
-        <p:spPr>
-          <a:xfrm>
-            <a:off x="7794593" y="4919929"/>
-            <a:ext cx="898203" cy="285783"/>
-          </a:xfrm>
-          <a:prstGeom prst="rect">
-            <a:avLst/>
-          </a:prstGeom>
-          <a:ln w="19050">
-            <a:solidFill>
-              <a:srgbClr val="7030A0"/>
-            </a:solidFill>
-          </a:ln>
-          <a:effectLst/>
-        </p:spPr>
-        <p:style>
-          <a:lnRef idx="1">
-            <a:schemeClr val="accent4"/>
-          </a:lnRef>
-          <a:fillRef idx="2">
-            <a:schemeClr val="accent4"/>
-          </a:fillRef>
-          <a:effectRef idx="1">
-            <a:schemeClr val="accent4"/>
-          </a:effectRef>
-          <a:fontRef idx="minor">
-            <a:schemeClr val="dk1"/>
-          </a:fontRef>
-        </p:style>
-        <p:txBody>
-          <a:bodyPr rtlCol="0" anchor="ctr"/>
-          <a:lstStyle/>
-          <a:p>
-            <a:pPr algn="ctr"/>
-            <a:r>
-              <a:rPr lang="en-US" sz="1050" dirty="0" err="1" smtClean="0">
-                <a:solidFill>
-                  <a:srgbClr val="7030A0"/>
-                </a:solidFill>
-              </a:rPr>
-              <a:t>MatricNo</a:t>
-            </a:r>
-            <a:endParaRPr lang="en-SG" sz="1050" dirty="0">
-              <a:solidFill>
-                <a:srgbClr val="7030A0"/>
-              </a:solidFill>
-            </a:endParaRPr>
-          </a:p>
-        </p:txBody>
-      </p:sp>
       <p:cxnSp>
         <p:nvCxnSpPr>
-          <p:cNvPr id="219" name="Elbow Connector 218"/>
+          <p:cNvPr id="278" name="Elbow Connector 277"/>
           <p:cNvCxnSpPr>
-            <a:stCxn id="194" idx="3"/>
-            <a:endCxn id="217" idx="1"/>
+            <a:cxnSpLocks/>
+            <a:stCxn id="272" idx="3"/>
+            <a:endCxn id="277" idx="1"/>
           </p:cNvCxnSpPr>
           <p:nvPr/>
         </p:nvCxnSpPr>
         <p:spPr>
           <a:xfrm>
-            <a:off x="7360192" y="3769916"/>
-            <a:ext cx="434401" cy="967498"/>
+            <a:off x="3192934" y="5712487"/>
+            <a:ext cx="414492" cy="353861"/>
           </a:xfrm>
           <a:prstGeom prst="bentConnector3">
             <a:avLst>
@@ -5534,506 +6956,15 @@
           </a:fontRef>
         </p:style>
       </p:cxnSp>
-      <p:cxnSp>
-        <p:nvCxnSpPr>
-          <p:cNvPr id="220" name="Elbow Connector 219"/>
-          <p:cNvCxnSpPr>
-            <a:stCxn id="194" idx="3"/>
-            <a:endCxn id="218" idx="1"/>
-          </p:cNvCxnSpPr>
-          <p:nvPr/>
-        </p:nvCxnSpPr>
-        <p:spPr>
-          <a:xfrm>
-            <a:off x="7360192" y="3769916"/>
-            <a:ext cx="434401" cy="1292905"/>
-          </a:xfrm>
-          <a:prstGeom prst="bentConnector3">
-            <a:avLst>
-              <a:gd name="adj1" fmla="val 50000"/>
-            </a:avLst>
-          </a:prstGeom>
-          <a:ln w="19050">
-            <a:solidFill>
-              <a:srgbClr val="7030A0"/>
-            </a:solidFill>
-            <a:headEnd type="none" w="med" len="med"/>
-            <a:tailEnd type="arrow" w="med" len="med"/>
-          </a:ln>
-          <a:effectLst/>
-        </p:spPr>
-        <p:style>
-          <a:lnRef idx="1">
-            <a:schemeClr val="accent2"/>
-          </a:lnRef>
-          <a:fillRef idx="2">
-            <a:schemeClr val="accent2"/>
-          </a:fillRef>
-          <a:effectRef idx="1">
-            <a:schemeClr val="accent2"/>
-          </a:effectRef>
-          <a:fontRef idx="minor">
-            <a:schemeClr val="dk1"/>
-          </a:fontRef>
-        </p:style>
-      </p:cxnSp>
-      <p:cxnSp>
-        <p:nvCxnSpPr>
-          <p:cNvPr id="221" name="Elbow Connector 220"/>
-          <p:cNvCxnSpPr>
-            <a:cxnSpLocks/>
-            <a:endCxn id="251" idx="3"/>
-          </p:cNvCxnSpPr>
-          <p:nvPr/>
-        </p:nvCxnSpPr>
-        <p:spPr>
-          <a:xfrm rot="10800000">
-            <a:off x="4813857" y="1244685"/>
-            <a:ext cx="1403599" cy="1090541"/>
-          </a:xfrm>
-          <a:prstGeom prst="bentConnector3">
-            <a:avLst>
-              <a:gd name="adj1" fmla="val -163"/>
-            </a:avLst>
-          </a:prstGeom>
-          <a:ln w="19050">
-            <a:solidFill>
-              <a:srgbClr val="7030A0"/>
-            </a:solidFill>
-            <a:prstDash val="sysDot"/>
-            <a:headEnd type="none" w="med" len="med"/>
-            <a:tailEnd type="arrow" w="med" len="med"/>
-          </a:ln>
-          <a:effectLst/>
-        </p:spPr>
-        <p:style>
-          <a:lnRef idx="1">
-            <a:schemeClr val="accent2"/>
-          </a:lnRef>
-          <a:fillRef idx="2">
-            <a:schemeClr val="accent2"/>
-          </a:fillRef>
-          <a:effectRef idx="1">
-            <a:schemeClr val="accent2"/>
-          </a:effectRef>
-          <a:fontRef idx="minor">
-            <a:schemeClr val="dk1"/>
-          </a:fontRef>
-        </p:style>
-      </p:cxnSp>
-      <p:sp>
-        <p:nvSpPr>
-          <p:cNvPr id="251" name="Rectangle 65"/>
-          <p:cNvSpPr/>
-          <p:nvPr/>
-        </p:nvSpPr>
-        <p:spPr>
-          <a:xfrm>
-            <a:off x="1156256" y="330284"/>
-            <a:ext cx="3657600" cy="1828800"/>
-          </a:xfrm>
-          <a:prstGeom prst="roundRect">
-            <a:avLst>
-              <a:gd name="adj" fmla="val 3484"/>
-            </a:avLst>
-          </a:prstGeom>
-          <a:solidFill>
-            <a:schemeClr val="accent4">
-              <a:lumMod val="20000"/>
-              <a:lumOff val="80000"/>
-            </a:schemeClr>
-          </a:solidFill>
-          <a:ln w="19050">
-            <a:noFill/>
-          </a:ln>
-          <a:effectLst/>
-        </p:spPr>
-        <p:style>
-          <a:lnRef idx="1">
-            <a:schemeClr val="accent2"/>
-          </a:lnRef>
-          <a:fillRef idx="2">
-            <a:schemeClr val="accent2"/>
-          </a:fillRef>
-          <a:effectRef idx="1">
-            <a:schemeClr val="accent2"/>
-          </a:effectRef>
-          <a:fontRef idx="minor">
-            <a:schemeClr val="dk1"/>
-          </a:fontRef>
-        </p:style>
-        <p:txBody>
-          <a:bodyPr rtlCol="0" anchor="t"/>
-          <a:lstStyle/>
-          <a:p>
-            <a:r>
-              <a:rPr lang="en-US" sz="1200" b="1" dirty="0" smtClean="0">
-                <a:solidFill>
-                  <a:srgbClr val="7030A0"/>
-                </a:solidFill>
-              </a:rPr>
-              <a:t>Course Model</a:t>
-            </a:r>
-            <a:endParaRPr lang="en-SG" sz="1200" b="1" dirty="0">
-              <a:solidFill>
-                <a:srgbClr val="7030A0"/>
-              </a:solidFill>
-            </a:endParaRPr>
-          </a:p>
-        </p:txBody>
-      </p:sp>
-      <p:sp>
-        <p:nvSpPr>
-          <p:cNvPr id="252" name="Rectangle 62"/>
-          <p:cNvSpPr/>
-          <p:nvPr/>
-        </p:nvSpPr>
-        <p:spPr>
-          <a:xfrm rot="16200000">
-            <a:off x="1045657" y="1237121"/>
-            <a:ext cx="1093635" cy="346760"/>
-          </a:xfrm>
-          <a:prstGeom prst="rect">
-            <a:avLst/>
-          </a:prstGeom>
-          <a:solidFill>
-            <a:srgbClr val="7030A0"/>
-          </a:solidFill>
-          <a:ln w="19050">
-            <a:solidFill>
-              <a:srgbClr val="7030A0"/>
-            </a:solidFill>
-          </a:ln>
-          <a:effectLst/>
-        </p:spPr>
-        <p:style>
-          <a:lnRef idx="1">
-            <a:schemeClr val="accent2"/>
-          </a:lnRef>
-          <a:fillRef idx="2">
-            <a:schemeClr val="accent2"/>
-          </a:fillRef>
-          <a:effectRef idx="1">
-            <a:schemeClr val="accent2"/>
-          </a:effectRef>
-          <a:fontRef idx="minor">
-            <a:schemeClr val="dk1"/>
-          </a:fontRef>
-        </p:style>
-        <p:txBody>
-          <a:bodyPr rtlCol="0" anchor="ctr"/>
-          <a:lstStyle/>
-          <a:p>
-            <a:pPr algn="ctr"/>
-            <a:r>
-              <a:rPr lang="en-US" sz="1050" dirty="0" err="1" smtClean="0">
-                <a:solidFill>
-                  <a:schemeClr val="bg1"/>
-                </a:solidFill>
-              </a:rPr>
-              <a:t>CourseManager</a:t>
-            </a:r>
-            <a:endParaRPr lang="en-US" sz="1050" dirty="0" smtClean="0">
-              <a:solidFill>
-                <a:schemeClr val="bg1"/>
-              </a:solidFill>
-            </a:endParaRPr>
-          </a:p>
-        </p:txBody>
-      </p:sp>
-      <p:cxnSp>
-        <p:nvCxnSpPr>
-          <p:cNvPr id="253" name="Elbow Connector 122"/>
-          <p:cNvCxnSpPr/>
-          <p:nvPr/>
-        </p:nvCxnSpPr>
-        <p:spPr>
-          <a:xfrm>
-            <a:off x="317499" y="1390567"/>
-            <a:ext cx="1101594" cy="1430"/>
-          </a:xfrm>
-          <a:prstGeom prst="bentConnector3">
-            <a:avLst>
-              <a:gd name="adj1" fmla="val 50000"/>
-            </a:avLst>
-          </a:prstGeom>
-          <a:ln w="19050">
-            <a:solidFill>
-              <a:schemeClr val="bg1">
-                <a:lumMod val="75000"/>
-              </a:schemeClr>
-            </a:solidFill>
-            <a:prstDash val="sysDot"/>
-            <a:headEnd type="none" w="med" len="med"/>
-            <a:tailEnd type="arrow" w="med" len="med"/>
-          </a:ln>
-          <a:effectLst/>
-        </p:spPr>
-        <p:style>
-          <a:lnRef idx="1">
-            <a:schemeClr val="accent2"/>
-          </a:lnRef>
-          <a:fillRef idx="2">
-            <a:schemeClr val="accent2"/>
-          </a:fillRef>
-          <a:effectRef idx="1">
-            <a:schemeClr val="accent2"/>
-          </a:effectRef>
-          <a:fontRef idx="minor">
-            <a:schemeClr val="dk1"/>
-          </a:fontRef>
-        </p:style>
-      </p:cxnSp>
-      <p:cxnSp>
-        <p:nvCxnSpPr>
-          <p:cNvPr id="254" name="Straight Arrow Connector 253"/>
-          <p:cNvCxnSpPr>
-            <a:endCxn id="255" idx="1"/>
-          </p:cNvCxnSpPr>
-          <p:nvPr/>
-        </p:nvCxnSpPr>
-        <p:spPr>
-          <a:xfrm>
-            <a:off x="2001903" y="1424694"/>
-            <a:ext cx="254083" cy="0"/>
-          </a:xfrm>
-          <a:prstGeom prst="straightConnector1">
-            <a:avLst/>
-          </a:prstGeom>
-          <a:ln w="19050">
-            <a:solidFill>
-              <a:srgbClr val="7030A0"/>
-            </a:solidFill>
-            <a:headEnd type="none" w="med" len="med"/>
-            <a:tailEnd type="arrow" w="med" len="med"/>
-          </a:ln>
-          <a:effectLst/>
-        </p:spPr>
-        <p:style>
-          <a:lnRef idx="1">
-            <a:schemeClr val="accent2"/>
-          </a:lnRef>
-          <a:fillRef idx="2">
-            <a:schemeClr val="accent2"/>
-          </a:fillRef>
-          <a:effectRef idx="1">
-            <a:schemeClr val="accent2"/>
-          </a:effectRef>
-          <a:fontRef idx="minor">
-            <a:schemeClr val="dk1"/>
-          </a:fontRef>
-        </p:style>
-      </p:cxnSp>
-      <p:sp>
-        <p:nvSpPr>
-          <p:cNvPr id="255" name="Rectangle 8"/>
-          <p:cNvSpPr/>
-          <p:nvPr/>
-        </p:nvSpPr>
-        <p:spPr>
-          <a:xfrm>
-            <a:off x="2255986" y="1251314"/>
-            <a:ext cx="708186" cy="346760"/>
-          </a:xfrm>
-          <a:prstGeom prst="rect">
-            <a:avLst/>
-          </a:prstGeom>
-          <a:ln w="19050">
-            <a:solidFill>
-              <a:srgbClr val="7030A0"/>
-            </a:solidFill>
-          </a:ln>
-          <a:effectLst/>
-        </p:spPr>
-        <p:style>
-          <a:lnRef idx="1">
-            <a:schemeClr val="accent4"/>
-          </a:lnRef>
-          <a:fillRef idx="2">
-            <a:schemeClr val="accent4"/>
-          </a:fillRef>
-          <a:effectRef idx="1">
-            <a:schemeClr val="accent4"/>
-          </a:effectRef>
-          <a:fontRef idx="minor">
-            <a:schemeClr val="dk1"/>
-          </a:fontRef>
-        </p:style>
-        <p:txBody>
-          <a:bodyPr rtlCol="0" anchor="ctr"/>
-          <a:lstStyle/>
-          <a:p>
-            <a:pPr algn="ctr"/>
-            <a:r>
-              <a:rPr lang="en-US" sz="1050" dirty="0" smtClean="0">
-                <a:solidFill>
-                  <a:srgbClr val="7030A0"/>
-                </a:solidFill>
-              </a:rPr>
-              <a:t>Course</a:t>
-            </a:r>
-            <a:endParaRPr lang="en-SG" sz="1050" dirty="0">
-              <a:solidFill>
-                <a:srgbClr val="7030A0"/>
-              </a:solidFill>
-            </a:endParaRPr>
-          </a:p>
-        </p:txBody>
-      </p:sp>
-      <p:sp>
-        <p:nvSpPr>
-          <p:cNvPr id="256" name="Rectangle 8"/>
-          <p:cNvSpPr/>
-          <p:nvPr/>
-        </p:nvSpPr>
-        <p:spPr>
-          <a:xfrm>
-            <a:off x="3667719" y="1281802"/>
-            <a:ext cx="1001834" cy="285783"/>
-          </a:xfrm>
-          <a:prstGeom prst="rect">
-            <a:avLst/>
-          </a:prstGeom>
-          <a:ln w="19050">
-            <a:solidFill>
-              <a:srgbClr val="7030A0"/>
-            </a:solidFill>
-          </a:ln>
-          <a:effectLst/>
-        </p:spPr>
-        <p:style>
-          <a:lnRef idx="1">
-            <a:schemeClr val="accent4"/>
-          </a:lnRef>
-          <a:fillRef idx="2">
-            <a:schemeClr val="accent4"/>
-          </a:fillRef>
-          <a:effectRef idx="1">
-            <a:schemeClr val="accent4"/>
-          </a:effectRef>
-          <a:fontRef idx="minor">
-            <a:schemeClr val="dk1"/>
-          </a:fontRef>
-        </p:style>
-        <p:txBody>
-          <a:bodyPr rtlCol="0" anchor="ctr"/>
-          <a:lstStyle/>
-          <a:p>
-            <a:pPr algn="ctr"/>
-            <a:r>
-              <a:rPr lang="en-US" sz="1050" dirty="0" err="1" smtClean="0">
-                <a:solidFill>
-                  <a:srgbClr val="7030A0"/>
-                </a:solidFill>
-              </a:rPr>
-              <a:t>CourseName</a:t>
-            </a:r>
-            <a:endParaRPr lang="en-SG" sz="1050" dirty="0">
-              <a:solidFill>
-                <a:srgbClr val="7030A0"/>
-              </a:solidFill>
-            </a:endParaRPr>
-          </a:p>
-        </p:txBody>
-      </p:sp>
-      <p:sp>
-        <p:nvSpPr>
-          <p:cNvPr id="257" name="Flowchart: Decision 96"/>
-          <p:cNvSpPr/>
-          <p:nvPr/>
-        </p:nvSpPr>
-        <p:spPr>
-          <a:xfrm>
-            <a:off x="2989173" y="1338004"/>
-            <a:ext cx="236048" cy="173380"/>
-          </a:xfrm>
-          <a:prstGeom prst="flowChartDecision">
-            <a:avLst/>
-          </a:prstGeom>
-          <a:solidFill>
-            <a:srgbClr val="7030A0"/>
-          </a:solidFill>
-          <a:ln w="19050">
-            <a:solidFill>
-              <a:srgbClr val="7030A0"/>
-            </a:solidFill>
-          </a:ln>
-          <a:effectLst/>
-        </p:spPr>
-        <p:style>
-          <a:lnRef idx="1">
-            <a:schemeClr val="accent6"/>
-          </a:lnRef>
-          <a:fillRef idx="2">
-            <a:schemeClr val="accent6"/>
-          </a:fillRef>
-          <a:effectRef idx="1">
-            <a:schemeClr val="accent6"/>
-          </a:effectRef>
-          <a:fontRef idx="minor">
-            <a:schemeClr val="dk1"/>
-          </a:fontRef>
-        </p:style>
-        <p:txBody>
-          <a:bodyPr rtlCol="0" anchor="ctr"/>
-          <a:lstStyle/>
-          <a:p>
-            <a:pPr algn="ctr"/>
-            <a:endParaRPr lang="en-US" sz="1050"/>
-          </a:p>
-        </p:txBody>
-      </p:sp>
-      <p:cxnSp>
-        <p:nvCxnSpPr>
-          <p:cNvPr id="258" name="Elbow Connector 257"/>
-          <p:cNvCxnSpPr>
-            <a:cxnSpLocks/>
-            <a:stCxn id="257" idx="3"/>
-            <a:endCxn id="256" idx="1"/>
-          </p:cNvCxnSpPr>
-          <p:nvPr/>
-        </p:nvCxnSpPr>
-        <p:spPr>
-          <a:xfrm>
-            <a:off x="3225221" y="1424694"/>
-            <a:ext cx="442498" cy="12700"/>
-          </a:xfrm>
-          <a:prstGeom prst="bentConnector3">
-            <a:avLst/>
-          </a:prstGeom>
-          <a:ln w="19050">
-            <a:solidFill>
-              <a:srgbClr val="7030A0"/>
-            </a:solidFill>
-            <a:headEnd type="none" w="med" len="med"/>
-            <a:tailEnd type="arrow" w="med" len="med"/>
-          </a:ln>
-          <a:effectLst/>
-        </p:spPr>
-        <p:style>
-          <a:lnRef idx="1">
-            <a:schemeClr val="accent2"/>
-          </a:lnRef>
-          <a:fillRef idx="2">
-            <a:schemeClr val="accent2"/>
-          </a:fillRef>
-          <a:effectRef idx="1">
-            <a:schemeClr val="accent2"/>
-          </a:effectRef>
-          <a:fontRef idx="minor">
-            <a:schemeClr val="dk1"/>
-          </a:fontRef>
-        </p:style>
-      </p:cxnSp>
-      <p:sp>
-        <p:nvSpPr>
-          <p:cNvPr id="259" name="TextBox 258"/>
+      <p:sp>
+        <p:nvSpPr>
+          <p:cNvPr id="279" name="TextBox 278"/>
           <p:cNvSpPr txBox="1"/>
           <p:nvPr/>
         </p:nvSpPr>
         <p:spPr>
           <a:xfrm>
-            <a:off x="2074280" y="1262972"/>
+            <a:off x="3416995" y="5184815"/>
             <a:ext cx="170110" cy="137542"/>
           </a:xfrm>
           <a:prstGeom prst="rect">
@@ -6066,7 +6997,438 @@
       </p:sp>
       <p:sp>
         <p:nvSpPr>
-          <p:cNvPr id="260" name="Rectangle 8">
+          <p:cNvPr id="280" name="Flowchart: Decision 96"/>
+          <p:cNvSpPr/>
+          <p:nvPr/>
+        </p:nvSpPr>
+        <p:spPr>
+          <a:xfrm>
+            <a:off x="1453285" y="5618430"/>
+            <a:ext cx="236048" cy="173380"/>
+          </a:xfrm>
+          <a:prstGeom prst="flowChartDecision">
+            <a:avLst/>
+          </a:prstGeom>
+          <a:solidFill>
+            <a:srgbClr val="7030A0"/>
+          </a:solidFill>
+          <a:ln w="19050">
+            <a:solidFill>
+              <a:srgbClr val="7030A0"/>
+            </a:solidFill>
+          </a:ln>
+          <a:effectLst/>
+        </p:spPr>
+        <p:style>
+          <a:lnRef idx="1">
+            <a:schemeClr val="accent6"/>
+          </a:lnRef>
+          <a:fillRef idx="2">
+            <a:schemeClr val="accent6"/>
+          </a:fillRef>
+          <a:effectRef idx="1">
+            <a:schemeClr val="accent6"/>
+          </a:effectRef>
+          <a:fontRef idx="minor">
+            <a:schemeClr val="dk1"/>
+          </a:fontRef>
+        </p:style>
+        <p:txBody>
+          <a:bodyPr rtlCol="0" anchor="ctr"/>
+          <a:lstStyle/>
+          <a:p>
+            <a:pPr algn="ctr"/>
+            <a:endParaRPr lang="en-US" sz="1050"/>
+          </a:p>
+        </p:txBody>
+      </p:sp>
+      <p:cxnSp>
+        <p:nvCxnSpPr>
+          <p:cNvPr id="282" name="Elbow Connector 281"/>
+          <p:cNvCxnSpPr>
+            <a:cxnSpLocks/>
+            <a:stCxn id="275" idx="0"/>
+            <a:endCxn id="476" idx="2"/>
+          </p:cNvCxnSpPr>
+          <p:nvPr/>
+        </p:nvCxnSpPr>
+        <p:spPr>
+          <a:xfrm rot="5400000" flipH="1" flipV="1">
+            <a:off x="4686852" y="3253586"/>
+            <a:ext cx="1371043" cy="2538220"/>
+          </a:xfrm>
+          <a:prstGeom prst="bentConnector3">
+            <a:avLst>
+              <a:gd name="adj1" fmla="val 50000"/>
+            </a:avLst>
+          </a:prstGeom>
+          <a:ln w="19050">
+            <a:solidFill>
+              <a:srgbClr val="7030A0"/>
+            </a:solidFill>
+            <a:prstDash val="sysDot"/>
+            <a:headEnd type="none" w="med" len="med"/>
+            <a:tailEnd type="arrow" w="med" len="med"/>
+          </a:ln>
+          <a:effectLst/>
+        </p:spPr>
+        <p:style>
+          <a:lnRef idx="1">
+            <a:schemeClr val="accent2"/>
+          </a:lnRef>
+          <a:fillRef idx="2">
+            <a:schemeClr val="accent2"/>
+          </a:fillRef>
+          <a:effectRef idx="1">
+            <a:schemeClr val="accent2"/>
+          </a:effectRef>
+          <a:fontRef idx="minor">
+            <a:schemeClr val="dk1"/>
+          </a:fontRef>
+        </p:style>
+      </p:cxnSp>
+      <p:sp>
+        <p:nvSpPr>
+          <p:cNvPr id="296" name="Rectangle 62"/>
+          <p:cNvSpPr/>
+          <p:nvPr/>
+        </p:nvSpPr>
+        <p:spPr>
+          <a:xfrm rot="16200000">
+            <a:off x="630553" y="7644364"/>
+            <a:ext cx="1246035" cy="346760"/>
+          </a:xfrm>
+          <a:prstGeom prst="rect">
+            <a:avLst/>
+          </a:prstGeom>
+          <a:solidFill>
+            <a:srgbClr val="7030A0"/>
+          </a:solidFill>
+          <a:ln w="19050">
+            <a:solidFill>
+              <a:srgbClr val="7030A0"/>
+            </a:solidFill>
+          </a:ln>
+          <a:effectLst/>
+        </p:spPr>
+        <p:style>
+          <a:lnRef idx="1">
+            <a:schemeClr val="accent2"/>
+          </a:lnRef>
+          <a:fillRef idx="2">
+            <a:schemeClr val="accent2"/>
+          </a:fillRef>
+          <a:effectRef idx="1">
+            <a:schemeClr val="accent2"/>
+          </a:effectRef>
+          <a:fontRef idx="minor">
+            <a:schemeClr val="dk1"/>
+          </a:fontRef>
+        </p:style>
+        <p:txBody>
+          <a:bodyPr rtlCol="0" anchor="ctr"/>
+          <a:lstStyle/>
+          <a:p>
+            <a:pPr algn="ctr"/>
+            <a:r>
+              <a:rPr lang="en-US" sz="1050" dirty="0" err="1" smtClean="0">
+                <a:solidFill>
+                  <a:schemeClr val="bg1"/>
+                </a:solidFill>
+              </a:rPr>
+              <a:t>ClassroomManager</a:t>
+            </a:r>
+            <a:endParaRPr lang="en-US" sz="1050" dirty="0" smtClean="0">
+              <a:solidFill>
+                <a:schemeClr val="bg1"/>
+              </a:solidFill>
+            </a:endParaRPr>
+          </a:p>
+        </p:txBody>
+      </p:sp>
+      <p:cxnSp>
+        <p:nvCxnSpPr>
+          <p:cNvPr id="298" name="Straight Arrow Connector 297"/>
+          <p:cNvCxnSpPr>
+            <a:endCxn id="299" idx="1"/>
+          </p:cNvCxnSpPr>
+          <p:nvPr/>
+        </p:nvCxnSpPr>
+        <p:spPr>
+          <a:xfrm>
+            <a:off x="1662998" y="7853302"/>
+            <a:ext cx="254081" cy="0"/>
+          </a:xfrm>
+          <a:prstGeom prst="straightConnector1">
+            <a:avLst/>
+          </a:prstGeom>
+          <a:ln w="19050">
+            <a:solidFill>
+              <a:srgbClr val="7030A0"/>
+            </a:solidFill>
+            <a:headEnd type="none" w="med" len="med"/>
+            <a:tailEnd type="arrow" w="med" len="med"/>
+          </a:ln>
+          <a:effectLst/>
+        </p:spPr>
+        <p:style>
+          <a:lnRef idx="1">
+            <a:schemeClr val="accent2"/>
+          </a:lnRef>
+          <a:fillRef idx="2">
+            <a:schemeClr val="accent2"/>
+          </a:fillRef>
+          <a:effectRef idx="1">
+            <a:schemeClr val="accent2"/>
+          </a:effectRef>
+          <a:fontRef idx="minor">
+            <a:schemeClr val="dk1"/>
+          </a:fontRef>
+        </p:style>
+      </p:cxnSp>
+      <p:sp>
+        <p:nvSpPr>
+          <p:cNvPr id="299" name="Rectangle 8"/>
+          <p:cNvSpPr/>
+          <p:nvPr/>
+        </p:nvSpPr>
+        <p:spPr>
+          <a:xfrm>
+            <a:off x="1917079" y="7679922"/>
+            <a:ext cx="1643471" cy="346760"/>
+          </a:xfrm>
+          <a:prstGeom prst="rect">
+            <a:avLst/>
+          </a:prstGeom>
+          <a:ln w="19050">
+            <a:solidFill>
+              <a:srgbClr val="7030A0"/>
+            </a:solidFill>
+          </a:ln>
+          <a:effectLst/>
+        </p:spPr>
+        <p:style>
+          <a:lnRef idx="1">
+            <a:schemeClr val="accent4"/>
+          </a:lnRef>
+          <a:fillRef idx="2">
+            <a:schemeClr val="accent4"/>
+          </a:fillRef>
+          <a:effectRef idx="1">
+            <a:schemeClr val="accent4"/>
+          </a:effectRef>
+          <a:fontRef idx="minor">
+            <a:schemeClr val="dk1"/>
+          </a:fontRef>
+        </p:style>
+        <p:txBody>
+          <a:bodyPr rtlCol="0" anchor="ctr"/>
+          <a:lstStyle/>
+          <a:p>
+            <a:pPr algn="ctr"/>
+            <a:r>
+              <a:rPr lang="en-US" sz="1050" dirty="0" smtClean="0">
+                <a:solidFill>
+                  <a:srgbClr val="7030A0"/>
+                </a:solidFill>
+              </a:rPr>
+              <a:t>Classroom</a:t>
+            </a:r>
+            <a:endParaRPr lang="en-SG" sz="1050" dirty="0">
+              <a:solidFill>
+                <a:srgbClr val="7030A0"/>
+              </a:solidFill>
+            </a:endParaRPr>
+          </a:p>
+        </p:txBody>
+      </p:sp>
+      <p:sp>
+        <p:nvSpPr>
+          <p:cNvPr id="300" name="Rectangle 8"/>
+          <p:cNvSpPr/>
+          <p:nvPr/>
+        </p:nvSpPr>
+        <p:spPr>
+          <a:xfrm>
+            <a:off x="4265004" y="7725683"/>
+            <a:ext cx="1001834" cy="285783"/>
+          </a:xfrm>
+          <a:prstGeom prst="rect">
+            <a:avLst/>
+          </a:prstGeom>
+          <a:ln w="19050">
+            <a:solidFill>
+              <a:srgbClr val="7030A0"/>
+            </a:solidFill>
+          </a:ln>
+          <a:effectLst/>
+        </p:spPr>
+        <p:style>
+          <a:lnRef idx="1">
+            <a:schemeClr val="accent4"/>
+          </a:lnRef>
+          <a:fillRef idx="2">
+            <a:schemeClr val="accent4"/>
+          </a:fillRef>
+          <a:effectRef idx="1">
+            <a:schemeClr val="accent4"/>
+          </a:effectRef>
+          <a:fontRef idx="minor">
+            <a:schemeClr val="dk1"/>
+          </a:fontRef>
+        </p:style>
+        <p:txBody>
+          <a:bodyPr rtlCol="0" anchor="ctr"/>
+          <a:lstStyle/>
+          <a:p>
+            <a:pPr algn="ctr"/>
+            <a:r>
+              <a:rPr lang="en-US" sz="1050" dirty="0" err="1" smtClean="0">
+                <a:solidFill>
+                  <a:srgbClr val="7030A0"/>
+                </a:solidFill>
+              </a:rPr>
+              <a:t>ClassName</a:t>
+            </a:r>
+            <a:endParaRPr lang="en-SG" sz="1050" dirty="0">
+              <a:solidFill>
+                <a:srgbClr val="7030A0"/>
+              </a:solidFill>
+            </a:endParaRPr>
+          </a:p>
+        </p:txBody>
+      </p:sp>
+      <p:sp>
+        <p:nvSpPr>
+          <p:cNvPr id="301" name="Flowchart: Decision 96"/>
+          <p:cNvSpPr/>
+          <p:nvPr/>
+        </p:nvSpPr>
+        <p:spPr>
+          <a:xfrm>
+            <a:off x="3568170" y="7775626"/>
+            <a:ext cx="236048" cy="173380"/>
+          </a:xfrm>
+          <a:prstGeom prst="flowChartDecision">
+            <a:avLst/>
+          </a:prstGeom>
+          <a:solidFill>
+            <a:srgbClr val="7030A0"/>
+          </a:solidFill>
+          <a:ln w="19050">
+            <a:solidFill>
+              <a:srgbClr val="7030A0"/>
+            </a:solidFill>
+          </a:ln>
+          <a:effectLst/>
+        </p:spPr>
+        <p:style>
+          <a:lnRef idx="1">
+            <a:schemeClr val="accent6"/>
+          </a:lnRef>
+          <a:fillRef idx="2">
+            <a:schemeClr val="accent6"/>
+          </a:fillRef>
+          <a:effectRef idx="1">
+            <a:schemeClr val="accent6"/>
+          </a:effectRef>
+          <a:fontRef idx="minor">
+            <a:schemeClr val="dk1"/>
+          </a:fontRef>
+        </p:style>
+        <p:txBody>
+          <a:bodyPr rtlCol="0" anchor="ctr"/>
+          <a:lstStyle/>
+          <a:p>
+            <a:pPr algn="ctr"/>
+            <a:endParaRPr lang="en-US" sz="1050"/>
+          </a:p>
+        </p:txBody>
+      </p:sp>
+      <p:cxnSp>
+        <p:nvCxnSpPr>
+          <p:cNvPr id="302" name="Elbow Connector 301"/>
+          <p:cNvCxnSpPr>
+            <a:cxnSpLocks/>
+            <a:stCxn id="301" idx="3"/>
+            <a:endCxn id="300" idx="1"/>
+          </p:cNvCxnSpPr>
+          <p:nvPr/>
+        </p:nvCxnSpPr>
+        <p:spPr>
+          <a:xfrm>
+            <a:off x="3804218" y="7862316"/>
+            <a:ext cx="460786" cy="6259"/>
+          </a:xfrm>
+          <a:prstGeom prst="bentConnector3">
+            <a:avLst/>
+          </a:prstGeom>
+          <a:ln w="19050">
+            <a:solidFill>
+              <a:srgbClr val="7030A0"/>
+            </a:solidFill>
+            <a:headEnd type="none" w="med" len="med"/>
+            <a:tailEnd type="arrow" w="med" len="med"/>
+          </a:ln>
+          <a:effectLst/>
+        </p:spPr>
+        <p:style>
+          <a:lnRef idx="1">
+            <a:schemeClr val="accent2"/>
+          </a:lnRef>
+          <a:fillRef idx="2">
+            <a:schemeClr val="accent2"/>
+          </a:fillRef>
+          <a:effectRef idx="1">
+            <a:schemeClr val="accent2"/>
+          </a:effectRef>
+          <a:fontRef idx="minor">
+            <a:schemeClr val="dk1"/>
+          </a:fontRef>
+        </p:style>
+      </p:cxnSp>
+      <p:sp>
+        <p:nvSpPr>
+          <p:cNvPr id="303" name="TextBox 302"/>
+          <p:cNvSpPr txBox="1"/>
+          <p:nvPr/>
+        </p:nvSpPr>
+        <p:spPr>
+          <a:xfrm>
+            <a:off x="1735375" y="7691580"/>
+            <a:ext cx="170110" cy="137542"/>
+          </a:xfrm>
+          <a:prstGeom prst="rect">
+            <a:avLst/>
+          </a:prstGeom>
+          <a:noFill/>
+        </p:spPr>
+        <p:txBody>
+          <a:bodyPr wrap="square" lIns="0" tIns="0" rIns="0" bIns="0" rtlCol="0">
+            <a:noAutofit/>
+          </a:bodyPr>
+          <a:lstStyle/>
+          <a:p>
+            <a:pPr algn="ctr"/>
+            <a:r>
+              <a:rPr lang="en-US" sz="1100" dirty="0">
+                <a:solidFill>
+                  <a:srgbClr val="7030A0"/>
+                </a:solidFill>
+              </a:rPr>
+              <a:t>*</a:t>
+            </a:r>
+            <a:endParaRPr lang="en-SG" sz="1100" dirty="0">
+              <a:solidFill>
+                <a:srgbClr val="7030A0"/>
+              </a:solidFill>
+            </a:endParaRPr>
+          </a:p>
+        </p:txBody>
+      </p:sp>
+      <p:sp>
+        <p:nvSpPr>
+          <p:cNvPr id="304" name="Rectangle 8">
             <a:extLst>
               <a:ext uri="{FF2B5EF4-FFF2-40B4-BE49-F238E27FC236}">
                 <a16:creationId xmlns="" xmlns:a16="http://schemas.microsoft.com/office/drawing/2014/main" id="{ABDCDBD2-131A-4B66-A2F2-43BBEE82C773}"/>
@@ -6078,7 +7440,7 @@
         </p:nvSpPr>
         <p:spPr>
           <a:xfrm>
-            <a:off x="3667718" y="958901"/>
+            <a:off x="4265003" y="7402782"/>
             <a:ext cx="1001835" cy="285783"/>
           </a:xfrm>
           <a:prstGeom prst="rect">
@@ -6116,7 +7478,7 @@
                   <a:srgbClr val="7030A0"/>
                 </a:solidFill>
               </a:rPr>
-              <a:t>CourseCode</a:t>
+              <a:t>ModuleCode</a:t>
             </a:r>
             <a:endParaRPr lang="en-SG" sz="1050" dirty="0">
               <a:solidFill>
@@ -6128,7 +7490,7 @@
       </p:sp>
       <p:cxnSp>
         <p:nvCxnSpPr>
-          <p:cNvPr id="261" name="Elbow Connector 78">
+          <p:cNvPr id="305" name="Elbow Connector 78">
             <a:extLst>
               <a:ext uri="{FF2B5EF4-FFF2-40B4-BE49-F238E27FC236}">
                 <a16:creationId xmlns="" xmlns:a16="http://schemas.microsoft.com/office/drawing/2014/main" id="{B97967F8-618A-448B-81FD-CDFD4AF0EC64}"/>
@@ -6137,15 +7499,15 @@
           </p:cNvPr>
           <p:cNvCxnSpPr>
             <a:cxnSpLocks/>
-            <a:stCxn id="257" idx="3"/>
-            <a:endCxn id="260" idx="1"/>
+            <a:stCxn id="301" idx="3"/>
+            <a:endCxn id="304" idx="1"/>
           </p:cNvCxnSpPr>
           <p:nvPr/>
         </p:nvCxnSpPr>
         <p:spPr>
           <a:xfrm flipV="1">
-            <a:off x="3225221" y="1101793"/>
-            <a:ext cx="442497" cy="322901"/>
+            <a:off x="3804218" y="7545674"/>
+            <a:ext cx="460785" cy="316642"/>
           </a:xfrm>
           <a:prstGeom prst="bentConnector3">
             <a:avLst>
@@ -6178,13 +7540,13 @@
       </p:cxnSp>
       <p:sp>
         <p:nvSpPr>
-          <p:cNvPr id="262" name="Rectangle 8"/>
+          <p:cNvPr id="306" name="Rectangle 8"/>
           <p:cNvSpPr/>
           <p:nvPr/>
         </p:nvSpPr>
         <p:spPr>
           <a:xfrm>
-            <a:off x="3667719" y="1598074"/>
+            <a:off x="4265004" y="8054147"/>
             <a:ext cx="1001834" cy="285783"/>
           </a:xfrm>
           <a:prstGeom prst="rect">
@@ -6217,12 +7579,12 @@
           <a:p>
             <a:pPr algn="ctr"/>
             <a:r>
-              <a:rPr lang="en-US" sz="1000" dirty="0" err="1" smtClean="0">
+              <a:rPr lang="en-US" sz="1000" dirty="0" smtClean="0">
                 <a:solidFill>
                   <a:srgbClr val="7030A0"/>
                 </a:solidFill>
               </a:rPr>
-              <a:t>FacultyName</a:t>
+              <a:t>Enrollment</a:t>
             </a:r>
             <a:endParaRPr lang="en-SG" sz="1000" dirty="0">
               <a:solidFill>
@@ -6234,18 +7596,18 @@
       </p:sp>
       <p:cxnSp>
         <p:nvCxnSpPr>
-          <p:cNvPr id="263" name="Elbow Connector 262"/>
+          <p:cNvPr id="307" name="Elbow Connector 306"/>
           <p:cNvCxnSpPr>
             <a:cxnSpLocks/>
-            <a:stCxn id="257" idx="3"/>
-            <a:endCxn id="262" idx="1"/>
+            <a:stCxn id="301" idx="3"/>
+            <a:endCxn id="306" idx="1"/>
           </p:cNvCxnSpPr>
           <p:nvPr/>
         </p:nvCxnSpPr>
         <p:spPr>
           <a:xfrm>
-            <a:off x="3225221" y="1424694"/>
-            <a:ext cx="442498" cy="316272"/>
+            <a:off x="3804218" y="7862316"/>
+            <a:ext cx="460786" cy="334723"/>
           </a:xfrm>
           <a:prstGeom prst="bentConnector3">
             <a:avLst/>
@@ -6276,21 +7638,18 @@
       </p:cxnSp>
       <p:sp>
         <p:nvSpPr>
-          <p:cNvPr id="264" name="Flowchart: Decision 96"/>
+          <p:cNvPr id="308" name="Rectangle 8"/>
           <p:cNvSpPr/>
           <p:nvPr/>
         </p:nvSpPr>
         <p:spPr>
           <a:xfrm>
-            <a:off x="1765855" y="1338003"/>
-            <a:ext cx="236048" cy="173380"/>
-          </a:xfrm>
-          <a:prstGeom prst="flowChartDecision">
-            <a:avLst/>
-          </a:prstGeom>
-          <a:solidFill>
-            <a:srgbClr val="7030A0"/>
-          </a:solidFill>
+            <a:off x="1917079" y="8023812"/>
+            <a:ext cx="1643471" cy="259080"/>
+          </a:xfrm>
+          <a:prstGeom prst="rect">
+            <a:avLst/>
+          </a:prstGeom>
           <a:ln w="19050">
             <a:solidFill>
               <a:srgbClr val="7030A0"/>
@@ -6300,13 +7659,13 @@
         </p:spPr>
         <p:style>
           <a:lnRef idx="1">
-            <a:schemeClr val="accent6"/>
-          </a:lnRef>
-          <a:fillRef idx="2">
-            <a:schemeClr val="accent6"/>
-          </a:fillRef>
-          <a:effectRef idx="1">
-            <a:schemeClr val="accent6"/>
+            <a:schemeClr val="accent4"/>
+          </a:lnRef>
+          <a:fillRef idx="2">
+            <a:schemeClr val="accent4"/>
+          </a:fillRef>
+          <a:effectRef idx="1">
+            <a:schemeClr val="accent4"/>
           </a:effectRef>
           <a:fontRef idx="minor">
             <a:schemeClr val="dk1"/>
@@ -6316,65 +7675,82 @@
           <a:bodyPr rtlCol="0" anchor="ctr"/>
           <a:lstStyle/>
           <a:p>
-            <a:pPr algn="ctr"/>
-            <a:endParaRPr lang="en-US" sz="1050"/>
-          </a:p>
-        </p:txBody>
-      </p:sp>
-      <p:sp>
-        <p:nvSpPr>
-          <p:cNvPr id="266" name="Rectangle 65"/>
-          <p:cNvSpPr/>
-          <p:nvPr/>
-        </p:nvSpPr>
-        <p:spPr>
-          <a:xfrm>
-            <a:off x="1143464" y="5715000"/>
-            <a:ext cx="3945936" cy="1886712"/>
-          </a:xfrm>
-          <a:prstGeom prst="roundRect">
-            <a:avLst>
-              <a:gd name="adj" fmla="val 3484"/>
-            </a:avLst>
-          </a:prstGeom>
-          <a:solidFill>
-            <a:schemeClr val="accent4">
-              <a:lumMod val="20000"/>
-              <a:lumOff val="80000"/>
-            </a:schemeClr>
-          </a:solidFill>
-          <a:ln w="19050">
-            <a:noFill/>
-          </a:ln>
-          <a:effectLst/>
-        </p:spPr>
-        <p:style>
-          <a:lnRef idx="1">
-            <a:schemeClr val="accent2"/>
-          </a:lnRef>
-          <a:fillRef idx="2">
-            <a:schemeClr val="accent2"/>
-          </a:fillRef>
-          <a:effectRef idx="1">
-            <a:schemeClr val="accent2"/>
-          </a:effectRef>
-          <a:fontRef idx="minor">
-            <a:schemeClr val="dk1"/>
-          </a:fontRef>
-        </p:style>
-        <p:txBody>
-          <a:bodyPr rtlCol="0" anchor="t"/>
-          <a:lstStyle/>
-          <a:p>
-            <a:r>
-              <a:rPr lang="en-US" sz="1200" b="1" dirty="0" smtClean="0">
+            <a:r>
+              <a:rPr lang="en-US" sz="800" dirty="0" smtClean="0">
                 <a:solidFill>
                   <a:srgbClr val="7030A0"/>
                 </a:solidFill>
               </a:rPr>
-              <a:t>Module Model</a:t>
-            </a:r>
-            <a:endParaRPr lang="en-SG" sz="1200" b="1" dirty="0">
+              <a:t>-students: </a:t>
+            </a:r>
+            <a:r>
+              <a:rPr lang="en-US" sz="800" dirty="0" err="1" smtClean="0">
+                <a:solidFill>
+                  <a:srgbClr val="7030A0"/>
+                </a:solidFill>
+              </a:rPr>
+              <a:t>ArrayList</a:t>
+            </a:r>
+            <a:r>
+              <a:rPr lang="en-US" sz="800" dirty="0" smtClean="0">
+                <a:solidFill>
+                  <a:srgbClr val="7030A0"/>
+                </a:solidFill>
+              </a:rPr>
+              <a:t>&lt;String&gt; [0..*]</a:t>
+            </a:r>
+          </a:p>
+        </p:txBody>
+      </p:sp>
+      <p:sp>
+        <p:nvSpPr>
+          <p:cNvPr id="309" name="Rectangle 8"/>
+          <p:cNvSpPr/>
+          <p:nvPr/>
+        </p:nvSpPr>
+        <p:spPr>
+          <a:xfrm>
+            <a:off x="4265003" y="8382797"/>
+            <a:ext cx="1001834" cy="285783"/>
+          </a:xfrm>
+          <a:prstGeom prst="rect">
+            <a:avLst/>
+          </a:prstGeom>
+          <a:ln w="19050">
+            <a:solidFill>
+              <a:srgbClr val="7030A0"/>
+            </a:solidFill>
+          </a:ln>
+          <a:effectLst/>
+        </p:spPr>
+        <p:style>
+          <a:lnRef idx="1">
+            <a:schemeClr val="accent4"/>
+          </a:lnRef>
+          <a:fillRef idx="2">
+            <a:schemeClr val="accent4"/>
+          </a:fillRef>
+          <a:effectRef idx="1">
+            <a:schemeClr val="accent4"/>
+          </a:effectRef>
+          <a:fontRef idx="minor">
+            <a:schemeClr val="dk1"/>
+          </a:fontRef>
+        </p:style>
+        <p:txBody>
+          <a:bodyPr rtlCol="0" anchor="ctr"/>
+          <a:lstStyle/>
+          <a:p>
+            <a:pPr algn="ctr"/>
+            <a:r>
+              <a:rPr lang="en-US" sz="1000" dirty="0" smtClean="0">
+                <a:solidFill>
+                  <a:srgbClr val="7030A0"/>
+                </a:solidFill>
+              </a:rPr>
+              <a:t>Attendance</a:t>
+            </a:r>
+            <a:endParaRPr lang="en-SG" sz="1000" dirty="0">
               <a:solidFill>
                 <a:srgbClr val="7030A0"/>
               </a:solidFill>
@@ -6382,75 +7758,20 @@
           </a:p>
         </p:txBody>
       </p:sp>
-      <p:sp>
-        <p:nvSpPr>
-          <p:cNvPr id="267" name="Rectangle 62"/>
-          <p:cNvSpPr/>
-          <p:nvPr/>
-        </p:nvSpPr>
-        <p:spPr>
-          <a:xfrm rot="16200000">
-            <a:off x="940201" y="6603549"/>
-            <a:ext cx="1093635" cy="346760"/>
-          </a:xfrm>
-          <a:prstGeom prst="rect">
-            <a:avLst/>
-          </a:prstGeom>
-          <a:solidFill>
-            <a:srgbClr val="7030A0"/>
-          </a:solidFill>
-          <a:ln w="19050">
-            <a:solidFill>
-              <a:srgbClr val="7030A0"/>
-            </a:solidFill>
-          </a:ln>
-          <a:effectLst/>
-        </p:spPr>
-        <p:style>
-          <a:lnRef idx="1">
-            <a:schemeClr val="accent2"/>
-          </a:lnRef>
-          <a:fillRef idx="2">
-            <a:schemeClr val="accent2"/>
-          </a:fillRef>
-          <a:effectRef idx="1">
-            <a:schemeClr val="accent2"/>
-          </a:effectRef>
-          <a:fontRef idx="minor">
-            <a:schemeClr val="dk1"/>
-          </a:fontRef>
-        </p:style>
-        <p:txBody>
-          <a:bodyPr rtlCol="0" anchor="ctr"/>
-          <a:lstStyle/>
-          <a:p>
-            <a:pPr algn="ctr"/>
-            <a:r>
-              <a:rPr lang="en-US" sz="1050" dirty="0" err="1" smtClean="0">
-                <a:solidFill>
-                  <a:schemeClr val="bg1"/>
-                </a:solidFill>
-              </a:rPr>
-              <a:t>ModuleManager</a:t>
-            </a:r>
-            <a:endParaRPr lang="en-US" sz="1050" dirty="0" smtClean="0">
-              <a:solidFill>
-                <a:schemeClr val="bg1"/>
-              </a:solidFill>
-            </a:endParaRPr>
-          </a:p>
-        </p:txBody>
-      </p:sp>
       <p:cxnSp>
         <p:nvCxnSpPr>
-          <p:cNvPr id="268" name="Elbow Connector 122"/>
-          <p:cNvCxnSpPr/>
+          <p:cNvPr id="310" name="Elbow Connector 309"/>
+          <p:cNvCxnSpPr>
+            <a:cxnSpLocks/>
+            <a:stCxn id="301" idx="3"/>
+            <a:endCxn id="309" idx="1"/>
+          </p:cNvCxnSpPr>
           <p:nvPr/>
         </p:nvCxnSpPr>
         <p:spPr>
-          <a:xfrm flipV="1">
-            <a:off x="317499" y="6758425"/>
-            <a:ext cx="996138" cy="8517"/>
+          <a:xfrm>
+            <a:off x="3804218" y="7862316"/>
+            <a:ext cx="460785" cy="663373"/>
           </a:xfrm>
           <a:prstGeom prst="bentConnector3">
             <a:avLst>
@@ -6459,11 +7780,8 @@
           </a:prstGeom>
           <a:ln w="19050">
             <a:solidFill>
-              <a:schemeClr val="bg1">
-                <a:lumMod val="75000"/>
-              </a:schemeClr>
-            </a:solidFill>
-            <a:prstDash val="sysDot"/>
+              <a:srgbClr val="7030A0"/>
+            </a:solidFill>
             <a:headEnd type="none" w="med" len="med"/>
             <a:tailEnd type="arrow" w="med" len="med"/>
           </a:ln>
@@ -6484,256 +7802,15 @@
           </a:fontRef>
         </p:style>
       </p:cxnSp>
-      <p:cxnSp>
-        <p:nvCxnSpPr>
-          <p:cNvPr id="269" name="Straight Arrow Connector 268"/>
-          <p:cNvCxnSpPr>
-            <a:endCxn id="270" idx="1"/>
-          </p:cNvCxnSpPr>
-          <p:nvPr/>
-        </p:nvCxnSpPr>
-        <p:spPr>
-          <a:xfrm>
-            <a:off x="1896447" y="6791122"/>
-            <a:ext cx="254082" cy="0"/>
-          </a:xfrm>
-          <a:prstGeom prst="straightConnector1">
-            <a:avLst/>
-          </a:prstGeom>
-          <a:ln w="19050">
-            <a:solidFill>
-              <a:srgbClr val="7030A0"/>
-            </a:solidFill>
-            <a:headEnd type="none" w="med" len="med"/>
-            <a:tailEnd type="arrow" w="med" len="med"/>
-          </a:ln>
-          <a:effectLst/>
-        </p:spPr>
-        <p:style>
-          <a:lnRef idx="1">
-            <a:schemeClr val="accent2"/>
-          </a:lnRef>
-          <a:fillRef idx="2">
-            <a:schemeClr val="accent2"/>
-          </a:fillRef>
-          <a:effectRef idx="1">
-            <a:schemeClr val="accent2"/>
-          </a:effectRef>
-          <a:fontRef idx="minor">
-            <a:schemeClr val="dk1"/>
-          </a:fontRef>
-        </p:style>
-      </p:cxnSp>
-      <p:sp>
-        <p:nvSpPr>
-          <p:cNvPr id="270" name="Rectangle 8"/>
-          <p:cNvSpPr/>
-          <p:nvPr/>
-        </p:nvSpPr>
-        <p:spPr>
-          <a:xfrm>
-            <a:off x="2150529" y="6617742"/>
-            <a:ext cx="1033870" cy="346760"/>
-          </a:xfrm>
-          <a:prstGeom prst="rect">
-            <a:avLst/>
-          </a:prstGeom>
-          <a:ln w="19050">
-            <a:solidFill>
-              <a:srgbClr val="7030A0"/>
-            </a:solidFill>
-          </a:ln>
-          <a:effectLst/>
-        </p:spPr>
-        <p:style>
-          <a:lnRef idx="1">
-            <a:schemeClr val="accent4"/>
-          </a:lnRef>
-          <a:fillRef idx="2">
-            <a:schemeClr val="accent4"/>
-          </a:fillRef>
-          <a:effectRef idx="1">
-            <a:schemeClr val="accent4"/>
-          </a:effectRef>
-          <a:fontRef idx="minor">
-            <a:schemeClr val="dk1"/>
-          </a:fontRef>
-        </p:style>
-        <p:txBody>
-          <a:bodyPr rtlCol="0" anchor="ctr"/>
-          <a:lstStyle/>
-          <a:p>
-            <a:pPr algn="ctr"/>
-            <a:r>
-              <a:rPr lang="en-US" sz="1050" smtClean="0">
-                <a:solidFill>
-                  <a:srgbClr val="7030A0"/>
-                </a:solidFill>
-              </a:rPr>
-              <a:t>Module</a:t>
-            </a:r>
-            <a:endParaRPr lang="en-SG" sz="1050" dirty="0">
-              <a:solidFill>
-                <a:srgbClr val="7030A0"/>
-              </a:solidFill>
-            </a:endParaRPr>
-          </a:p>
-        </p:txBody>
-      </p:sp>
-      <p:sp>
-        <p:nvSpPr>
-          <p:cNvPr id="271" name="Rectangle 8"/>
-          <p:cNvSpPr/>
-          <p:nvPr/>
-        </p:nvSpPr>
-        <p:spPr>
-          <a:xfrm>
-            <a:off x="3880476" y="6648229"/>
-            <a:ext cx="1001834" cy="285783"/>
-          </a:xfrm>
-          <a:prstGeom prst="rect">
-            <a:avLst/>
-          </a:prstGeom>
-          <a:ln w="19050">
-            <a:solidFill>
-              <a:srgbClr val="7030A0"/>
-            </a:solidFill>
-          </a:ln>
-          <a:effectLst/>
-        </p:spPr>
-        <p:style>
-          <a:lnRef idx="1">
-            <a:schemeClr val="accent4"/>
-          </a:lnRef>
-          <a:fillRef idx="2">
-            <a:schemeClr val="accent4"/>
-          </a:fillRef>
-          <a:effectRef idx="1">
-            <a:schemeClr val="accent4"/>
-          </a:effectRef>
-          <a:fontRef idx="minor">
-            <a:schemeClr val="dk1"/>
-          </a:fontRef>
-        </p:style>
-        <p:txBody>
-          <a:bodyPr rtlCol="0" anchor="ctr"/>
-          <a:lstStyle/>
-          <a:p>
-            <a:pPr algn="ctr"/>
-            <a:r>
-              <a:rPr lang="en-US" sz="1050" dirty="0" err="1" smtClean="0">
-                <a:solidFill>
-                  <a:srgbClr val="7030A0"/>
-                </a:solidFill>
-              </a:rPr>
-              <a:t>ModuleName</a:t>
-            </a:r>
-            <a:endParaRPr lang="en-SG" sz="1050" dirty="0">
-              <a:solidFill>
-                <a:srgbClr val="7030A0"/>
-              </a:solidFill>
-            </a:endParaRPr>
-          </a:p>
-        </p:txBody>
-      </p:sp>
-      <p:sp>
-        <p:nvSpPr>
-          <p:cNvPr id="272" name="Flowchart: Decision 96"/>
-          <p:cNvSpPr/>
-          <p:nvPr/>
-        </p:nvSpPr>
-        <p:spPr>
-          <a:xfrm>
-            <a:off x="3201930" y="6709986"/>
-            <a:ext cx="236048" cy="173380"/>
-          </a:xfrm>
-          <a:prstGeom prst="flowChartDecision">
-            <a:avLst/>
-          </a:prstGeom>
-          <a:solidFill>
-            <a:srgbClr val="7030A0"/>
-          </a:solidFill>
-          <a:ln w="19050">
-            <a:solidFill>
-              <a:srgbClr val="7030A0"/>
-            </a:solidFill>
-          </a:ln>
-          <a:effectLst/>
-        </p:spPr>
-        <p:style>
-          <a:lnRef idx="1">
-            <a:schemeClr val="accent6"/>
-          </a:lnRef>
-          <a:fillRef idx="2">
-            <a:schemeClr val="accent6"/>
-          </a:fillRef>
-          <a:effectRef idx="1">
-            <a:schemeClr val="accent6"/>
-          </a:effectRef>
-          <a:fontRef idx="minor">
-            <a:schemeClr val="dk1"/>
-          </a:fontRef>
-        </p:style>
-        <p:txBody>
-          <a:bodyPr rtlCol="0" anchor="ctr"/>
-          <a:lstStyle/>
-          <a:p>
-            <a:pPr algn="ctr"/>
-            <a:endParaRPr lang="en-US" sz="1050"/>
-          </a:p>
-        </p:txBody>
-      </p:sp>
-      <p:cxnSp>
-        <p:nvCxnSpPr>
-          <p:cNvPr id="273" name="Elbow Connector 272"/>
-          <p:cNvCxnSpPr>
-            <a:cxnSpLocks/>
-            <a:stCxn id="272" idx="3"/>
-            <a:endCxn id="271" idx="1"/>
-          </p:cNvCxnSpPr>
-          <p:nvPr/>
-        </p:nvCxnSpPr>
-        <p:spPr>
-          <a:xfrm flipV="1">
-            <a:off x="3437978" y="6791121"/>
-            <a:ext cx="442498" cy="5555"/>
-          </a:xfrm>
-          <a:prstGeom prst="bentConnector3">
-            <a:avLst/>
-          </a:prstGeom>
-          <a:ln w="19050">
-            <a:solidFill>
-              <a:srgbClr val="7030A0"/>
-            </a:solidFill>
-            <a:headEnd type="none" w="med" len="med"/>
-            <a:tailEnd type="arrow" w="med" len="med"/>
-          </a:ln>
-          <a:effectLst/>
-        </p:spPr>
-        <p:style>
-          <a:lnRef idx="1">
-            <a:schemeClr val="accent2"/>
-          </a:lnRef>
-          <a:fillRef idx="2">
-            <a:schemeClr val="accent2"/>
-          </a:fillRef>
-          <a:effectRef idx="1">
-            <a:schemeClr val="accent2"/>
-          </a:effectRef>
-          <a:fontRef idx="minor">
-            <a:schemeClr val="dk1"/>
-          </a:fontRef>
-        </p:style>
-      </p:cxnSp>
-      <p:sp>
-        <p:nvSpPr>
-          <p:cNvPr id="274" name="TextBox 273"/>
+      <p:sp>
+        <p:nvSpPr>
+          <p:cNvPr id="311" name="TextBox 310"/>
           <p:cNvSpPr txBox="1"/>
           <p:nvPr/>
         </p:nvSpPr>
         <p:spPr>
           <a:xfrm>
-            <a:off x="1968824" y="6629400"/>
+            <a:off x="4083463" y="8370410"/>
             <a:ext cx="170110" cy="137542"/>
           </a:xfrm>
           <a:prstGeom prst="rect">
@@ -6766,7 +7843,1590 @@
       </p:sp>
       <p:sp>
         <p:nvSpPr>
-          <p:cNvPr id="275" name="Rectangle 8">
+          <p:cNvPr id="312" name="Flowchart: Decision 96"/>
+          <p:cNvSpPr/>
+          <p:nvPr/>
+        </p:nvSpPr>
+        <p:spPr>
+          <a:xfrm>
+            <a:off x="1426951" y="7766612"/>
+            <a:ext cx="236048" cy="173380"/>
+          </a:xfrm>
+          <a:prstGeom prst="flowChartDecision">
+            <a:avLst/>
+          </a:prstGeom>
+          <a:solidFill>
+            <a:srgbClr val="7030A0"/>
+          </a:solidFill>
+          <a:ln w="19050">
+            <a:solidFill>
+              <a:srgbClr val="7030A0"/>
+            </a:solidFill>
+          </a:ln>
+          <a:effectLst/>
+        </p:spPr>
+        <p:style>
+          <a:lnRef idx="1">
+            <a:schemeClr val="accent6"/>
+          </a:lnRef>
+          <a:fillRef idx="2">
+            <a:schemeClr val="accent6"/>
+          </a:fillRef>
+          <a:effectRef idx="1">
+            <a:schemeClr val="accent6"/>
+          </a:effectRef>
+          <a:fontRef idx="minor">
+            <a:schemeClr val="dk1"/>
+          </a:fontRef>
+        </p:style>
+        <p:txBody>
+          <a:bodyPr rtlCol="0" anchor="ctr"/>
+          <a:lstStyle/>
+          <a:p>
+            <a:pPr algn="ctr"/>
+            <a:endParaRPr lang="en-US" sz="1050"/>
+          </a:p>
+        </p:txBody>
+      </p:sp>
+      <p:cxnSp>
+        <p:nvCxnSpPr>
+          <p:cNvPr id="314" name="Elbow Connector 313"/>
+          <p:cNvCxnSpPr>
+            <a:cxnSpLocks/>
+            <a:stCxn id="304" idx="0"/>
+            <a:endCxn id="232" idx="2"/>
+          </p:cNvCxnSpPr>
+          <p:nvPr/>
+        </p:nvCxnSpPr>
+        <p:spPr>
+          <a:xfrm rot="16200000" flipV="1">
+            <a:off x="3681565" y="6318425"/>
+            <a:ext cx="1192519" cy="976195"/>
+          </a:xfrm>
+          <a:prstGeom prst="bentConnector3">
+            <a:avLst>
+              <a:gd name="adj1" fmla="val 46805"/>
+            </a:avLst>
+          </a:prstGeom>
+          <a:ln w="19050">
+            <a:solidFill>
+              <a:srgbClr val="7030A0"/>
+            </a:solidFill>
+            <a:prstDash val="sysDot"/>
+            <a:headEnd type="none" w="med" len="med"/>
+            <a:tailEnd type="arrow" w="med" len="med"/>
+          </a:ln>
+          <a:effectLst/>
+        </p:spPr>
+        <p:style>
+          <a:lnRef idx="1">
+            <a:schemeClr val="accent2"/>
+          </a:lnRef>
+          <a:fillRef idx="2">
+            <a:schemeClr val="accent2"/>
+          </a:fillRef>
+          <a:effectRef idx="1">
+            <a:schemeClr val="accent2"/>
+          </a:effectRef>
+          <a:fontRef idx="minor">
+            <a:schemeClr val="dk1"/>
+          </a:fontRef>
+        </p:style>
+      </p:cxnSp>
+      <p:sp>
+        <p:nvSpPr>
+          <p:cNvPr id="386" name="Rectangle 62"/>
+          <p:cNvSpPr/>
+          <p:nvPr/>
+        </p:nvSpPr>
+        <p:spPr>
+          <a:xfrm rot="16200000">
+            <a:off x="596134" y="12053156"/>
+            <a:ext cx="1313351" cy="346760"/>
+          </a:xfrm>
+          <a:prstGeom prst="rect">
+            <a:avLst/>
+          </a:prstGeom>
+          <a:solidFill>
+            <a:srgbClr val="7030A0"/>
+          </a:solidFill>
+          <a:ln w="19050">
+            <a:solidFill>
+              <a:srgbClr val="7030A0"/>
+            </a:solidFill>
+          </a:ln>
+          <a:effectLst/>
+        </p:spPr>
+        <p:style>
+          <a:lnRef idx="1">
+            <a:schemeClr val="accent2"/>
+          </a:lnRef>
+          <a:fillRef idx="2">
+            <a:schemeClr val="accent2"/>
+          </a:fillRef>
+          <a:effectRef idx="1">
+            <a:schemeClr val="accent2"/>
+          </a:effectRef>
+          <a:fontRef idx="minor">
+            <a:schemeClr val="dk1"/>
+          </a:fontRef>
+        </p:style>
+        <p:txBody>
+          <a:bodyPr rtlCol="0" anchor="ctr"/>
+          <a:lstStyle/>
+          <a:p>
+            <a:pPr algn="ctr"/>
+            <a:r>
+              <a:rPr lang="en-US" sz="1050" dirty="0" err="1" smtClean="0">
+                <a:solidFill>
+                  <a:schemeClr val="bg1"/>
+                </a:solidFill>
+              </a:rPr>
+              <a:t>GradebookManager</a:t>
+            </a:r>
+            <a:endParaRPr lang="en-US" sz="1050" dirty="0" smtClean="0">
+              <a:solidFill>
+                <a:schemeClr val="bg1"/>
+              </a:solidFill>
+            </a:endParaRPr>
+          </a:p>
+        </p:txBody>
+      </p:sp>
+      <p:cxnSp>
+        <p:nvCxnSpPr>
+          <p:cNvPr id="388" name="Straight Arrow Connector 387"/>
+          <p:cNvCxnSpPr>
+            <a:endCxn id="389" idx="1"/>
+          </p:cNvCxnSpPr>
+          <p:nvPr/>
+        </p:nvCxnSpPr>
+        <p:spPr>
+          <a:xfrm>
+            <a:off x="1662237" y="12228436"/>
+            <a:ext cx="254082" cy="0"/>
+          </a:xfrm>
+          <a:prstGeom prst="straightConnector1">
+            <a:avLst/>
+          </a:prstGeom>
+          <a:ln w="19050">
+            <a:solidFill>
+              <a:srgbClr val="7030A0"/>
+            </a:solidFill>
+            <a:headEnd type="none" w="med" len="med"/>
+            <a:tailEnd type="arrow" w="med" len="med"/>
+          </a:ln>
+          <a:effectLst/>
+        </p:spPr>
+        <p:style>
+          <a:lnRef idx="1">
+            <a:schemeClr val="accent2"/>
+          </a:lnRef>
+          <a:fillRef idx="2">
+            <a:schemeClr val="accent2"/>
+          </a:fillRef>
+          <a:effectRef idx="1">
+            <a:schemeClr val="accent2"/>
+          </a:effectRef>
+          <a:fontRef idx="minor">
+            <a:schemeClr val="dk1"/>
+          </a:fontRef>
+        </p:style>
+      </p:cxnSp>
+      <p:sp>
+        <p:nvSpPr>
+          <p:cNvPr id="389" name="Rectangle 8"/>
+          <p:cNvSpPr/>
+          <p:nvPr/>
+        </p:nvSpPr>
+        <p:spPr>
+          <a:xfrm>
+            <a:off x="1916319" y="12055056"/>
+            <a:ext cx="2253070" cy="346760"/>
+          </a:xfrm>
+          <a:prstGeom prst="rect">
+            <a:avLst/>
+          </a:prstGeom>
+          <a:ln w="19050">
+            <a:solidFill>
+              <a:srgbClr val="7030A0"/>
+            </a:solidFill>
+          </a:ln>
+          <a:effectLst/>
+        </p:spPr>
+        <p:style>
+          <a:lnRef idx="1">
+            <a:schemeClr val="accent4"/>
+          </a:lnRef>
+          <a:fillRef idx="2">
+            <a:schemeClr val="accent4"/>
+          </a:fillRef>
+          <a:effectRef idx="1">
+            <a:schemeClr val="accent4"/>
+          </a:effectRef>
+          <a:fontRef idx="minor">
+            <a:schemeClr val="dk1"/>
+          </a:fontRef>
+        </p:style>
+        <p:txBody>
+          <a:bodyPr rtlCol="0" anchor="ctr"/>
+          <a:lstStyle/>
+          <a:p>
+            <a:pPr algn="ctr"/>
+            <a:r>
+              <a:rPr lang="en-US" sz="1050" dirty="0" err="1" smtClean="0">
+                <a:solidFill>
+                  <a:srgbClr val="7030A0"/>
+                </a:solidFill>
+              </a:rPr>
+              <a:t>Gradebook</a:t>
+            </a:r>
+            <a:endParaRPr lang="en-SG" sz="1050" dirty="0">
+              <a:solidFill>
+                <a:srgbClr val="7030A0"/>
+              </a:solidFill>
+            </a:endParaRPr>
+          </a:p>
+        </p:txBody>
+      </p:sp>
+      <p:sp>
+        <p:nvSpPr>
+          <p:cNvPr id="390" name="TextBox 389"/>
+          <p:cNvSpPr txBox="1"/>
+          <p:nvPr/>
+        </p:nvSpPr>
+        <p:spPr>
+          <a:xfrm>
+            <a:off x="1734614" y="12066714"/>
+            <a:ext cx="170110" cy="137542"/>
+          </a:xfrm>
+          <a:prstGeom prst="rect">
+            <a:avLst/>
+          </a:prstGeom>
+          <a:noFill/>
+        </p:spPr>
+        <p:txBody>
+          <a:bodyPr wrap="square" lIns="0" tIns="0" rIns="0" bIns="0" rtlCol="0">
+            <a:noAutofit/>
+          </a:bodyPr>
+          <a:lstStyle/>
+          <a:p>
+            <a:pPr algn="ctr"/>
+            <a:r>
+              <a:rPr lang="en-US" sz="1100" dirty="0">
+                <a:solidFill>
+                  <a:srgbClr val="7030A0"/>
+                </a:solidFill>
+              </a:rPr>
+              <a:t>*</a:t>
+            </a:r>
+            <a:endParaRPr lang="en-SG" sz="1100" dirty="0">
+              <a:solidFill>
+                <a:srgbClr val="7030A0"/>
+              </a:solidFill>
+            </a:endParaRPr>
+          </a:p>
+        </p:txBody>
+      </p:sp>
+      <p:sp>
+        <p:nvSpPr>
+          <p:cNvPr id="391" name="Rectangle 8"/>
+          <p:cNvSpPr/>
+          <p:nvPr/>
+        </p:nvSpPr>
+        <p:spPr>
+          <a:xfrm>
+            <a:off x="1916319" y="12401816"/>
+            <a:ext cx="2253070" cy="637210"/>
+          </a:xfrm>
+          <a:prstGeom prst="rect">
+            <a:avLst/>
+          </a:prstGeom>
+          <a:ln w="19050">
+            <a:solidFill>
+              <a:srgbClr val="7030A0"/>
+            </a:solidFill>
+          </a:ln>
+          <a:effectLst/>
+        </p:spPr>
+        <p:style>
+          <a:lnRef idx="1">
+            <a:schemeClr val="accent4"/>
+          </a:lnRef>
+          <a:fillRef idx="2">
+            <a:schemeClr val="accent4"/>
+          </a:fillRef>
+          <a:effectRef idx="1">
+            <a:schemeClr val="accent4"/>
+          </a:effectRef>
+          <a:fontRef idx="minor">
+            <a:schemeClr val="dk1"/>
+          </a:fontRef>
+        </p:style>
+        <p:txBody>
+          <a:bodyPr rtlCol="0" anchor="ctr"/>
+          <a:lstStyle/>
+          <a:p>
+            <a:r>
+              <a:rPr lang="en-US" sz="800" dirty="0" smtClean="0">
+                <a:solidFill>
+                  <a:srgbClr val="7030A0"/>
+                </a:solidFill>
+              </a:rPr>
+              <a:t>-</a:t>
+            </a:r>
+            <a:r>
+              <a:rPr lang="en-US" sz="800" dirty="0" err="1" smtClean="0">
+                <a:solidFill>
+                  <a:srgbClr val="7030A0"/>
+                </a:solidFill>
+              </a:rPr>
+              <a:t>moduleCode</a:t>
+            </a:r>
+            <a:r>
+              <a:rPr lang="en-US" sz="800" dirty="0" smtClean="0">
+                <a:solidFill>
+                  <a:srgbClr val="7030A0"/>
+                </a:solidFill>
+              </a:rPr>
+              <a:t>: String</a:t>
+            </a:r>
+          </a:p>
+          <a:p>
+            <a:r>
+              <a:rPr lang="en-US" sz="800" dirty="0" smtClean="0">
+                <a:solidFill>
+                  <a:srgbClr val="7030A0"/>
+                </a:solidFill>
+              </a:rPr>
+              <a:t>-</a:t>
+            </a:r>
+            <a:r>
+              <a:rPr lang="en-US" sz="800" dirty="0" err="1" smtClean="0">
+                <a:solidFill>
+                  <a:srgbClr val="7030A0"/>
+                </a:solidFill>
+              </a:rPr>
+              <a:t>gradebookComponentName</a:t>
+            </a:r>
+            <a:r>
+              <a:rPr lang="en-US" sz="800" dirty="0" smtClean="0">
+                <a:solidFill>
+                  <a:srgbClr val="7030A0"/>
+                </a:solidFill>
+              </a:rPr>
+              <a:t>: String</a:t>
+            </a:r>
+          </a:p>
+          <a:p>
+            <a:r>
+              <a:rPr lang="en-US" sz="800" dirty="0" smtClean="0">
+                <a:solidFill>
+                  <a:srgbClr val="7030A0"/>
+                </a:solidFill>
+              </a:rPr>
+              <a:t>-</a:t>
+            </a:r>
+            <a:r>
+              <a:rPr lang="en-US" sz="800" dirty="0" err="1" smtClean="0">
+                <a:solidFill>
+                  <a:srgbClr val="7030A0"/>
+                </a:solidFill>
+              </a:rPr>
+              <a:t>gradebookMaxMarks</a:t>
+            </a:r>
+            <a:r>
+              <a:rPr lang="en-US" sz="800" dirty="0" smtClean="0">
+                <a:solidFill>
+                  <a:srgbClr val="7030A0"/>
+                </a:solidFill>
+              </a:rPr>
+              <a:t>: </a:t>
+            </a:r>
+            <a:r>
+              <a:rPr lang="en-US" sz="800" dirty="0" err="1" smtClean="0">
+                <a:solidFill>
+                  <a:srgbClr val="7030A0"/>
+                </a:solidFill>
+              </a:rPr>
+              <a:t>int</a:t>
+            </a:r>
+            <a:endParaRPr lang="en-US" sz="800" dirty="0" smtClean="0">
+              <a:solidFill>
+                <a:srgbClr val="7030A0"/>
+              </a:solidFill>
+            </a:endParaRPr>
+          </a:p>
+          <a:p>
+            <a:r>
+              <a:rPr lang="en-US" sz="800" dirty="0" smtClean="0">
+                <a:solidFill>
+                  <a:srgbClr val="7030A0"/>
+                </a:solidFill>
+              </a:rPr>
+              <a:t>-</a:t>
+            </a:r>
+            <a:r>
+              <a:rPr lang="en-US" sz="800" dirty="0" err="1" smtClean="0">
+                <a:solidFill>
+                  <a:srgbClr val="7030A0"/>
+                </a:solidFill>
+              </a:rPr>
+              <a:t>gradebookWeightage</a:t>
+            </a:r>
+            <a:r>
+              <a:rPr lang="en-US" sz="800" dirty="0" smtClean="0">
+                <a:solidFill>
+                  <a:srgbClr val="7030A0"/>
+                </a:solidFill>
+              </a:rPr>
+              <a:t>: </a:t>
+            </a:r>
+            <a:r>
+              <a:rPr lang="en-US" sz="800" dirty="0" err="1" smtClean="0">
+                <a:solidFill>
+                  <a:srgbClr val="7030A0"/>
+                </a:solidFill>
+              </a:rPr>
+              <a:t>int</a:t>
+            </a:r>
+            <a:endParaRPr lang="en-SG" sz="800" dirty="0">
+              <a:solidFill>
+                <a:srgbClr val="7030A0"/>
+              </a:solidFill>
+            </a:endParaRPr>
+          </a:p>
+        </p:txBody>
+      </p:sp>
+      <p:sp>
+        <p:nvSpPr>
+          <p:cNvPr id="392" name="Flowchart: Decision 96"/>
+          <p:cNvSpPr/>
+          <p:nvPr/>
+        </p:nvSpPr>
+        <p:spPr>
+          <a:xfrm>
+            <a:off x="1426190" y="12141746"/>
+            <a:ext cx="236048" cy="173380"/>
+          </a:xfrm>
+          <a:prstGeom prst="flowChartDecision">
+            <a:avLst/>
+          </a:prstGeom>
+          <a:solidFill>
+            <a:srgbClr val="7030A0"/>
+          </a:solidFill>
+          <a:ln w="19050">
+            <a:solidFill>
+              <a:srgbClr val="7030A0"/>
+            </a:solidFill>
+          </a:ln>
+          <a:effectLst/>
+        </p:spPr>
+        <p:style>
+          <a:lnRef idx="1">
+            <a:schemeClr val="accent6"/>
+          </a:lnRef>
+          <a:fillRef idx="2">
+            <a:schemeClr val="accent6"/>
+          </a:fillRef>
+          <a:effectRef idx="1">
+            <a:schemeClr val="accent6"/>
+          </a:effectRef>
+          <a:fontRef idx="minor">
+            <a:schemeClr val="dk1"/>
+          </a:fontRef>
+        </p:style>
+        <p:txBody>
+          <a:bodyPr rtlCol="0" anchor="ctr"/>
+          <a:lstStyle/>
+          <a:p>
+            <a:pPr algn="ctr"/>
+            <a:endParaRPr lang="en-US" sz="1050"/>
+          </a:p>
+        </p:txBody>
+      </p:sp>
+      <p:sp>
+        <p:nvSpPr>
+          <p:cNvPr id="490" name="Rectangle 62"/>
+          <p:cNvSpPr/>
+          <p:nvPr/>
+        </p:nvSpPr>
+        <p:spPr>
+          <a:xfrm rot="16200000">
+            <a:off x="596896" y="14054297"/>
+            <a:ext cx="1313351" cy="346760"/>
+          </a:xfrm>
+          <a:prstGeom prst="rect">
+            <a:avLst/>
+          </a:prstGeom>
+          <a:solidFill>
+            <a:srgbClr val="7030A0"/>
+          </a:solidFill>
+          <a:ln w="19050">
+            <a:solidFill>
+              <a:srgbClr val="7030A0"/>
+            </a:solidFill>
+          </a:ln>
+          <a:effectLst/>
+        </p:spPr>
+        <p:style>
+          <a:lnRef idx="1">
+            <a:schemeClr val="accent2"/>
+          </a:lnRef>
+          <a:fillRef idx="2">
+            <a:schemeClr val="accent2"/>
+          </a:fillRef>
+          <a:effectRef idx="1">
+            <a:schemeClr val="accent2"/>
+          </a:effectRef>
+          <a:fontRef idx="minor">
+            <a:schemeClr val="dk1"/>
+          </a:fontRef>
+        </p:style>
+        <p:txBody>
+          <a:bodyPr rtlCol="0" anchor="ctr"/>
+          <a:lstStyle/>
+          <a:p>
+            <a:pPr algn="ctr"/>
+            <a:r>
+              <a:rPr lang="en-US" sz="1050" dirty="0" err="1" smtClean="0">
+                <a:solidFill>
+                  <a:schemeClr val="bg1"/>
+                </a:solidFill>
+              </a:rPr>
+              <a:t>GradesManager</a:t>
+            </a:r>
+            <a:endParaRPr lang="en-US" sz="1050" dirty="0" smtClean="0">
+              <a:solidFill>
+                <a:schemeClr val="bg1"/>
+              </a:solidFill>
+            </a:endParaRPr>
+          </a:p>
+        </p:txBody>
+      </p:sp>
+      <p:cxnSp>
+        <p:nvCxnSpPr>
+          <p:cNvPr id="492" name="Straight Arrow Connector 491"/>
+          <p:cNvCxnSpPr>
+            <a:endCxn id="493" idx="1"/>
+          </p:cNvCxnSpPr>
+          <p:nvPr/>
+        </p:nvCxnSpPr>
+        <p:spPr>
+          <a:xfrm>
+            <a:off x="1662999" y="14229577"/>
+            <a:ext cx="254082" cy="0"/>
+          </a:xfrm>
+          <a:prstGeom prst="straightConnector1">
+            <a:avLst/>
+          </a:prstGeom>
+          <a:ln w="19050">
+            <a:solidFill>
+              <a:srgbClr val="7030A0"/>
+            </a:solidFill>
+            <a:headEnd type="none" w="med" len="med"/>
+            <a:tailEnd type="arrow" w="med" len="med"/>
+          </a:ln>
+          <a:effectLst/>
+        </p:spPr>
+        <p:style>
+          <a:lnRef idx="1">
+            <a:schemeClr val="accent2"/>
+          </a:lnRef>
+          <a:fillRef idx="2">
+            <a:schemeClr val="accent2"/>
+          </a:fillRef>
+          <a:effectRef idx="1">
+            <a:schemeClr val="accent2"/>
+          </a:effectRef>
+          <a:fontRef idx="minor">
+            <a:schemeClr val="dk1"/>
+          </a:fontRef>
+        </p:style>
+      </p:cxnSp>
+      <p:sp>
+        <p:nvSpPr>
+          <p:cNvPr id="493" name="Rectangle 8"/>
+          <p:cNvSpPr/>
+          <p:nvPr/>
+        </p:nvSpPr>
+        <p:spPr>
+          <a:xfrm>
+            <a:off x="1917081" y="14056197"/>
+            <a:ext cx="1948270" cy="346760"/>
+          </a:xfrm>
+          <a:prstGeom prst="rect">
+            <a:avLst/>
+          </a:prstGeom>
+          <a:ln w="19050">
+            <a:solidFill>
+              <a:srgbClr val="7030A0"/>
+            </a:solidFill>
+          </a:ln>
+          <a:effectLst/>
+        </p:spPr>
+        <p:style>
+          <a:lnRef idx="1">
+            <a:schemeClr val="accent4"/>
+          </a:lnRef>
+          <a:fillRef idx="2">
+            <a:schemeClr val="accent4"/>
+          </a:fillRef>
+          <a:effectRef idx="1">
+            <a:schemeClr val="accent4"/>
+          </a:effectRef>
+          <a:fontRef idx="minor">
+            <a:schemeClr val="dk1"/>
+          </a:fontRef>
+        </p:style>
+        <p:txBody>
+          <a:bodyPr rtlCol="0" anchor="ctr"/>
+          <a:lstStyle/>
+          <a:p>
+            <a:pPr algn="ctr"/>
+            <a:r>
+              <a:rPr lang="en-US" sz="1050" dirty="0" smtClean="0">
+                <a:solidFill>
+                  <a:srgbClr val="7030A0"/>
+                </a:solidFill>
+              </a:rPr>
+              <a:t>Grades</a:t>
+            </a:r>
+            <a:endParaRPr lang="en-SG" sz="1050" dirty="0">
+              <a:solidFill>
+                <a:srgbClr val="7030A0"/>
+              </a:solidFill>
+            </a:endParaRPr>
+          </a:p>
+        </p:txBody>
+      </p:sp>
+      <p:sp>
+        <p:nvSpPr>
+          <p:cNvPr id="494" name="TextBox 493"/>
+          <p:cNvSpPr txBox="1"/>
+          <p:nvPr/>
+        </p:nvSpPr>
+        <p:spPr>
+          <a:xfrm>
+            <a:off x="1735376" y="14067855"/>
+            <a:ext cx="170110" cy="137542"/>
+          </a:xfrm>
+          <a:prstGeom prst="rect">
+            <a:avLst/>
+          </a:prstGeom>
+          <a:noFill/>
+        </p:spPr>
+        <p:txBody>
+          <a:bodyPr wrap="square" lIns="0" tIns="0" rIns="0" bIns="0" rtlCol="0">
+            <a:noAutofit/>
+          </a:bodyPr>
+          <a:lstStyle/>
+          <a:p>
+            <a:pPr algn="ctr"/>
+            <a:r>
+              <a:rPr lang="en-US" sz="1100" dirty="0">
+                <a:solidFill>
+                  <a:srgbClr val="7030A0"/>
+                </a:solidFill>
+              </a:rPr>
+              <a:t>*</a:t>
+            </a:r>
+            <a:endParaRPr lang="en-SG" sz="1100" dirty="0">
+              <a:solidFill>
+                <a:srgbClr val="7030A0"/>
+              </a:solidFill>
+            </a:endParaRPr>
+          </a:p>
+        </p:txBody>
+      </p:sp>
+      <p:sp>
+        <p:nvSpPr>
+          <p:cNvPr id="495" name="Rectangle 8"/>
+          <p:cNvSpPr/>
+          <p:nvPr/>
+        </p:nvSpPr>
+        <p:spPr>
+          <a:xfrm>
+            <a:off x="1917081" y="14402958"/>
+            <a:ext cx="1948270" cy="637210"/>
+          </a:xfrm>
+          <a:prstGeom prst="rect">
+            <a:avLst/>
+          </a:prstGeom>
+          <a:ln w="19050">
+            <a:solidFill>
+              <a:srgbClr val="7030A0"/>
+            </a:solidFill>
+          </a:ln>
+          <a:effectLst/>
+        </p:spPr>
+        <p:style>
+          <a:lnRef idx="1">
+            <a:schemeClr val="accent4"/>
+          </a:lnRef>
+          <a:fillRef idx="2">
+            <a:schemeClr val="accent4"/>
+          </a:fillRef>
+          <a:effectRef idx="1">
+            <a:schemeClr val="accent4"/>
+          </a:effectRef>
+          <a:fontRef idx="minor">
+            <a:schemeClr val="dk1"/>
+          </a:fontRef>
+        </p:style>
+        <p:txBody>
+          <a:bodyPr rtlCol="0" anchor="ctr"/>
+          <a:lstStyle/>
+          <a:p>
+            <a:r>
+              <a:rPr lang="en-US" sz="800" dirty="0" smtClean="0">
+                <a:solidFill>
+                  <a:srgbClr val="7030A0"/>
+                </a:solidFill>
+              </a:rPr>
+              <a:t>-</a:t>
+            </a:r>
+            <a:r>
+              <a:rPr lang="en-US" sz="800" dirty="0" err="1" smtClean="0">
+                <a:solidFill>
+                  <a:srgbClr val="7030A0"/>
+                </a:solidFill>
+              </a:rPr>
+              <a:t>moduleCode</a:t>
+            </a:r>
+            <a:r>
+              <a:rPr lang="en-US" sz="800" dirty="0" smtClean="0">
+                <a:solidFill>
+                  <a:srgbClr val="7030A0"/>
+                </a:solidFill>
+              </a:rPr>
+              <a:t>: String</a:t>
+            </a:r>
+          </a:p>
+          <a:p>
+            <a:r>
+              <a:rPr lang="en-US" sz="800" dirty="0">
+                <a:solidFill>
+                  <a:srgbClr val="7030A0"/>
+                </a:solidFill>
+              </a:rPr>
+              <a:t>-</a:t>
+            </a:r>
+            <a:r>
+              <a:rPr lang="en-US" sz="800" dirty="0" err="1" smtClean="0">
+                <a:solidFill>
+                  <a:srgbClr val="7030A0"/>
+                </a:solidFill>
+              </a:rPr>
+              <a:t>gradeComponentName</a:t>
+            </a:r>
+            <a:r>
+              <a:rPr lang="en-US" sz="800" dirty="0" smtClean="0">
+                <a:solidFill>
+                  <a:srgbClr val="7030A0"/>
+                </a:solidFill>
+              </a:rPr>
+              <a:t>: String</a:t>
+            </a:r>
+          </a:p>
+          <a:p>
+            <a:r>
+              <a:rPr lang="en-US" sz="800" dirty="0" smtClean="0">
+                <a:solidFill>
+                  <a:srgbClr val="7030A0"/>
+                </a:solidFill>
+              </a:rPr>
+              <a:t>-</a:t>
+            </a:r>
+            <a:r>
+              <a:rPr lang="en-US" sz="800" dirty="0" err="1" smtClean="0">
+                <a:solidFill>
+                  <a:srgbClr val="7030A0"/>
+                </a:solidFill>
+              </a:rPr>
+              <a:t>adminNo</a:t>
+            </a:r>
+            <a:r>
+              <a:rPr lang="en-US" sz="800" dirty="0" smtClean="0">
+                <a:solidFill>
+                  <a:srgbClr val="7030A0"/>
+                </a:solidFill>
+              </a:rPr>
+              <a:t>: String</a:t>
+            </a:r>
+          </a:p>
+          <a:p>
+            <a:r>
+              <a:rPr lang="en-US" sz="800" dirty="0" smtClean="0">
+                <a:solidFill>
+                  <a:srgbClr val="7030A0"/>
+                </a:solidFill>
+              </a:rPr>
+              <a:t>-marks: float</a:t>
+            </a:r>
+            <a:endParaRPr lang="en-SG" sz="800" dirty="0">
+              <a:solidFill>
+                <a:srgbClr val="7030A0"/>
+              </a:solidFill>
+            </a:endParaRPr>
+          </a:p>
+        </p:txBody>
+      </p:sp>
+      <p:sp>
+        <p:nvSpPr>
+          <p:cNvPr id="496" name="Flowchart: Decision 96"/>
+          <p:cNvSpPr/>
+          <p:nvPr/>
+        </p:nvSpPr>
+        <p:spPr>
+          <a:xfrm>
+            <a:off x="1426952" y="14136626"/>
+            <a:ext cx="236048" cy="173380"/>
+          </a:xfrm>
+          <a:prstGeom prst="flowChartDecision">
+            <a:avLst/>
+          </a:prstGeom>
+          <a:solidFill>
+            <a:srgbClr val="7030A0"/>
+          </a:solidFill>
+          <a:ln w="19050">
+            <a:solidFill>
+              <a:srgbClr val="7030A0"/>
+            </a:solidFill>
+          </a:ln>
+          <a:effectLst/>
+        </p:spPr>
+        <p:style>
+          <a:lnRef idx="1">
+            <a:schemeClr val="accent6"/>
+          </a:lnRef>
+          <a:fillRef idx="2">
+            <a:schemeClr val="accent6"/>
+          </a:fillRef>
+          <a:effectRef idx="1">
+            <a:schemeClr val="accent6"/>
+          </a:effectRef>
+          <a:fontRef idx="minor">
+            <a:schemeClr val="dk1"/>
+          </a:fontRef>
+        </p:style>
+        <p:txBody>
+          <a:bodyPr rtlCol="0" anchor="ctr"/>
+          <a:lstStyle/>
+          <a:p>
+            <a:pPr algn="ctr"/>
+            <a:endParaRPr lang="en-US" sz="1050"/>
+          </a:p>
+        </p:txBody>
+      </p:sp>
+      <p:cxnSp>
+        <p:nvCxnSpPr>
+          <p:cNvPr id="498" name="Elbow Connector 497"/>
+          <p:cNvCxnSpPr>
+            <a:cxnSpLocks/>
+            <a:stCxn id="495" idx="3"/>
+            <a:endCxn id="218" idx="2"/>
+          </p:cNvCxnSpPr>
+          <p:nvPr/>
+        </p:nvCxnSpPr>
+        <p:spPr>
+          <a:xfrm flipV="1">
+            <a:off x="3865351" y="5114177"/>
+            <a:ext cx="4075467" cy="9607386"/>
+          </a:xfrm>
+          <a:prstGeom prst="bentConnector2">
+            <a:avLst/>
+          </a:prstGeom>
+          <a:ln w="19050">
+            <a:solidFill>
+              <a:srgbClr val="7030A0"/>
+            </a:solidFill>
+            <a:prstDash val="sysDot"/>
+            <a:headEnd type="none" w="med" len="med"/>
+            <a:tailEnd type="arrow" w="med" len="med"/>
+          </a:ln>
+          <a:effectLst/>
+        </p:spPr>
+        <p:style>
+          <a:lnRef idx="1">
+            <a:schemeClr val="accent2"/>
+          </a:lnRef>
+          <a:fillRef idx="2">
+            <a:schemeClr val="accent2"/>
+          </a:fillRef>
+          <a:effectRef idx="1">
+            <a:schemeClr val="accent2"/>
+          </a:effectRef>
+          <a:fontRef idx="minor">
+            <a:schemeClr val="dk1"/>
+          </a:fontRef>
+        </p:style>
+      </p:cxnSp>
+      <p:cxnSp>
+        <p:nvCxnSpPr>
+          <p:cNvPr id="509" name="Elbow Connector 497"/>
+          <p:cNvCxnSpPr>
+            <a:cxnSpLocks/>
+            <a:stCxn id="493" idx="0"/>
+          </p:cNvCxnSpPr>
+          <p:nvPr/>
+        </p:nvCxnSpPr>
+        <p:spPr>
+          <a:xfrm rot="5400000" flipH="1" flipV="1">
+            <a:off x="4246887" y="12319526"/>
+            <a:ext cx="381000" cy="3092342"/>
+          </a:xfrm>
+          <a:prstGeom prst="bentConnector2">
+            <a:avLst/>
+          </a:prstGeom>
+          <a:ln w="19050">
+            <a:solidFill>
+              <a:srgbClr val="7030A0"/>
+            </a:solidFill>
+            <a:prstDash val="sysDot"/>
+            <a:headEnd type="none" w="med" len="med"/>
+            <a:tailEnd type="none" w="med" len="med"/>
+          </a:ln>
+          <a:effectLst/>
+        </p:spPr>
+        <p:style>
+          <a:lnRef idx="1">
+            <a:schemeClr val="accent2"/>
+          </a:lnRef>
+          <a:fillRef idx="2">
+            <a:schemeClr val="accent2"/>
+          </a:fillRef>
+          <a:effectRef idx="1">
+            <a:schemeClr val="accent2"/>
+          </a:effectRef>
+          <a:fontRef idx="minor">
+            <a:schemeClr val="dk1"/>
+          </a:fontRef>
+        </p:style>
+      </p:cxnSp>
+      <p:sp>
+        <p:nvSpPr>
+          <p:cNvPr id="517" name="Rectangle 62"/>
+          <p:cNvSpPr/>
+          <p:nvPr/>
+        </p:nvSpPr>
+        <p:spPr>
+          <a:xfrm rot="16200000">
+            <a:off x="703723" y="9998649"/>
+            <a:ext cx="1093635" cy="346760"/>
+          </a:xfrm>
+          <a:prstGeom prst="rect">
+            <a:avLst/>
+          </a:prstGeom>
+          <a:solidFill>
+            <a:srgbClr val="7030A0"/>
+          </a:solidFill>
+          <a:ln w="19050">
+            <a:solidFill>
+              <a:srgbClr val="7030A0"/>
+            </a:solidFill>
+          </a:ln>
+          <a:effectLst/>
+        </p:spPr>
+        <p:style>
+          <a:lnRef idx="1">
+            <a:schemeClr val="accent2"/>
+          </a:lnRef>
+          <a:fillRef idx="2">
+            <a:schemeClr val="accent2"/>
+          </a:fillRef>
+          <a:effectRef idx="1">
+            <a:schemeClr val="accent2"/>
+          </a:effectRef>
+          <a:fontRef idx="minor">
+            <a:schemeClr val="dk1"/>
+          </a:fontRef>
+        </p:style>
+        <p:txBody>
+          <a:bodyPr rtlCol="0" anchor="ctr"/>
+          <a:lstStyle/>
+          <a:p>
+            <a:pPr algn="ctr"/>
+            <a:r>
+              <a:rPr lang="en-US" sz="1050" dirty="0" err="1" smtClean="0">
+                <a:solidFill>
+                  <a:schemeClr val="bg1"/>
+                </a:solidFill>
+              </a:rPr>
+              <a:t>NoteManager</a:t>
+            </a:r>
+            <a:endParaRPr lang="en-US" sz="1050" dirty="0" smtClean="0">
+              <a:solidFill>
+                <a:schemeClr val="bg1"/>
+              </a:solidFill>
+            </a:endParaRPr>
+          </a:p>
+        </p:txBody>
+      </p:sp>
+      <p:cxnSp>
+        <p:nvCxnSpPr>
+          <p:cNvPr id="518" name="Elbow Connector 517"/>
+          <p:cNvCxnSpPr>
+            <a:cxnSpLocks/>
+            <a:stCxn id="517" idx="1"/>
+            <a:endCxn id="520" idx="2"/>
+          </p:cNvCxnSpPr>
+          <p:nvPr/>
+        </p:nvCxnSpPr>
+        <p:spPr>
+          <a:xfrm rot="5400000" flipH="1" flipV="1">
+            <a:off x="1579720" y="10030423"/>
+            <a:ext cx="359245" cy="1017604"/>
+          </a:xfrm>
+          <a:prstGeom prst="bentConnector3">
+            <a:avLst>
+              <a:gd name="adj1" fmla="val -80719"/>
+            </a:avLst>
+          </a:prstGeom>
+          <a:ln w="19050">
+            <a:solidFill>
+              <a:srgbClr val="7030A0"/>
+            </a:solidFill>
+            <a:prstDash val="solid"/>
+            <a:headEnd type="none" w="med" len="med"/>
+            <a:tailEnd type="arrow" w="med" len="med"/>
+          </a:ln>
+          <a:effectLst/>
+        </p:spPr>
+        <p:style>
+          <a:lnRef idx="1">
+            <a:schemeClr val="accent2"/>
+          </a:lnRef>
+          <a:fillRef idx="2">
+            <a:schemeClr val="accent2"/>
+          </a:fillRef>
+          <a:effectRef idx="1">
+            <a:schemeClr val="accent2"/>
+          </a:effectRef>
+          <a:fontRef idx="minor">
+            <a:schemeClr val="dk1"/>
+          </a:fontRef>
+        </p:style>
+      </p:cxnSp>
+      <p:cxnSp>
+        <p:nvCxnSpPr>
+          <p:cNvPr id="519" name="Straight Arrow Connector 518"/>
+          <p:cNvCxnSpPr>
+            <a:endCxn id="520" idx="1"/>
+          </p:cNvCxnSpPr>
+          <p:nvPr/>
+        </p:nvCxnSpPr>
+        <p:spPr>
+          <a:xfrm>
+            <a:off x="1659969" y="10186222"/>
+            <a:ext cx="254083" cy="0"/>
+          </a:xfrm>
+          <a:prstGeom prst="straightConnector1">
+            <a:avLst/>
+          </a:prstGeom>
+          <a:ln w="19050">
+            <a:solidFill>
+              <a:srgbClr val="7030A0"/>
+            </a:solidFill>
+            <a:headEnd type="none" w="med" len="med"/>
+            <a:tailEnd type="arrow" w="med" len="med"/>
+          </a:ln>
+          <a:effectLst/>
+        </p:spPr>
+        <p:style>
+          <a:lnRef idx="1">
+            <a:schemeClr val="accent2"/>
+          </a:lnRef>
+          <a:fillRef idx="2">
+            <a:schemeClr val="accent2"/>
+          </a:fillRef>
+          <a:effectRef idx="1">
+            <a:schemeClr val="accent2"/>
+          </a:effectRef>
+          <a:fontRef idx="minor">
+            <a:schemeClr val="dk1"/>
+          </a:fontRef>
+        </p:style>
+      </p:cxnSp>
+      <p:sp>
+        <p:nvSpPr>
+          <p:cNvPr id="520" name="Rectangle 8"/>
+          <p:cNvSpPr/>
+          <p:nvPr/>
+        </p:nvSpPr>
+        <p:spPr>
+          <a:xfrm>
+            <a:off x="1914052" y="10012842"/>
+            <a:ext cx="708186" cy="346760"/>
+          </a:xfrm>
+          <a:prstGeom prst="rect">
+            <a:avLst/>
+          </a:prstGeom>
+          <a:ln w="19050">
+            <a:solidFill>
+              <a:srgbClr val="7030A0"/>
+            </a:solidFill>
+          </a:ln>
+          <a:effectLst/>
+        </p:spPr>
+        <p:style>
+          <a:lnRef idx="1">
+            <a:schemeClr val="accent4"/>
+          </a:lnRef>
+          <a:fillRef idx="2">
+            <a:schemeClr val="accent4"/>
+          </a:fillRef>
+          <a:effectRef idx="1">
+            <a:schemeClr val="accent4"/>
+          </a:effectRef>
+          <a:fontRef idx="minor">
+            <a:schemeClr val="dk1"/>
+          </a:fontRef>
+        </p:style>
+        <p:txBody>
+          <a:bodyPr rtlCol="0" anchor="ctr"/>
+          <a:lstStyle/>
+          <a:p>
+            <a:pPr algn="ctr"/>
+            <a:r>
+              <a:rPr lang="en-US" sz="1050" dirty="0" smtClean="0">
+                <a:solidFill>
+                  <a:srgbClr val="7030A0"/>
+                </a:solidFill>
+              </a:rPr>
+              <a:t>Note</a:t>
+            </a:r>
+            <a:endParaRPr lang="en-SG" sz="1050" dirty="0">
+              <a:solidFill>
+                <a:srgbClr val="7030A0"/>
+              </a:solidFill>
+            </a:endParaRPr>
+          </a:p>
+        </p:txBody>
+      </p:sp>
+      <p:sp>
+        <p:nvSpPr>
+          <p:cNvPr id="521" name="Rectangle 8"/>
+          <p:cNvSpPr/>
+          <p:nvPr/>
+        </p:nvSpPr>
+        <p:spPr>
+          <a:xfrm>
+            <a:off x="3317688" y="9396227"/>
+            <a:ext cx="925631" cy="285783"/>
+          </a:xfrm>
+          <a:prstGeom prst="rect">
+            <a:avLst/>
+          </a:prstGeom>
+          <a:ln w="19050">
+            <a:solidFill>
+              <a:srgbClr val="7030A0"/>
+            </a:solidFill>
+          </a:ln>
+          <a:effectLst/>
+        </p:spPr>
+        <p:style>
+          <a:lnRef idx="1">
+            <a:schemeClr val="accent4"/>
+          </a:lnRef>
+          <a:fillRef idx="2">
+            <a:schemeClr val="accent4"/>
+          </a:fillRef>
+          <a:effectRef idx="1">
+            <a:schemeClr val="accent4"/>
+          </a:effectRef>
+          <a:fontRef idx="minor">
+            <a:schemeClr val="dk1"/>
+          </a:fontRef>
+        </p:style>
+        <p:txBody>
+          <a:bodyPr rtlCol="0" anchor="ctr"/>
+          <a:lstStyle/>
+          <a:p>
+            <a:pPr algn="ctr"/>
+            <a:r>
+              <a:rPr lang="en-US" sz="1050" dirty="0" err="1" smtClean="0">
+                <a:solidFill>
+                  <a:srgbClr val="7030A0"/>
+                </a:solidFill>
+              </a:rPr>
+              <a:t>NoteTitle</a:t>
+            </a:r>
+            <a:endParaRPr lang="en-SG" sz="1050" dirty="0">
+              <a:solidFill>
+                <a:srgbClr val="7030A0"/>
+              </a:solidFill>
+            </a:endParaRPr>
+          </a:p>
+        </p:txBody>
+      </p:sp>
+      <p:sp>
+        <p:nvSpPr>
+          <p:cNvPr id="522" name="Flowchart: Decision 96"/>
+          <p:cNvSpPr/>
+          <p:nvPr/>
+        </p:nvSpPr>
+        <p:spPr>
+          <a:xfrm>
+            <a:off x="2647239" y="10099532"/>
+            <a:ext cx="236048" cy="173380"/>
+          </a:xfrm>
+          <a:prstGeom prst="flowChartDecision">
+            <a:avLst/>
+          </a:prstGeom>
+          <a:solidFill>
+            <a:srgbClr val="7030A0"/>
+          </a:solidFill>
+          <a:ln w="19050">
+            <a:solidFill>
+              <a:srgbClr val="7030A0"/>
+            </a:solidFill>
+          </a:ln>
+          <a:effectLst/>
+        </p:spPr>
+        <p:style>
+          <a:lnRef idx="1">
+            <a:schemeClr val="accent6"/>
+          </a:lnRef>
+          <a:fillRef idx="2">
+            <a:schemeClr val="accent6"/>
+          </a:fillRef>
+          <a:effectRef idx="1">
+            <a:schemeClr val="accent6"/>
+          </a:effectRef>
+          <a:fontRef idx="minor">
+            <a:schemeClr val="dk1"/>
+          </a:fontRef>
+        </p:style>
+        <p:txBody>
+          <a:bodyPr rtlCol="0" anchor="ctr"/>
+          <a:lstStyle/>
+          <a:p>
+            <a:pPr algn="ctr"/>
+            <a:endParaRPr lang="en-US" sz="1050"/>
+          </a:p>
+        </p:txBody>
+      </p:sp>
+      <p:cxnSp>
+        <p:nvCxnSpPr>
+          <p:cNvPr id="523" name="Elbow Connector 522"/>
+          <p:cNvCxnSpPr>
+            <a:cxnSpLocks/>
+            <a:stCxn id="522" idx="3"/>
+            <a:endCxn id="521" idx="1"/>
+          </p:cNvCxnSpPr>
+          <p:nvPr/>
+        </p:nvCxnSpPr>
+        <p:spPr>
+          <a:xfrm flipV="1">
+            <a:off x="2883287" y="9539119"/>
+            <a:ext cx="434401" cy="647103"/>
+          </a:xfrm>
+          <a:prstGeom prst="bentConnector3">
+            <a:avLst>
+              <a:gd name="adj1" fmla="val 50000"/>
+            </a:avLst>
+          </a:prstGeom>
+          <a:ln w="19050">
+            <a:solidFill>
+              <a:srgbClr val="7030A0"/>
+            </a:solidFill>
+            <a:headEnd type="none" w="med" len="med"/>
+            <a:tailEnd type="arrow" w="med" len="med"/>
+          </a:ln>
+          <a:effectLst/>
+        </p:spPr>
+        <p:style>
+          <a:lnRef idx="1">
+            <a:schemeClr val="accent2"/>
+          </a:lnRef>
+          <a:fillRef idx="2">
+            <a:schemeClr val="accent2"/>
+          </a:fillRef>
+          <a:effectRef idx="1">
+            <a:schemeClr val="accent2"/>
+          </a:effectRef>
+          <a:fontRef idx="minor">
+            <a:schemeClr val="dk1"/>
+          </a:fontRef>
+        </p:style>
+      </p:cxnSp>
+      <p:sp>
+        <p:nvSpPr>
+          <p:cNvPr id="524" name="Rectangle 8"/>
+          <p:cNvSpPr/>
+          <p:nvPr/>
+        </p:nvSpPr>
+        <p:spPr>
+          <a:xfrm>
+            <a:off x="3317688" y="9719205"/>
+            <a:ext cx="925631" cy="285783"/>
+          </a:xfrm>
+          <a:prstGeom prst="rect">
+            <a:avLst/>
+          </a:prstGeom>
+          <a:ln w="19050">
+            <a:solidFill>
+              <a:srgbClr val="7030A0"/>
+            </a:solidFill>
+          </a:ln>
+          <a:effectLst/>
+        </p:spPr>
+        <p:style>
+          <a:lnRef idx="1">
+            <a:schemeClr val="accent4"/>
+          </a:lnRef>
+          <a:fillRef idx="2">
+            <a:schemeClr val="accent4"/>
+          </a:fillRef>
+          <a:effectRef idx="1">
+            <a:schemeClr val="accent4"/>
+          </a:effectRef>
+          <a:fontRef idx="minor">
+            <a:schemeClr val="dk1"/>
+          </a:fontRef>
+        </p:style>
+        <p:txBody>
+          <a:bodyPr rtlCol="0" anchor="ctr"/>
+          <a:lstStyle/>
+          <a:p>
+            <a:pPr algn="ctr"/>
+            <a:r>
+              <a:rPr lang="en-US" sz="1050" dirty="0" err="1" smtClean="0">
+                <a:solidFill>
+                  <a:srgbClr val="7030A0"/>
+                </a:solidFill>
+              </a:rPr>
+              <a:t>NoteDate</a:t>
+            </a:r>
+            <a:endParaRPr lang="en-SG" sz="1050" dirty="0">
+              <a:solidFill>
+                <a:srgbClr val="7030A0"/>
+              </a:solidFill>
+            </a:endParaRPr>
+          </a:p>
+        </p:txBody>
+      </p:sp>
+      <p:cxnSp>
+        <p:nvCxnSpPr>
+          <p:cNvPr id="525" name="Elbow Connector 524"/>
+          <p:cNvCxnSpPr>
+            <a:stCxn id="522" idx="3"/>
+            <a:endCxn id="524" idx="1"/>
+          </p:cNvCxnSpPr>
+          <p:nvPr/>
+        </p:nvCxnSpPr>
+        <p:spPr>
+          <a:xfrm flipV="1">
+            <a:off x="2883287" y="9862097"/>
+            <a:ext cx="434401" cy="324125"/>
+          </a:xfrm>
+          <a:prstGeom prst="bentConnector3">
+            <a:avLst>
+              <a:gd name="adj1" fmla="val 50000"/>
+            </a:avLst>
+          </a:prstGeom>
+          <a:ln w="19050">
+            <a:solidFill>
+              <a:srgbClr val="7030A0"/>
+            </a:solidFill>
+            <a:headEnd type="none" w="med" len="med"/>
+            <a:tailEnd type="arrow" w="med" len="med"/>
+          </a:ln>
+          <a:effectLst/>
+        </p:spPr>
+        <p:style>
+          <a:lnRef idx="1">
+            <a:schemeClr val="accent2"/>
+          </a:lnRef>
+          <a:fillRef idx="2">
+            <a:schemeClr val="accent2"/>
+          </a:fillRef>
+          <a:effectRef idx="1">
+            <a:schemeClr val="accent2"/>
+          </a:effectRef>
+          <a:fontRef idx="minor">
+            <a:schemeClr val="dk1"/>
+          </a:fontRef>
+        </p:style>
+      </p:cxnSp>
+      <p:sp>
+        <p:nvSpPr>
+          <p:cNvPr id="526" name="Rectangle 8"/>
+          <p:cNvSpPr/>
+          <p:nvPr/>
+        </p:nvSpPr>
+        <p:spPr>
+          <a:xfrm>
+            <a:off x="3324412" y="10043330"/>
+            <a:ext cx="925631" cy="285783"/>
+          </a:xfrm>
+          <a:prstGeom prst="rect">
+            <a:avLst/>
+          </a:prstGeom>
+          <a:ln w="19050">
+            <a:solidFill>
+              <a:srgbClr val="7030A0"/>
+            </a:solidFill>
+          </a:ln>
+          <a:effectLst/>
+        </p:spPr>
+        <p:style>
+          <a:lnRef idx="1">
+            <a:schemeClr val="accent4"/>
+          </a:lnRef>
+          <a:fillRef idx="2">
+            <a:schemeClr val="accent4"/>
+          </a:fillRef>
+          <a:effectRef idx="1">
+            <a:schemeClr val="accent4"/>
+          </a:effectRef>
+          <a:fontRef idx="minor">
+            <a:schemeClr val="dk1"/>
+          </a:fontRef>
+        </p:style>
+        <p:txBody>
+          <a:bodyPr rtlCol="0" anchor="ctr"/>
+          <a:lstStyle/>
+          <a:p>
+            <a:pPr algn="ctr"/>
+            <a:r>
+              <a:rPr lang="en-US" sz="1050" dirty="0" err="1" smtClean="0">
+                <a:solidFill>
+                  <a:srgbClr val="7030A0"/>
+                </a:solidFill>
+              </a:rPr>
+              <a:t>NoteTime</a:t>
+            </a:r>
+            <a:endParaRPr lang="en-SG" sz="1050" dirty="0">
+              <a:solidFill>
+                <a:srgbClr val="7030A0"/>
+              </a:solidFill>
+            </a:endParaRPr>
+          </a:p>
+        </p:txBody>
+      </p:sp>
+      <p:cxnSp>
+        <p:nvCxnSpPr>
+          <p:cNvPr id="527" name="Elbow Connector 526"/>
+          <p:cNvCxnSpPr>
+            <a:stCxn id="522" idx="3"/>
+            <a:endCxn id="526" idx="1"/>
+          </p:cNvCxnSpPr>
+          <p:nvPr/>
+        </p:nvCxnSpPr>
+        <p:spPr>
+          <a:xfrm>
+            <a:off x="2883287" y="10186222"/>
+            <a:ext cx="441125" cy="12700"/>
+          </a:xfrm>
+          <a:prstGeom prst="bentConnector3">
+            <a:avLst/>
+          </a:prstGeom>
+          <a:ln w="19050">
+            <a:solidFill>
+              <a:srgbClr val="7030A0"/>
+            </a:solidFill>
+            <a:headEnd type="none" w="med" len="med"/>
+            <a:tailEnd type="arrow" w="med" len="med"/>
+          </a:ln>
+          <a:effectLst/>
+        </p:spPr>
+        <p:style>
+          <a:lnRef idx="1">
+            <a:schemeClr val="accent2"/>
+          </a:lnRef>
+          <a:fillRef idx="2">
+            <a:schemeClr val="accent2"/>
+          </a:fillRef>
+          <a:effectRef idx="1">
+            <a:schemeClr val="accent2"/>
+          </a:effectRef>
+          <a:fontRef idx="minor">
+            <a:schemeClr val="dk1"/>
+          </a:fontRef>
+        </p:style>
+      </p:cxnSp>
+      <p:sp>
+        <p:nvSpPr>
+          <p:cNvPr id="528" name="TextBox 527"/>
+          <p:cNvSpPr txBox="1"/>
+          <p:nvPr/>
+        </p:nvSpPr>
+        <p:spPr>
+          <a:xfrm>
+            <a:off x="1153804" y="10977111"/>
+            <a:ext cx="1162307" cy="261610"/>
+          </a:xfrm>
+          <a:prstGeom prst="rect">
+            <a:avLst/>
+          </a:prstGeom>
+          <a:noFill/>
+        </p:spPr>
+        <p:txBody>
+          <a:bodyPr wrap="square" rtlCol="0">
+            <a:spAutoFit/>
+          </a:bodyPr>
+          <a:lstStyle/>
+          <a:p>
+            <a:pPr algn="r"/>
+            <a:r>
+              <a:rPr lang="en-US" sz="1100" dirty="0" smtClean="0">
+                <a:solidFill>
+                  <a:srgbClr val="7030A0"/>
+                </a:solidFill>
+              </a:rPr>
+              <a:t>filtered note list</a:t>
+            </a:r>
+            <a:endParaRPr lang="en-SG" sz="1100" dirty="0">
+              <a:solidFill>
+                <a:srgbClr val="7030A0"/>
+              </a:solidFill>
+            </a:endParaRPr>
+          </a:p>
+        </p:txBody>
+      </p:sp>
+      <p:sp>
+        <p:nvSpPr>
+          <p:cNvPr id="529" name="TextBox 528"/>
+          <p:cNvSpPr txBox="1"/>
+          <p:nvPr/>
+        </p:nvSpPr>
+        <p:spPr>
+          <a:xfrm>
+            <a:off x="1732346" y="10024500"/>
+            <a:ext cx="170110" cy="137542"/>
+          </a:xfrm>
+          <a:prstGeom prst="rect">
+            <a:avLst/>
+          </a:prstGeom>
+          <a:noFill/>
+        </p:spPr>
+        <p:txBody>
+          <a:bodyPr wrap="square" lIns="0" tIns="0" rIns="0" bIns="0" rtlCol="0">
+            <a:noAutofit/>
+          </a:bodyPr>
+          <a:lstStyle/>
+          <a:p>
+            <a:pPr algn="ctr"/>
+            <a:r>
+              <a:rPr lang="en-US" sz="1100" dirty="0">
+                <a:solidFill>
+                  <a:srgbClr val="7030A0"/>
+                </a:solidFill>
+              </a:rPr>
+              <a:t>*</a:t>
+            </a:r>
+            <a:endParaRPr lang="en-SG" sz="1100" dirty="0">
+              <a:solidFill>
+                <a:srgbClr val="7030A0"/>
+              </a:solidFill>
+            </a:endParaRPr>
+          </a:p>
+        </p:txBody>
+      </p:sp>
+      <p:sp>
+        <p:nvSpPr>
+          <p:cNvPr id="530" name="Rectangle 8">
             <a:extLst>
               <a:ext uri="{FF2B5EF4-FFF2-40B4-BE49-F238E27FC236}">
                 <a16:creationId xmlns="" xmlns:a16="http://schemas.microsoft.com/office/drawing/2014/main" id="{ABDCDBD2-131A-4B66-A2F2-43BBEE82C773}"/>
@@ -6778,8 +9438,8 @@
         </p:nvSpPr>
         <p:spPr>
           <a:xfrm>
-            <a:off x="3875395" y="6288895"/>
-            <a:ext cx="1001835" cy="285783"/>
+            <a:off x="3317688" y="9060806"/>
+            <a:ext cx="925632" cy="285783"/>
           </a:xfrm>
           <a:prstGeom prst="rect">
             <a:avLst/>
@@ -6828,7 +9488,7 @@
       </p:sp>
       <p:cxnSp>
         <p:nvCxnSpPr>
-          <p:cNvPr id="276" name="Elbow Connector 78">
+          <p:cNvPr id="531" name="Elbow Connector 78">
             <a:extLst>
               <a:ext uri="{FF2B5EF4-FFF2-40B4-BE49-F238E27FC236}">
                 <a16:creationId xmlns="" xmlns:a16="http://schemas.microsoft.com/office/drawing/2014/main" id="{B97967F8-618A-448B-81FD-CDFD4AF0EC64}"/>
@@ -6837,15 +9497,15 @@
           </p:cNvPr>
           <p:cNvCxnSpPr>
             <a:cxnSpLocks/>
-            <a:stCxn id="272" idx="3"/>
-            <a:endCxn id="275" idx="1"/>
+            <a:stCxn id="522" idx="3"/>
+            <a:endCxn id="530" idx="1"/>
           </p:cNvCxnSpPr>
           <p:nvPr/>
         </p:nvCxnSpPr>
         <p:spPr>
           <a:xfrm flipV="1">
-            <a:off x="3437978" y="6431787"/>
-            <a:ext cx="437417" cy="364889"/>
+            <a:off x="2883287" y="9203698"/>
+            <a:ext cx="434401" cy="982524"/>
           </a:xfrm>
           <a:prstGeom prst="bentConnector3">
             <a:avLst>
@@ -6878,3239 +9538,13 @@
       </p:cxnSp>
       <p:sp>
         <p:nvSpPr>
-          <p:cNvPr id="277" name="Rectangle 8"/>
-          <p:cNvSpPr/>
-          <p:nvPr/>
-        </p:nvSpPr>
-        <p:spPr>
-          <a:xfrm>
-            <a:off x="3880476" y="7005158"/>
-            <a:ext cx="1001834" cy="285783"/>
-          </a:xfrm>
-          <a:prstGeom prst="rect">
-            <a:avLst/>
-          </a:prstGeom>
-          <a:ln w="19050">
-            <a:solidFill>
-              <a:srgbClr val="7030A0"/>
-            </a:solidFill>
-          </a:ln>
-          <a:effectLst/>
-        </p:spPr>
-        <p:style>
-          <a:lnRef idx="1">
-            <a:schemeClr val="accent4"/>
-          </a:lnRef>
-          <a:fillRef idx="2">
-            <a:schemeClr val="accent4"/>
-          </a:fillRef>
-          <a:effectRef idx="1">
-            <a:schemeClr val="accent4"/>
-          </a:effectRef>
-          <a:fontRef idx="minor">
-            <a:schemeClr val="dk1"/>
-          </a:fontRef>
-        </p:style>
-        <p:txBody>
-          <a:bodyPr rtlCol="0" anchor="ctr"/>
-          <a:lstStyle/>
-          <a:p>
-            <a:pPr algn="ctr"/>
-            <a:r>
-              <a:rPr lang="en-US" sz="1050" dirty="0" smtClean="0">
-                <a:solidFill>
-                  <a:srgbClr val="7030A0"/>
-                </a:solidFill>
-              </a:rPr>
-              <a:t>Person</a:t>
-            </a:r>
-            <a:endParaRPr lang="en-SG" sz="1050" dirty="0">
-              <a:solidFill>
-                <a:srgbClr val="7030A0"/>
-              </a:solidFill>
-            </a:endParaRPr>
-          </a:p>
-        </p:txBody>
-      </p:sp>
-      <p:cxnSp>
-        <p:nvCxnSpPr>
-          <p:cNvPr id="278" name="Elbow Connector 277"/>
-          <p:cNvCxnSpPr>
-            <a:cxnSpLocks/>
-            <a:stCxn id="272" idx="3"/>
-            <a:endCxn id="277" idx="1"/>
-          </p:cNvCxnSpPr>
-          <p:nvPr/>
-        </p:nvCxnSpPr>
-        <p:spPr>
-          <a:xfrm>
-            <a:off x="3437978" y="6796676"/>
-            <a:ext cx="442498" cy="351374"/>
-          </a:xfrm>
-          <a:prstGeom prst="bentConnector3">
-            <a:avLst>
-              <a:gd name="adj1" fmla="val 50000"/>
-            </a:avLst>
-          </a:prstGeom>
-          <a:ln w="19050">
-            <a:solidFill>
-              <a:srgbClr val="7030A0"/>
-            </a:solidFill>
-            <a:headEnd type="none" w="med" len="med"/>
-            <a:tailEnd type="arrow" w="med" len="med"/>
-          </a:ln>
-          <a:effectLst/>
-        </p:spPr>
-        <p:style>
-          <a:lnRef idx="1">
-            <a:schemeClr val="accent2"/>
-          </a:lnRef>
-          <a:fillRef idx="2">
-            <a:schemeClr val="accent2"/>
-          </a:fillRef>
-          <a:effectRef idx="1">
-            <a:schemeClr val="accent2"/>
-          </a:effectRef>
-          <a:fontRef idx="minor">
-            <a:schemeClr val="dk1"/>
-          </a:fontRef>
-        </p:style>
-      </p:cxnSp>
-      <p:sp>
-        <p:nvSpPr>
-          <p:cNvPr id="279" name="TextBox 278"/>
-          <p:cNvSpPr txBox="1"/>
-          <p:nvPr/>
-        </p:nvSpPr>
-        <p:spPr>
-          <a:xfrm>
-            <a:off x="3690045" y="6992683"/>
-            <a:ext cx="170110" cy="137542"/>
-          </a:xfrm>
-          <a:prstGeom prst="rect">
-            <a:avLst/>
-          </a:prstGeom>
-          <a:noFill/>
-        </p:spPr>
-        <p:txBody>
-          <a:bodyPr wrap="square" lIns="0" tIns="0" rIns="0" bIns="0" rtlCol="0">
-            <a:noAutofit/>
-          </a:bodyPr>
-          <a:lstStyle/>
-          <a:p>
-            <a:pPr algn="ctr"/>
-            <a:r>
-              <a:rPr lang="en-US" sz="1100" dirty="0">
-                <a:solidFill>
-                  <a:srgbClr val="7030A0"/>
-                </a:solidFill>
-              </a:rPr>
-              <a:t>*</a:t>
-            </a:r>
-            <a:endParaRPr lang="en-SG" sz="1100" dirty="0">
-              <a:solidFill>
-                <a:srgbClr val="7030A0"/>
-              </a:solidFill>
-            </a:endParaRPr>
-          </a:p>
-        </p:txBody>
-      </p:sp>
-      <p:sp>
-        <p:nvSpPr>
-          <p:cNvPr id="280" name="Flowchart: Decision 96"/>
-          <p:cNvSpPr/>
-          <p:nvPr/>
-        </p:nvSpPr>
-        <p:spPr>
-          <a:xfrm>
-            <a:off x="1660399" y="6704430"/>
-            <a:ext cx="236048" cy="173380"/>
-          </a:xfrm>
-          <a:prstGeom prst="flowChartDecision">
-            <a:avLst/>
-          </a:prstGeom>
-          <a:solidFill>
-            <a:srgbClr val="7030A0"/>
-          </a:solidFill>
-          <a:ln w="19050">
-            <a:solidFill>
-              <a:srgbClr val="7030A0"/>
-            </a:solidFill>
-          </a:ln>
-          <a:effectLst/>
-        </p:spPr>
-        <p:style>
-          <a:lnRef idx="1">
-            <a:schemeClr val="accent6"/>
-          </a:lnRef>
-          <a:fillRef idx="2">
-            <a:schemeClr val="accent6"/>
-          </a:fillRef>
-          <a:effectRef idx="1">
-            <a:schemeClr val="accent6"/>
-          </a:effectRef>
-          <a:fontRef idx="minor">
-            <a:schemeClr val="dk1"/>
-          </a:fontRef>
-        </p:style>
-        <p:txBody>
-          <a:bodyPr rtlCol="0" anchor="ctr"/>
-          <a:lstStyle/>
-          <a:p>
-            <a:pPr algn="ctr"/>
-            <a:endParaRPr lang="en-US" sz="1050"/>
-          </a:p>
-        </p:txBody>
-      </p:sp>
-      <p:cxnSp>
-        <p:nvCxnSpPr>
-          <p:cNvPr id="282" name="Elbow Connector 281"/>
-          <p:cNvCxnSpPr>
-            <a:cxnSpLocks/>
-            <a:stCxn id="266" idx="3"/>
-          </p:cNvCxnSpPr>
-          <p:nvPr/>
-        </p:nvCxnSpPr>
-        <p:spPr>
-          <a:xfrm flipV="1">
-            <a:off x="5089400" y="5410200"/>
-            <a:ext cx="1197035" cy="1248156"/>
-          </a:xfrm>
-          <a:prstGeom prst="bentConnector2">
-            <a:avLst/>
-          </a:prstGeom>
-          <a:ln w="19050">
-            <a:solidFill>
-              <a:srgbClr val="7030A0"/>
-            </a:solidFill>
-            <a:prstDash val="sysDot"/>
-            <a:headEnd type="none" w="med" len="med"/>
-            <a:tailEnd type="arrow" w="med" len="med"/>
-          </a:ln>
-          <a:effectLst/>
-        </p:spPr>
-        <p:style>
-          <a:lnRef idx="1">
-            <a:schemeClr val="accent2"/>
-          </a:lnRef>
-          <a:fillRef idx="2">
-            <a:schemeClr val="accent2"/>
-          </a:fillRef>
-          <a:effectRef idx="1">
-            <a:schemeClr val="accent2"/>
-          </a:effectRef>
-          <a:fontRef idx="minor">
-            <a:schemeClr val="dk1"/>
-          </a:fontRef>
-        </p:style>
-      </p:cxnSp>
-      <p:sp>
-        <p:nvSpPr>
-          <p:cNvPr id="295" name="Rectangle 65"/>
-          <p:cNvSpPr/>
-          <p:nvPr/>
-        </p:nvSpPr>
-        <p:spPr>
-          <a:xfrm>
-            <a:off x="1143464" y="7851599"/>
-            <a:ext cx="4518936" cy="2045371"/>
-          </a:xfrm>
-          <a:prstGeom prst="roundRect">
-            <a:avLst>
-              <a:gd name="adj" fmla="val 3484"/>
-            </a:avLst>
-          </a:prstGeom>
-          <a:solidFill>
-            <a:schemeClr val="accent4">
-              <a:lumMod val="20000"/>
-              <a:lumOff val="80000"/>
-            </a:schemeClr>
-          </a:solidFill>
-          <a:ln w="19050">
-            <a:noFill/>
-          </a:ln>
-          <a:effectLst/>
-        </p:spPr>
-        <p:style>
-          <a:lnRef idx="1">
-            <a:schemeClr val="accent2"/>
-          </a:lnRef>
-          <a:fillRef idx="2">
-            <a:schemeClr val="accent2"/>
-          </a:fillRef>
-          <a:effectRef idx="1">
-            <a:schemeClr val="accent2"/>
-          </a:effectRef>
-          <a:fontRef idx="minor">
-            <a:schemeClr val="dk1"/>
-          </a:fontRef>
-        </p:style>
-        <p:txBody>
-          <a:bodyPr rtlCol="0" anchor="t"/>
-          <a:lstStyle/>
-          <a:p>
-            <a:r>
-              <a:rPr lang="en-US" sz="1200" b="1" dirty="0" smtClean="0">
-                <a:solidFill>
-                  <a:srgbClr val="7030A0"/>
-                </a:solidFill>
-              </a:rPr>
-              <a:t>Classroom Model</a:t>
-            </a:r>
-            <a:endParaRPr lang="en-SG" sz="1200" b="1" dirty="0">
-              <a:solidFill>
-                <a:srgbClr val="7030A0"/>
-              </a:solidFill>
-            </a:endParaRPr>
-          </a:p>
-        </p:txBody>
-      </p:sp>
-      <p:sp>
-        <p:nvSpPr>
-          <p:cNvPr id="296" name="Rectangle 62"/>
-          <p:cNvSpPr/>
-          <p:nvPr/>
-        </p:nvSpPr>
-        <p:spPr>
-          <a:xfrm rot="16200000">
-            <a:off x="903603" y="8725042"/>
-            <a:ext cx="1246035" cy="346760"/>
-          </a:xfrm>
-          <a:prstGeom prst="rect">
-            <a:avLst/>
-          </a:prstGeom>
-          <a:solidFill>
-            <a:srgbClr val="7030A0"/>
-          </a:solidFill>
-          <a:ln w="19050">
-            <a:solidFill>
-              <a:srgbClr val="7030A0"/>
-            </a:solidFill>
-          </a:ln>
-          <a:effectLst/>
-        </p:spPr>
-        <p:style>
-          <a:lnRef idx="1">
-            <a:schemeClr val="accent2"/>
-          </a:lnRef>
-          <a:fillRef idx="2">
-            <a:schemeClr val="accent2"/>
-          </a:fillRef>
-          <a:effectRef idx="1">
-            <a:schemeClr val="accent2"/>
-          </a:effectRef>
-          <a:fontRef idx="minor">
-            <a:schemeClr val="dk1"/>
-          </a:fontRef>
-        </p:style>
-        <p:txBody>
-          <a:bodyPr rtlCol="0" anchor="ctr"/>
-          <a:lstStyle/>
-          <a:p>
-            <a:pPr algn="ctr"/>
-            <a:r>
-              <a:rPr lang="en-US" sz="1050" dirty="0" err="1" smtClean="0">
-                <a:solidFill>
-                  <a:schemeClr val="bg1"/>
-                </a:solidFill>
-              </a:rPr>
-              <a:t>ClassroomManager</a:t>
-            </a:r>
-            <a:endParaRPr lang="en-US" sz="1050" dirty="0" smtClean="0">
-              <a:solidFill>
-                <a:schemeClr val="bg1"/>
-              </a:solidFill>
-            </a:endParaRPr>
-          </a:p>
-        </p:txBody>
-      </p:sp>
-      <p:cxnSp>
-        <p:nvCxnSpPr>
-          <p:cNvPr id="297" name="Elbow Connector 122"/>
-          <p:cNvCxnSpPr/>
-          <p:nvPr/>
-        </p:nvCxnSpPr>
-        <p:spPr>
-          <a:xfrm flipV="1">
-            <a:off x="317499" y="8901283"/>
-            <a:ext cx="1035739" cy="8517"/>
-          </a:xfrm>
-          <a:prstGeom prst="bentConnector3">
-            <a:avLst>
-              <a:gd name="adj1" fmla="val 50000"/>
-            </a:avLst>
-          </a:prstGeom>
-          <a:ln w="19050">
-            <a:solidFill>
-              <a:schemeClr val="bg1">
-                <a:lumMod val="75000"/>
-              </a:schemeClr>
-            </a:solidFill>
-            <a:prstDash val="sysDot"/>
-            <a:headEnd type="none" w="med" len="med"/>
-            <a:tailEnd type="arrow" w="med" len="med"/>
-          </a:ln>
-          <a:effectLst/>
-        </p:spPr>
-        <p:style>
-          <a:lnRef idx="1">
-            <a:schemeClr val="accent2"/>
-          </a:lnRef>
-          <a:fillRef idx="2">
-            <a:schemeClr val="accent2"/>
-          </a:fillRef>
-          <a:effectRef idx="1">
-            <a:schemeClr val="accent2"/>
-          </a:effectRef>
-          <a:fontRef idx="minor">
-            <a:schemeClr val="dk1"/>
-          </a:fontRef>
-        </p:style>
-      </p:cxnSp>
-      <p:cxnSp>
-        <p:nvCxnSpPr>
-          <p:cNvPr id="298" name="Straight Arrow Connector 297"/>
-          <p:cNvCxnSpPr>
-            <a:endCxn id="299" idx="1"/>
-          </p:cNvCxnSpPr>
-          <p:nvPr/>
-        </p:nvCxnSpPr>
-        <p:spPr>
-          <a:xfrm>
-            <a:off x="1936048" y="8933980"/>
-            <a:ext cx="254081" cy="0"/>
-          </a:xfrm>
-          <a:prstGeom prst="straightConnector1">
-            <a:avLst/>
-          </a:prstGeom>
-          <a:ln w="19050">
-            <a:solidFill>
-              <a:srgbClr val="7030A0"/>
-            </a:solidFill>
-            <a:headEnd type="none" w="med" len="med"/>
-            <a:tailEnd type="arrow" w="med" len="med"/>
-          </a:ln>
-          <a:effectLst/>
-        </p:spPr>
-        <p:style>
-          <a:lnRef idx="1">
-            <a:schemeClr val="accent2"/>
-          </a:lnRef>
-          <a:fillRef idx="2">
-            <a:schemeClr val="accent2"/>
-          </a:fillRef>
-          <a:effectRef idx="1">
-            <a:schemeClr val="accent2"/>
-          </a:effectRef>
-          <a:fontRef idx="minor">
-            <a:schemeClr val="dk1"/>
-          </a:fontRef>
-        </p:style>
-      </p:cxnSp>
-      <p:sp>
-        <p:nvSpPr>
-          <p:cNvPr id="299" name="Rectangle 8"/>
-          <p:cNvSpPr/>
-          <p:nvPr/>
-        </p:nvSpPr>
-        <p:spPr>
-          <a:xfrm>
-            <a:off x="2190129" y="8760600"/>
-            <a:ext cx="1643471" cy="346760"/>
-          </a:xfrm>
-          <a:prstGeom prst="rect">
-            <a:avLst/>
-          </a:prstGeom>
-          <a:ln w="19050">
-            <a:solidFill>
-              <a:srgbClr val="7030A0"/>
-            </a:solidFill>
-          </a:ln>
-          <a:effectLst/>
-        </p:spPr>
-        <p:style>
-          <a:lnRef idx="1">
-            <a:schemeClr val="accent4"/>
-          </a:lnRef>
-          <a:fillRef idx="2">
-            <a:schemeClr val="accent4"/>
-          </a:fillRef>
-          <a:effectRef idx="1">
-            <a:schemeClr val="accent4"/>
-          </a:effectRef>
-          <a:fontRef idx="minor">
-            <a:schemeClr val="dk1"/>
-          </a:fontRef>
-        </p:style>
-        <p:txBody>
-          <a:bodyPr rtlCol="0" anchor="ctr"/>
-          <a:lstStyle/>
-          <a:p>
-            <a:pPr algn="ctr"/>
-            <a:r>
-              <a:rPr lang="en-US" sz="1050" dirty="0" smtClean="0">
-                <a:solidFill>
-                  <a:srgbClr val="7030A0"/>
-                </a:solidFill>
-              </a:rPr>
-              <a:t>Classroom</a:t>
-            </a:r>
-            <a:endParaRPr lang="en-SG" sz="1050" dirty="0">
-              <a:solidFill>
-                <a:srgbClr val="7030A0"/>
-              </a:solidFill>
-            </a:endParaRPr>
-          </a:p>
-        </p:txBody>
-      </p:sp>
-      <p:sp>
-        <p:nvSpPr>
-          <p:cNvPr id="300" name="Rectangle 8"/>
-          <p:cNvSpPr/>
-          <p:nvPr/>
-        </p:nvSpPr>
-        <p:spPr>
-          <a:xfrm>
-            <a:off x="4538054" y="8806361"/>
-            <a:ext cx="1001834" cy="285783"/>
-          </a:xfrm>
-          <a:prstGeom prst="rect">
-            <a:avLst/>
-          </a:prstGeom>
-          <a:ln w="19050">
-            <a:solidFill>
-              <a:srgbClr val="7030A0"/>
-            </a:solidFill>
-          </a:ln>
-          <a:effectLst/>
-        </p:spPr>
-        <p:style>
-          <a:lnRef idx="1">
-            <a:schemeClr val="accent4"/>
-          </a:lnRef>
-          <a:fillRef idx="2">
-            <a:schemeClr val="accent4"/>
-          </a:fillRef>
-          <a:effectRef idx="1">
-            <a:schemeClr val="accent4"/>
-          </a:effectRef>
-          <a:fontRef idx="minor">
-            <a:schemeClr val="dk1"/>
-          </a:fontRef>
-        </p:style>
-        <p:txBody>
-          <a:bodyPr rtlCol="0" anchor="ctr"/>
-          <a:lstStyle/>
-          <a:p>
-            <a:pPr algn="ctr"/>
-            <a:r>
-              <a:rPr lang="en-US" sz="1050" dirty="0" err="1" smtClean="0">
-                <a:solidFill>
-                  <a:srgbClr val="7030A0"/>
-                </a:solidFill>
-              </a:rPr>
-              <a:t>ClassName</a:t>
-            </a:r>
-            <a:endParaRPr lang="en-SG" sz="1050" dirty="0">
-              <a:solidFill>
-                <a:srgbClr val="7030A0"/>
-              </a:solidFill>
-            </a:endParaRPr>
-          </a:p>
-        </p:txBody>
-      </p:sp>
-      <p:sp>
-        <p:nvSpPr>
-          <p:cNvPr id="301" name="Flowchart: Decision 96"/>
-          <p:cNvSpPr/>
-          <p:nvPr/>
-        </p:nvSpPr>
-        <p:spPr>
-          <a:xfrm>
-            <a:off x="3841220" y="8856304"/>
-            <a:ext cx="236048" cy="173380"/>
-          </a:xfrm>
-          <a:prstGeom prst="flowChartDecision">
-            <a:avLst/>
-          </a:prstGeom>
-          <a:solidFill>
-            <a:srgbClr val="7030A0"/>
-          </a:solidFill>
-          <a:ln w="19050">
-            <a:solidFill>
-              <a:srgbClr val="7030A0"/>
-            </a:solidFill>
-          </a:ln>
-          <a:effectLst/>
-        </p:spPr>
-        <p:style>
-          <a:lnRef idx="1">
-            <a:schemeClr val="accent6"/>
-          </a:lnRef>
-          <a:fillRef idx="2">
-            <a:schemeClr val="accent6"/>
-          </a:fillRef>
-          <a:effectRef idx="1">
-            <a:schemeClr val="accent6"/>
-          </a:effectRef>
-          <a:fontRef idx="minor">
-            <a:schemeClr val="dk1"/>
-          </a:fontRef>
-        </p:style>
-        <p:txBody>
-          <a:bodyPr rtlCol="0" anchor="ctr"/>
-          <a:lstStyle/>
-          <a:p>
-            <a:pPr algn="ctr"/>
-            <a:endParaRPr lang="en-US" sz="1050"/>
-          </a:p>
-        </p:txBody>
-      </p:sp>
-      <p:cxnSp>
-        <p:nvCxnSpPr>
-          <p:cNvPr id="302" name="Elbow Connector 301"/>
-          <p:cNvCxnSpPr>
-            <a:cxnSpLocks/>
-            <a:stCxn id="301" idx="3"/>
-            <a:endCxn id="300" idx="1"/>
-          </p:cNvCxnSpPr>
-          <p:nvPr/>
-        </p:nvCxnSpPr>
-        <p:spPr>
-          <a:xfrm>
-            <a:off x="4077268" y="8942994"/>
-            <a:ext cx="460786" cy="6259"/>
-          </a:xfrm>
-          <a:prstGeom prst="bentConnector3">
-            <a:avLst/>
-          </a:prstGeom>
-          <a:ln w="19050">
-            <a:solidFill>
-              <a:srgbClr val="7030A0"/>
-            </a:solidFill>
-            <a:headEnd type="none" w="med" len="med"/>
-            <a:tailEnd type="arrow" w="med" len="med"/>
-          </a:ln>
-          <a:effectLst/>
-        </p:spPr>
-        <p:style>
-          <a:lnRef idx="1">
-            <a:schemeClr val="accent2"/>
-          </a:lnRef>
-          <a:fillRef idx="2">
-            <a:schemeClr val="accent2"/>
-          </a:fillRef>
-          <a:effectRef idx="1">
-            <a:schemeClr val="accent2"/>
-          </a:effectRef>
-          <a:fontRef idx="minor">
-            <a:schemeClr val="dk1"/>
-          </a:fontRef>
-        </p:style>
-      </p:cxnSp>
-      <p:sp>
-        <p:nvSpPr>
-          <p:cNvPr id="303" name="TextBox 302"/>
-          <p:cNvSpPr txBox="1"/>
-          <p:nvPr/>
-        </p:nvSpPr>
-        <p:spPr>
-          <a:xfrm>
-            <a:off x="2008425" y="8772258"/>
-            <a:ext cx="170110" cy="137542"/>
-          </a:xfrm>
-          <a:prstGeom prst="rect">
-            <a:avLst/>
-          </a:prstGeom>
-          <a:noFill/>
-        </p:spPr>
-        <p:txBody>
-          <a:bodyPr wrap="square" lIns="0" tIns="0" rIns="0" bIns="0" rtlCol="0">
-            <a:noAutofit/>
-          </a:bodyPr>
-          <a:lstStyle/>
-          <a:p>
-            <a:pPr algn="ctr"/>
-            <a:r>
-              <a:rPr lang="en-US" sz="1100" dirty="0">
-                <a:solidFill>
-                  <a:srgbClr val="7030A0"/>
-                </a:solidFill>
-              </a:rPr>
-              <a:t>*</a:t>
-            </a:r>
-            <a:endParaRPr lang="en-SG" sz="1100" dirty="0">
-              <a:solidFill>
-                <a:srgbClr val="7030A0"/>
-              </a:solidFill>
-            </a:endParaRPr>
-          </a:p>
-        </p:txBody>
-      </p:sp>
-      <p:sp>
-        <p:nvSpPr>
-          <p:cNvPr id="304" name="Rectangle 8">
-            <a:extLst>
-              <a:ext uri="{FF2B5EF4-FFF2-40B4-BE49-F238E27FC236}">
-                <a16:creationId xmlns:a16="http://schemas.microsoft.com/office/drawing/2014/main" xmlns="" id="{ABDCDBD2-131A-4B66-A2F2-43BBEE82C773}"/>
-              </a:ext>
-            </a:extLst>
-          </p:cNvPr>
-          <p:cNvSpPr/>
-          <p:nvPr/>
-        </p:nvSpPr>
-        <p:spPr>
-          <a:xfrm>
-            <a:off x="4538053" y="8483460"/>
-            <a:ext cx="1001835" cy="285783"/>
-          </a:xfrm>
-          <a:prstGeom prst="rect">
-            <a:avLst/>
-          </a:prstGeom>
-          <a:ln w="19050">
-            <a:solidFill>
-              <a:srgbClr val="7030A0"/>
-            </a:solidFill>
-          </a:ln>
-          <a:effectLst/>
-        </p:spPr>
-        <p:style>
-          <a:lnRef idx="1">
-            <a:schemeClr val="accent4"/>
-          </a:lnRef>
-          <a:fillRef idx="2">
-            <a:schemeClr val="accent4"/>
-          </a:fillRef>
-          <a:effectRef idx="1">
-            <a:schemeClr val="accent4"/>
-          </a:effectRef>
-          <a:fontRef idx="minor">
-            <a:schemeClr val="dk1"/>
-          </a:fontRef>
-        </p:style>
-        <p:txBody>
-          <a:bodyPr rtlCol="0" anchor="ctr"/>
-          <a:lstStyle/>
-          <a:p>
-            <a:pPr algn="ctr"/>
-            <a:r>
-              <a:rPr lang="en-US" sz="1050" dirty="0" err="1" smtClean="0">
-                <a:solidFill>
-                  <a:srgbClr val="7030A0"/>
-                </a:solidFill>
-              </a:rPr>
-              <a:t>ModuleCode</a:t>
-            </a:r>
-            <a:endParaRPr lang="en-SG" sz="1050" dirty="0">
-              <a:solidFill>
-                <a:srgbClr val="7030A0"/>
-              </a:solidFill>
-            </a:endParaRPr>
-          </a:p>
-        </p:txBody>
-      </p:sp>
-      <p:cxnSp>
-        <p:nvCxnSpPr>
-          <p:cNvPr id="305" name="Elbow Connector 78">
-            <a:extLst>
-              <a:ext uri="{FF2B5EF4-FFF2-40B4-BE49-F238E27FC236}">
-                <a16:creationId xmlns:a16="http://schemas.microsoft.com/office/drawing/2014/main" xmlns="" id="{B97967F8-618A-448B-81FD-CDFD4AF0EC64}"/>
-              </a:ext>
-            </a:extLst>
-          </p:cNvPr>
-          <p:cNvCxnSpPr>
-            <a:cxnSpLocks/>
-            <a:stCxn id="301" idx="3"/>
-            <a:endCxn id="304" idx="1"/>
-          </p:cNvCxnSpPr>
-          <p:nvPr/>
-        </p:nvCxnSpPr>
-        <p:spPr>
-          <a:xfrm flipV="1">
-            <a:off x="4077268" y="8626352"/>
-            <a:ext cx="460785" cy="316642"/>
-          </a:xfrm>
-          <a:prstGeom prst="bentConnector3">
-            <a:avLst>
-              <a:gd name="adj1" fmla="val 50000"/>
-            </a:avLst>
-          </a:prstGeom>
-          <a:ln w="19050">
-            <a:solidFill>
-              <a:srgbClr val="7030A0"/>
-            </a:solidFill>
-            <a:headEnd type="none" w="med" len="med"/>
-            <a:tailEnd type="arrow" w="med" len="med"/>
-          </a:ln>
-          <a:effectLst/>
-        </p:spPr>
-        <p:style>
-          <a:lnRef idx="1">
-            <a:schemeClr val="accent2"/>
-          </a:lnRef>
-          <a:fillRef idx="2">
-            <a:schemeClr val="accent2"/>
-          </a:fillRef>
-          <a:effectRef idx="1">
-            <a:schemeClr val="accent2"/>
-          </a:effectRef>
-          <a:fontRef idx="minor">
-            <a:schemeClr val="dk1"/>
-          </a:fontRef>
-        </p:style>
-      </p:cxnSp>
-      <p:sp>
-        <p:nvSpPr>
-          <p:cNvPr id="306" name="Rectangle 8"/>
-          <p:cNvSpPr/>
-          <p:nvPr/>
-        </p:nvSpPr>
-        <p:spPr>
-          <a:xfrm>
-            <a:off x="4538054" y="9134825"/>
-            <a:ext cx="1001834" cy="285783"/>
-          </a:xfrm>
-          <a:prstGeom prst="rect">
-            <a:avLst/>
-          </a:prstGeom>
-          <a:ln w="19050">
-            <a:solidFill>
-              <a:srgbClr val="7030A0"/>
-            </a:solidFill>
-          </a:ln>
-          <a:effectLst/>
-        </p:spPr>
-        <p:style>
-          <a:lnRef idx="1">
-            <a:schemeClr val="accent4"/>
-          </a:lnRef>
-          <a:fillRef idx="2">
-            <a:schemeClr val="accent4"/>
-          </a:fillRef>
-          <a:effectRef idx="1">
-            <a:schemeClr val="accent4"/>
-          </a:effectRef>
-          <a:fontRef idx="minor">
-            <a:schemeClr val="dk1"/>
-          </a:fontRef>
-        </p:style>
-        <p:txBody>
-          <a:bodyPr rtlCol="0" anchor="ctr"/>
-          <a:lstStyle/>
-          <a:p>
-            <a:pPr algn="ctr"/>
-            <a:r>
-              <a:rPr lang="en-US" sz="1000" dirty="0" smtClean="0">
-                <a:solidFill>
-                  <a:srgbClr val="7030A0"/>
-                </a:solidFill>
-              </a:rPr>
-              <a:t>Enrollment</a:t>
-            </a:r>
-            <a:endParaRPr lang="en-SG" sz="1000" dirty="0">
-              <a:solidFill>
-                <a:srgbClr val="7030A0"/>
-              </a:solidFill>
-            </a:endParaRPr>
-          </a:p>
-        </p:txBody>
-      </p:sp>
-      <p:cxnSp>
-        <p:nvCxnSpPr>
-          <p:cNvPr id="307" name="Elbow Connector 306"/>
-          <p:cNvCxnSpPr>
-            <a:cxnSpLocks/>
-            <a:stCxn id="301" idx="3"/>
-            <a:endCxn id="306" idx="1"/>
-          </p:cNvCxnSpPr>
-          <p:nvPr/>
-        </p:nvCxnSpPr>
-        <p:spPr>
-          <a:xfrm>
-            <a:off x="4077268" y="8942994"/>
-            <a:ext cx="460786" cy="334723"/>
-          </a:xfrm>
-          <a:prstGeom prst="bentConnector3">
-            <a:avLst/>
-          </a:prstGeom>
-          <a:ln w="19050">
-            <a:solidFill>
-              <a:srgbClr val="7030A0"/>
-            </a:solidFill>
-            <a:headEnd type="none" w="med" len="med"/>
-            <a:tailEnd type="arrow" w="med" len="med"/>
-          </a:ln>
-          <a:effectLst/>
-        </p:spPr>
-        <p:style>
-          <a:lnRef idx="1">
-            <a:schemeClr val="accent2"/>
-          </a:lnRef>
-          <a:fillRef idx="2">
-            <a:schemeClr val="accent2"/>
-          </a:fillRef>
-          <a:effectRef idx="1">
-            <a:schemeClr val="accent2"/>
-          </a:effectRef>
-          <a:fontRef idx="minor">
-            <a:schemeClr val="dk1"/>
-          </a:fontRef>
-        </p:style>
-      </p:cxnSp>
-      <p:sp>
-        <p:nvSpPr>
-          <p:cNvPr id="308" name="Rectangle 8"/>
-          <p:cNvSpPr/>
-          <p:nvPr/>
-        </p:nvSpPr>
-        <p:spPr>
-          <a:xfrm>
-            <a:off x="2190129" y="9104490"/>
-            <a:ext cx="1643471" cy="259080"/>
-          </a:xfrm>
-          <a:prstGeom prst="rect">
-            <a:avLst/>
-          </a:prstGeom>
-          <a:ln w="19050">
-            <a:solidFill>
-              <a:srgbClr val="7030A0"/>
-            </a:solidFill>
-          </a:ln>
-          <a:effectLst/>
-        </p:spPr>
-        <p:style>
-          <a:lnRef idx="1">
-            <a:schemeClr val="accent4"/>
-          </a:lnRef>
-          <a:fillRef idx="2">
-            <a:schemeClr val="accent4"/>
-          </a:fillRef>
-          <a:effectRef idx="1">
-            <a:schemeClr val="accent4"/>
-          </a:effectRef>
-          <a:fontRef idx="minor">
-            <a:schemeClr val="dk1"/>
-          </a:fontRef>
-        </p:style>
-        <p:txBody>
-          <a:bodyPr rtlCol="0" anchor="ctr"/>
-          <a:lstStyle/>
-          <a:p>
-            <a:r>
-              <a:rPr lang="en-US" sz="800" dirty="0" smtClean="0">
-                <a:solidFill>
-                  <a:srgbClr val="7030A0"/>
-                </a:solidFill>
-              </a:rPr>
-              <a:t>-students: </a:t>
-            </a:r>
-            <a:r>
-              <a:rPr lang="en-US" sz="800" dirty="0" err="1" smtClean="0">
-                <a:solidFill>
-                  <a:srgbClr val="7030A0"/>
-                </a:solidFill>
-              </a:rPr>
-              <a:t>ArrayList</a:t>
-            </a:r>
-            <a:r>
-              <a:rPr lang="en-US" sz="800" dirty="0" smtClean="0">
-                <a:solidFill>
-                  <a:srgbClr val="7030A0"/>
-                </a:solidFill>
-              </a:rPr>
-              <a:t>&lt;String&gt; [0..*]</a:t>
-            </a:r>
-          </a:p>
-        </p:txBody>
-      </p:sp>
-      <p:sp>
-        <p:nvSpPr>
-          <p:cNvPr id="309" name="Rectangle 8"/>
-          <p:cNvSpPr/>
-          <p:nvPr/>
-        </p:nvSpPr>
-        <p:spPr>
-          <a:xfrm>
-            <a:off x="4538053" y="9463475"/>
-            <a:ext cx="1001834" cy="285783"/>
-          </a:xfrm>
-          <a:prstGeom prst="rect">
-            <a:avLst/>
-          </a:prstGeom>
-          <a:ln w="19050">
-            <a:solidFill>
-              <a:srgbClr val="7030A0"/>
-            </a:solidFill>
-          </a:ln>
-          <a:effectLst/>
-        </p:spPr>
-        <p:style>
-          <a:lnRef idx="1">
-            <a:schemeClr val="accent4"/>
-          </a:lnRef>
-          <a:fillRef idx="2">
-            <a:schemeClr val="accent4"/>
-          </a:fillRef>
-          <a:effectRef idx="1">
-            <a:schemeClr val="accent4"/>
-          </a:effectRef>
-          <a:fontRef idx="minor">
-            <a:schemeClr val="dk1"/>
-          </a:fontRef>
-        </p:style>
-        <p:txBody>
-          <a:bodyPr rtlCol="0" anchor="ctr"/>
-          <a:lstStyle/>
-          <a:p>
-            <a:pPr algn="ctr"/>
-            <a:r>
-              <a:rPr lang="en-US" sz="1000" dirty="0" smtClean="0">
-                <a:solidFill>
-                  <a:srgbClr val="7030A0"/>
-                </a:solidFill>
-              </a:rPr>
-              <a:t>Attendance</a:t>
-            </a:r>
-            <a:endParaRPr lang="en-SG" sz="1000" dirty="0">
-              <a:solidFill>
-                <a:srgbClr val="7030A0"/>
-              </a:solidFill>
-            </a:endParaRPr>
-          </a:p>
-        </p:txBody>
-      </p:sp>
-      <p:cxnSp>
-        <p:nvCxnSpPr>
-          <p:cNvPr id="310" name="Elbow Connector 309"/>
-          <p:cNvCxnSpPr>
-            <a:cxnSpLocks/>
-            <a:stCxn id="301" idx="3"/>
-            <a:endCxn id="309" idx="1"/>
-          </p:cNvCxnSpPr>
-          <p:nvPr/>
-        </p:nvCxnSpPr>
-        <p:spPr>
-          <a:xfrm>
-            <a:off x="4077268" y="8942994"/>
-            <a:ext cx="460785" cy="663373"/>
-          </a:xfrm>
-          <a:prstGeom prst="bentConnector3">
-            <a:avLst>
-              <a:gd name="adj1" fmla="val 50000"/>
-            </a:avLst>
-          </a:prstGeom>
-          <a:ln w="19050">
-            <a:solidFill>
-              <a:srgbClr val="7030A0"/>
-            </a:solidFill>
-            <a:headEnd type="none" w="med" len="med"/>
-            <a:tailEnd type="arrow" w="med" len="med"/>
-          </a:ln>
-          <a:effectLst/>
-        </p:spPr>
-        <p:style>
-          <a:lnRef idx="1">
-            <a:schemeClr val="accent2"/>
-          </a:lnRef>
-          <a:fillRef idx="2">
-            <a:schemeClr val="accent2"/>
-          </a:fillRef>
-          <a:effectRef idx="1">
-            <a:schemeClr val="accent2"/>
-          </a:effectRef>
-          <a:fontRef idx="minor">
-            <a:schemeClr val="dk1"/>
-          </a:fontRef>
-        </p:style>
-      </p:cxnSp>
-      <p:sp>
-        <p:nvSpPr>
-          <p:cNvPr id="311" name="TextBox 310"/>
-          <p:cNvSpPr txBox="1"/>
-          <p:nvPr/>
-        </p:nvSpPr>
-        <p:spPr>
-          <a:xfrm>
-            <a:off x="4356513" y="9451088"/>
-            <a:ext cx="170110" cy="137542"/>
-          </a:xfrm>
-          <a:prstGeom prst="rect">
-            <a:avLst/>
-          </a:prstGeom>
-          <a:noFill/>
-        </p:spPr>
-        <p:txBody>
-          <a:bodyPr wrap="square" lIns="0" tIns="0" rIns="0" bIns="0" rtlCol="0">
-            <a:noAutofit/>
-          </a:bodyPr>
-          <a:lstStyle/>
-          <a:p>
-            <a:pPr algn="ctr"/>
-            <a:r>
-              <a:rPr lang="en-US" sz="1100" dirty="0">
-                <a:solidFill>
-                  <a:srgbClr val="7030A0"/>
-                </a:solidFill>
-              </a:rPr>
-              <a:t>*</a:t>
-            </a:r>
-            <a:endParaRPr lang="en-SG" sz="1100" dirty="0">
-              <a:solidFill>
-                <a:srgbClr val="7030A0"/>
-              </a:solidFill>
-            </a:endParaRPr>
-          </a:p>
-        </p:txBody>
-      </p:sp>
-      <p:sp>
-        <p:nvSpPr>
-          <p:cNvPr id="312" name="Flowchart: Decision 96"/>
-          <p:cNvSpPr/>
-          <p:nvPr/>
-        </p:nvSpPr>
-        <p:spPr>
-          <a:xfrm>
-            <a:off x="1700001" y="8847290"/>
-            <a:ext cx="236048" cy="173380"/>
-          </a:xfrm>
-          <a:prstGeom prst="flowChartDecision">
-            <a:avLst/>
-          </a:prstGeom>
-          <a:solidFill>
-            <a:srgbClr val="7030A0"/>
-          </a:solidFill>
-          <a:ln w="19050">
-            <a:solidFill>
-              <a:srgbClr val="7030A0"/>
-            </a:solidFill>
-          </a:ln>
-          <a:effectLst/>
-        </p:spPr>
-        <p:style>
-          <a:lnRef idx="1">
-            <a:schemeClr val="accent6"/>
-          </a:lnRef>
-          <a:fillRef idx="2">
-            <a:schemeClr val="accent6"/>
-          </a:fillRef>
-          <a:effectRef idx="1">
-            <a:schemeClr val="accent6"/>
-          </a:effectRef>
-          <a:fontRef idx="minor">
-            <a:schemeClr val="dk1"/>
-          </a:fontRef>
-        </p:style>
-        <p:txBody>
-          <a:bodyPr rtlCol="0" anchor="ctr"/>
-          <a:lstStyle/>
-          <a:p>
-            <a:pPr algn="ctr"/>
-            <a:endParaRPr lang="en-US" sz="1050"/>
-          </a:p>
-        </p:txBody>
-      </p:sp>
-      <p:cxnSp>
-        <p:nvCxnSpPr>
-          <p:cNvPr id="314" name="Elbow Connector 313"/>
-          <p:cNvCxnSpPr>
-            <a:cxnSpLocks/>
-            <a:stCxn id="295" idx="3"/>
-          </p:cNvCxnSpPr>
-          <p:nvPr/>
-        </p:nvCxnSpPr>
-        <p:spPr>
-          <a:xfrm flipH="1" flipV="1">
-            <a:off x="5089400" y="7391400"/>
-            <a:ext cx="573000" cy="1482885"/>
-          </a:xfrm>
-          <a:prstGeom prst="bentConnector4">
-            <a:avLst>
-              <a:gd name="adj1" fmla="val -39895"/>
-              <a:gd name="adj2" fmla="val 100027"/>
-            </a:avLst>
-          </a:prstGeom>
-          <a:ln w="19050">
-            <a:solidFill>
-              <a:srgbClr val="7030A0"/>
-            </a:solidFill>
-            <a:prstDash val="sysDot"/>
-            <a:headEnd type="none" w="med" len="med"/>
-            <a:tailEnd type="arrow" w="med" len="med"/>
-          </a:ln>
-          <a:effectLst/>
-        </p:spPr>
-        <p:style>
-          <a:lnRef idx="1">
-            <a:schemeClr val="accent2"/>
-          </a:lnRef>
-          <a:fillRef idx="2">
-            <a:schemeClr val="accent2"/>
-          </a:fillRef>
-          <a:effectRef idx="1">
-            <a:schemeClr val="accent2"/>
-          </a:effectRef>
-          <a:fontRef idx="minor">
-            <a:schemeClr val="dk1"/>
-          </a:fontRef>
-        </p:style>
-      </p:cxnSp>
-      <p:sp>
-        <p:nvSpPr>
-          <p:cNvPr id="385" name="Rectangle 65"/>
-          <p:cNvSpPr/>
-          <p:nvPr/>
-        </p:nvSpPr>
-        <p:spPr>
-          <a:xfrm>
-            <a:off x="1156256" y="10134600"/>
-            <a:ext cx="3581400" cy="2362200"/>
-          </a:xfrm>
-          <a:prstGeom prst="roundRect">
-            <a:avLst>
-              <a:gd name="adj" fmla="val 3484"/>
-            </a:avLst>
-          </a:prstGeom>
-          <a:solidFill>
-            <a:schemeClr val="accent4">
-              <a:lumMod val="20000"/>
-              <a:lumOff val="80000"/>
-            </a:schemeClr>
-          </a:solidFill>
-          <a:ln w="19050">
-            <a:noFill/>
-          </a:ln>
-          <a:effectLst/>
-        </p:spPr>
-        <p:style>
-          <a:lnRef idx="1">
-            <a:schemeClr val="accent2"/>
-          </a:lnRef>
-          <a:fillRef idx="2">
-            <a:schemeClr val="accent2"/>
-          </a:fillRef>
-          <a:effectRef idx="1">
-            <a:schemeClr val="accent2"/>
-          </a:effectRef>
-          <a:fontRef idx="minor">
-            <a:schemeClr val="dk1"/>
-          </a:fontRef>
-        </p:style>
-        <p:txBody>
-          <a:bodyPr rtlCol="0" anchor="t"/>
-          <a:lstStyle/>
-          <a:p>
-            <a:r>
-              <a:rPr lang="en-US" sz="1200" b="1" dirty="0" err="1" smtClean="0">
-                <a:solidFill>
-                  <a:srgbClr val="7030A0"/>
-                </a:solidFill>
-              </a:rPr>
-              <a:t>Gradebook</a:t>
-            </a:r>
-            <a:r>
-              <a:rPr lang="en-US" sz="1200" b="1" dirty="0" smtClean="0">
-                <a:solidFill>
-                  <a:srgbClr val="7030A0"/>
-                </a:solidFill>
-              </a:rPr>
-              <a:t> Model</a:t>
-            </a:r>
-            <a:endParaRPr lang="en-SG" sz="1200" b="1" dirty="0">
-              <a:solidFill>
-                <a:srgbClr val="7030A0"/>
-              </a:solidFill>
-            </a:endParaRPr>
-          </a:p>
-        </p:txBody>
-      </p:sp>
-      <p:sp>
-        <p:nvSpPr>
-          <p:cNvPr id="386" name="Rectangle 62"/>
-          <p:cNvSpPr/>
-          <p:nvPr/>
-        </p:nvSpPr>
-        <p:spPr>
-          <a:xfrm rot="16200000">
-            <a:off x="935800" y="11053730"/>
-            <a:ext cx="1313351" cy="346760"/>
-          </a:xfrm>
-          <a:prstGeom prst="rect">
-            <a:avLst/>
-          </a:prstGeom>
-          <a:solidFill>
-            <a:srgbClr val="7030A0"/>
-          </a:solidFill>
-          <a:ln w="19050">
-            <a:solidFill>
-              <a:srgbClr val="7030A0"/>
-            </a:solidFill>
-          </a:ln>
-          <a:effectLst/>
-        </p:spPr>
-        <p:style>
-          <a:lnRef idx="1">
-            <a:schemeClr val="accent2"/>
-          </a:lnRef>
-          <a:fillRef idx="2">
-            <a:schemeClr val="accent2"/>
-          </a:fillRef>
-          <a:effectRef idx="1">
-            <a:schemeClr val="accent2"/>
-          </a:effectRef>
-          <a:fontRef idx="minor">
-            <a:schemeClr val="dk1"/>
-          </a:fontRef>
-        </p:style>
-        <p:txBody>
-          <a:bodyPr rtlCol="0" anchor="ctr"/>
-          <a:lstStyle/>
-          <a:p>
-            <a:pPr algn="ctr"/>
-            <a:r>
-              <a:rPr lang="en-US" sz="1050" dirty="0" err="1" smtClean="0">
-                <a:solidFill>
-                  <a:schemeClr val="bg1"/>
-                </a:solidFill>
-              </a:rPr>
-              <a:t>GradebookManager</a:t>
-            </a:r>
-            <a:endParaRPr lang="en-US" sz="1050" dirty="0" smtClean="0">
-              <a:solidFill>
-                <a:schemeClr val="bg1"/>
-              </a:solidFill>
-            </a:endParaRPr>
-          </a:p>
-        </p:txBody>
-      </p:sp>
-      <p:cxnSp>
-        <p:nvCxnSpPr>
-          <p:cNvPr id="387" name="Elbow Connector 122"/>
-          <p:cNvCxnSpPr/>
-          <p:nvPr/>
-        </p:nvCxnSpPr>
-        <p:spPr>
-          <a:xfrm>
-            <a:off x="349249" y="11193453"/>
-            <a:ext cx="1069844" cy="2860"/>
-          </a:xfrm>
-          <a:prstGeom prst="bentConnector3">
-            <a:avLst>
-              <a:gd name="adj1" fmla="val 50000"/>
-            </a:avLst>
-          </a:prstGeom>
-          <a:ln w="19050">
-            <a:solidFill>
-              <a:schemeClr val="bg1">
-                <a:lumMod val="75000"/>
-              </a:schemeClr>
-            </a:solidFill>
-            <a:prstDash val="sysDot"/>
-            <a:headEnd type="none" w="med" len="med"/>
-            <a:tailEnd type="arrow" w="med" len="med"/>
-          </a:ln>
-          <a:effectLst/>
-        </p:spPr>
-        <p:style>
-          <a:lnRef idx="1">
-            <a:schemeClr val="accent2"/>
-          </a:lnRef>
-          <a:fillRef idx="2">
-            <a:schemeClr val="accent2"/>
-          </a:fillRef>
-          <a:effectRef idx="1">
-            <a:schemeClr val="accent2"/>
-          </a:effectRef>
-          <a:fontRef idx="minor">
-            <a:schemeClr val="dk1"/>
-          </a:fontRef>
-        </p:style>
-      </p:cxnSp>
-      <p:cxnSp>
-        <p:nvCxnSpPr>
-          <p:cNvPr id="388" name="Straight Arrow Connector 387"/>
-          <p:cNvCxnSpPr>
-            <a:endCxn id="389" idx="1"/>
-          </p:cNvCxnSpPr>
-          <p:nvPr/>
-        </p:nvCxnSpPr>
-        <p:spPr>
-          <a:xfrm>
-            <a:off x="2001903" y="11229010"/>
-            <a:ext cx="254082" cy="0"/>
-          </a:xfrm>
-          <a:prstGeom prst="straightConnector1">
-            <a:avLst/>
-          </a:prstGeom>
-          <a:ln w="19050">
-            <a:solidFill>
-              <a:srgbClr val="7030A0"/>
-            </a:solidFill>
-            <a:headEnd type="none" w="med" len="med"/>
-            <a:tailEnd type="arrow" w="med" len="med"/>
-          </a:ln>
-          <a:effectLst/>
-        </p:spPr>
-        <p:style>
-          <a:lnRef idx="1">
-            <a:schemeClr val="accent2"/>
-          </a:lnRef>
-          <a:fillRef idx="2">
-            <a:schemeClr val="accent2"/>
-          </a:fillRef>
-          <a:effectRef idx="1">
-            <a:schemeClr val="accent2"/>
-          </a:effectRef>
-          <a:fontRef idx="minor">
-            <a:schemeClr val="dk1"/>
-          </a:fontRef>
-        </p:style>
-      </p:cxnSp>
-      <p:sp>
-        <p:nvSpPr>
-          <p:cNvPr id="389" name="Rectangle 8"/>
-          <p:cNvSpPr/>
-          <p:nvPr/>
-        </p:nvSpPr>
-        <p:spPr>
-          <a:xfrm>
-            <a:off x="2255985" y="11055630"/>
-            <a:ext cx="2253070" cy="346760"/>
-          </a:xfrm>
-          <a:prstGeom prst="rect">
-            <a:avLst/>
-          </a:prstGeom>
-          <a:ln w="19050">
-            <a:solidFill>
-              <a:srgbClr val="7030A0"/>
-            </a:solidFill>
-          </a:ln>
-          <a:effectLst/>
-        </p:spPr>
-        <p:style>
-          <a:lnRef idx="1">
-            <a:schemeClr val="accent4"/>
-          </a:lnRef>
-          <a:fillRef idx="2">
-            <a:schemeClr val="accent4"/>
-          </a:fillRef>
-          <a:effectRef idx="1">
-            <a:schemeClr val="accent4"/>
-          </a:effectRef>
-          <a:fontRef idx="minor">
-            <a:schemeClr val="dk1"/>
-          </a:fontRef>
-        </p:style>
-        <p:txBody>
-          <a:bodyPr rtlCol="0" anchor="ctr"/>
-          <a:lstStyle/>
-          <a:p>
-            <a:pPr algn="ctr"/>
-            <a:r>
-              <a:rPr lang="en-US" sz="1050" dirty="0" err="1" smtClean="0">
-                <a:solidFill>
-                  <a:srgbClr val="7030A0"/>
-                </a:solidFill>
-              </a:rPr>
-              <a:t>Gradebook</a:t>
-            </a:r>
-            <a:endParaRPr lang="en-SG" sz="1050" dirty="0">
-              <a:solidFill>
-                <a:srgbClr val="7030A0"/>
-              </a:solidFill>
-            </a:endParaRPr>
-          </a:p>
-        </p:txBody>
-      </p:sp>
-      <p:sp>
-        <p:nvSpPr>
-          <p:cNvPr id="390" name="TextBox 389"/>
-          <p:cNvSpPr txBox="1"/>
-          <p:nvPr/>
-        </p:nvSpPr>
-        <p:spPr>
-          <a:xfrm>
-            <a:off x="2074280" y="11067288"/>
-            <a:ext cx="170110" cy="137542"/>
-          </a:xfrm>
-          <a:prstGeom prst="rect">
-            <a:avLst/>
-          </a:prstGeom>
-          <a:noFill/>
-        </p:spPr>
-        <p:txBody>
-          <a:bodyPr wrap="square" lIns="0" tIns="0" rIns="0" bIns="0" rtlCol="0">
-            <a:noAutofit/>
-          </a:bodyPr>
-          <a:lstStyle/>
-          <a:p>
-            <a:pPr algn="ctr"/>
-            <a:r>
-              <a:rPr lang="en-US" sz="1100" dirty="0">
-                <a:solidFill>
-                  <a:srgbClr val="7030A0"/>
-                </a:solidFill>
-              </a:rPr>
-              <a:t>*</a:t>
-            </a:r>
-            <a:endParaRPr lang="en-SG" sz="1100" dirty="0">
-              <a:solidFill>
-                <a:srgbClr val="7030A0"/>
-              </a:solidFill>
-            </a:endParaRPr>
-          </a:p>
-        </p:txBody>
-      </p:sp>
-      <p:sp>
-        <p:nvSpPr>
-          <p:cNvPr id="391" name="Rectangle 8"/>
-          <p:cNvSpPr/>
-          <p:nvPr/>
-        </p:nvSpPr>
-        <p:spPr>
-          <a:xfrm>
-            <a:off x="2255985" y="11402390"/>
-            <a:ext cx="2253070" cy="637210"/>
-          </a:xfrm>
-          <a:prstGeom prst="rect">
-            <a:avLst/>
-          </a:prstGeom>
-          <a:ln w="19050">
-            <a:solidFill>
-              <a:srgbClr val="7030A0"/>
-            </a:solidFill>
-          </a:ln>
-          <a:effectLst/>
-        </p:spPr>
-        <p:style>
-          <a:lnRef idx="1">
-            <a:schemeClr val="accent4"/>
-          </a:lnRef>
-          <a:fillRef idx="2">
-            <a:schemeClr val="accent4"/>
-          </a:fillRef>
-          <a:effectRef idx="1">
-            <a:schemeClr val="accent4"/>
-          </a:effectRef>
-          <a:fontRef idx="minor">
-            <a:schemeClr val="dk1"/>
-          </a:fontRef>
-        </p:style>
-        <p:txBody>
-          <a:bodyPr rtlCol="0" anchor="ctr"/>
-          <a:lstStyle/>
-          <a:p>
-            <a:r>
-              <a:rPr lang="en-US" sz="800" dirty="0" smtClean="0">
-                <a:solidFill>
-                  <a:srgbClr val="7030A0"/>
-                </a:solidFill>
-              </a:rPr>
-              <a:t>-</a:t>
-            </a:r>
-            <a:r>
-              <a:rPr lang="en-US" sz="800" dirty="0" err="1" smtClean="0">
-                <a:solidFill>
-                  <a:srgbClr val="7030A0"/>
-                </a:solidFill>
-              </a:rPr>
-              <a:t>moduleCode</a:t>
-            </a:r>
-            <a:r>
-              <a:rPr lang="en-US" sz="800" dirty="0" smtClean="0">
-                <a:solidFill>
-                  <a:srgbClr val="7030A0"/>
-                </a:solidFill>
-              </a:rPr>
-              <a:t>: String</a:t>
-            </a:r>
-          </a:p>
-          <a:p>
-            <a:r>
-              <a:rPr lang="en-US" sz="800" dirty="0" smtClean="0">
-                <a:solidFill>
-                  <a:srgbClr val="7030A0"/>
-                </a:solidFill>
-              </a:rPr>
-              <a:t>-</a:t>
-            </a:r>
-            <a:r>
-              <a:rPr lang="en-US" sz="800" dirty="0" err="1" smtClean="0">
-                <a:solidFill>
-                  <a:srgbClr val="7030A0"/>
-                </a:solidFill>
-              </a:rPr>
-              <a:t>gradebookComponentName</a:t>
-            </a:r>
-            <a:r>
-              <a:rPr lang="en-US" sz="800" dirty="0" smtClean="0">
-                <a:solidFill>
-                  <a:srgbClr val="7030A0"/>
-                </a:solidFill>
-              </a:rPr>
-              <a:t>: String</a:t>
-            </a:r>
-          </a:p>
-          <a:p>
-            <a:r>
-              <a:rPr lang="en-US" sz="800" dirty="0" smtClean="0">
-                <a:solidFill>
-                  <a:srgbClr val="7030A0"/>
-                </a:solidFill>
-              </a:rPr>
-              <a:t>-</a:t>
-            </a:r>
-            <a:r>
-              <a:rPr lang="en-US" sz="800" dirty="0" err="1" smtClean="0">
-                <a:solidFill>
-                  <a:srgbClr val="7030A0"/>
-                </a:solidFill>
-              </a:rPr>
-              <a:t>gradebookMaxMarks</a:t>
-            </a:r>
-            <a:r>
-              <a:rPr lang="en-US" sz="800" dirty="0" smtClean="0">
-                <a:solidFill>
-                  <a:srgbClr val="7030A0"/>
-                </a:solidFill>
-              </a:rPr>
-              <a:t>: </a:t>
-            </a:r>
-            <a:r>
-              <a:rPr lang="en-US" sz="800" dirty="0" err="1" smtClean="0">
-                <a:solidFill>
-                  <a:srgbClr val="7030A0"/>
-                </a:solidFill>
-              </a:rPr>
-              <a:t>int</a:t>
-            </a:r>
-            <a:endParaRPr lang="en-US" sz="800" dirty="0" smtClean="0">
-              <a:solidFill>
-                <a:srgbClr val="7030A0"/>
-              </a:solidFill>
-            </a:endParaRPr>
-          </a:p>
-          <a:p>
-            <a:r>
-              <a:rPr lang="en-US" sz="800" dirty="0" smtClean="0">
-                <a:solidFill>
-                  <a:srgbClr val="7030A0"/>
-                </a:solidFill>
-              </a:rPr>
-              <a:t>-</a:t>
-            </a:r>
-            <a:r>
-              <a:rPr lang="en-US" sz="800" dirty="0" err="1" smtClean="0">
-                <a:solidFill>
-                  <a:srgbClr val="7030A0"/>
-                </a:solidFill>
-              </a:rPr>
-              <a:t>gradebookWeightage</a:t>
-            </a:r>
-            <a:r>
-              <a:rPr lang="en-US" sz="800" dirty="0" smtClean="0">
-                <a:solidFill>
-                  <a:srgbClr val="7030A0"/>
-                </a:solidFill>
-              </a:rPr>
-              <a:t>: </a:t>
-            </a:r>
-            <a:r>
-              <a:rPr lang="en-US" sz="800" dirty="0" err="1" smtClean="0">
-                <a:solidFill>
-                  <a:srgbClr val="7030A0"/>
-                </a:solidFill>
-              </a:rPr>
-              <a:t>int</a:t>
-            </a:r>
-            <a:endParaRPr lang="en-SG" sz="800" dirty="0">
-              <a:solidFill>
-                <a:srgbClr val="7030A0"/>
-              </a:solidFill>
-            </a:endParaRPr>
-          </a:p>
-        </p:txBody>
-      </p:sp>
-      <p:sp>
-        <p:nvSpPr>
-          <p:cNvPr id="392" name="Flowchart: Decision 96"/>
-          <p:cNvSpPr/>
-          <p:nvPr/>
-        </p:nvSpPr>
-        <p:spPr>
-          <a:xfrm>
-            <a:off x="1765856" y="11142320"/>
-            <a:ext cx="236048" cy="173380"/>
-          </a:xfrm>
-          <a:prstGeom prst="flowChartDecision">
-            <a:avLst/>
-          </a:prstGeom>
-          <a:solidFill>
-            <a:srgbClr val="7030A0"/>
-          </a:solidFill>
-          <a:ln w="19050">
-            <a:solidFill>
-              <a:srgbClr val="7030A0"/>
-            </a:solidFill>
-          </a:ln>
-          <a:effectLst/>
-        </p:spPr>
-        <p:style>
-          <a:lnRef idx="1">
-            <a:schemeClr val="accent6"/>
-          </a:lnRef>
-          <a:fillRef idx="2">
-            <a:schemeClr val="accent6"/>
-          </a:fillRef>
-          <a:effectRef idx="1">
-            <a:schemeClr val="accent6"/>
-          </a:effectRef>
-          <a:fontRef idx="minor">
-            <a:schemeClr val="dk1"/>
-          </a:fontRef>
-        </p:style>
-        <p:txBody>
-          <a:bodyPr rtlCol="0" anchor="ctr"/>
-          <a:lstStyle/>
-          <a:p>
-            <a:pPr algn="ctr"/>
-            <a:endParaRPr lang="en-US" sz="1050"/>
-          </a:p>
-        </p:txBody>
-      </p:sp>
-      <p:cxnSp>
-        <p:nvCxnSpPr>
-          <p:cNvPr id="469" name="Elbow Connector 468"/>
-          <p:cNvCxnSpPr>
-            <a:cxnSpLocks/>
-          </p:cNvCxnSpPr>
-          <p:nvPr/>
-        </p:nvCxnSpPr>
-        <p:spPr>
-          <a:xfrm>
-            <a:off x="4745206" y="10744200"/>
-            <a:ext cx="1321316" cy="6350"/>
-          </a:xfrm>
-          <a:prstGeom prst="straightConnector1">
-            <a:avLst/>
-          </a:prstGeom>
-          <a:ln w="19050">
-            <a:solidFill>
-              <a:srgbClr val="7030A0"/>
-            </a:solidFill>
-            <a:prstDash val="sysDot"/>
-            <a:headEnd type="none" w="med" len="med"/>
-            <a:tailEnd type="none" w="med" len="med"/>
-          </a:ln>
-          <a:effectLst/>
-        </p:spPr>
-        <p:style>
-          <a:lnRef idx="1">
-            <a:schemeClr val="accent2"/>
-          </a:lnRef>
-          <a:fillRef idx="2">
-            <a:schemeClr val="accent2"/>
-          </a:fillRef>
-          <a:effectRef idx="1">
-            <a:schemeClr val="accent2"/>
-          </a:effectRef>
-          <a:fontRef idx="minor">
-            <a:schemeClr val="dk1"/>
-          </a:fontRef>
-        </p:style>
-      </p:cxnSp>
-      <p:cxnSp>
-        <p:nvCxnSpPr>
-          <p:cNvPr id="478" name="Elbow Connector 477"/>
-          <p:cNvCxnSpPr>
-            <a:cxnSpLocks/>
-          </p:cNvCxnSpPr>
-          <p:nvPr/>
-        </p:nvCxnSpPr>
-        <p:spPr>
-          <a:xfrm flipV="1">
-            <a:off x="6058972" y="7239002"/>
-            <a:ext cx="1" cy="3511548"/>
-          </a:xfrm>
-          <a:prstGeom prst="straightConnector1">
-            <a:avLst/>
-          </a:prstGeom>
-          <a:ln w="19050">
-            <a:solidFill>
-              <a:srgbClr val="7030A0"/>
-            </a:solidFill>
-            <a:prstDash val="sysDot"/>
-            <a:headEnd type="none" w="med" len="med"/>
-            <a:tailEnd type="none" w="med" len="med"/>
-          </a:ln>
-          <a:effectLst/>
-        </p:spPr>
-        <p:style>
-          <a:lnRef idx="1">
-            <a:schemeClr val="accent2"/>
-          </a:lnRef>
-          <a:fillRef idx="2">
-            <a:schemeClr val="accent2"/>
-          </a:fillRef>
-          <a:effectRef idx="1">
-            <a:schemeClr val="accent2"/>
-          </a:effectRef>
-          <a:fontRef idx="minor">
-            <a:schemeClr val="dk1"/>
-          </a:fontRef>
-        </p:style>
-      </p:cxnSp>
-      <p:cxnSp>
-        <p:nvCxnSpPr>
-          <p:cNvPr id="486" name="Elbow Connector 485"/>
-          <p:cNvCxnSpPr>
-            <a:cxnSpLocks/>
-          </p:cNvCxnSpPr>
-          <p:nvPr/>
-        </p:nvCxnSpPr>
-        <p:spPr>
-          <a:xfrm flipH="1">
-            <a:off x="5089400" y="7235954"/>
-            <a:ext cx="969573" cy="0"/>
-          </a:xfrm>
-          <a:prstGeom prst="straightConnector1">
-            <a:avLst/>
-          </a:prstGeom>
-          <a:ln w="19050">
-            <a:solidFill>
-              <a:srgbClr val="7030A0"/>
-            </a:solidFill>
-            <a:prstDash val="sysDot"/>
-            <a:headEnd type="none" w="med" len="med"/>
-            <a:tailEnd type="arrow" w="med" len="med"/>
-          </a:ln>
-          <a:effectLst/>
-        </p:spPr>
-        <p:style>
-          <a:lnRef idx="1">
-            <a:schemeClr val="accent2"/>
-          </a:lnRef>
-          <a:fillRef idx="2">
-            <a:schemeClr val="accent2"/>
-          </a:fillRef>
-          <a:effectRef idx="1">
-            <a:schemeClr val="accent2"/>
-          </a:effectRef>
-          <a:fontRef idx="minor">
-            <a:schemeClr val="dk1"/>
-          </a:fontRef>
-        </p:style>
-      </p:cxnSp>
-      <p:sp>
-        <p:nvSpPr>
-          <p:cNvPr id="489" name="Rectangle 65"/>
-          <p:cNvSpPr/>
-          <p:nvPr/>
-        </p:nvSpPr>
-        <p:spPr>
-          <a:xfrm>
-            <a:off x="6312081" y="10134824"/>
-            <a:ext cx="3450589" cy="2362200"/>
-          </a:xfrm>
-          <a:prstGeom prst="roundRect">
-            <a:avLst>
-              <a:gd name="adj" fmla="val 3484"/>
-            </a:avLst>
-          </a:prstGeom>
-          <a:solidFill>
-            <a:schemeClr val="accent4">
-              <a:lumMod val="20000"/>
-              <a:lumOff val="80000"/>
-            </a:schemeClr>
-          </a:solidFill>
-          <a:ln w="19050">
-            <a:noFill/>
-          </a:ln>
-          <a:effectLst/>
-        </p:spPr>
-        <p:style>
-          <a:lnRef idx="1">
-            <a:schemeClr val="accent2"/>
-          </a:lnRef>
-          <a:fillRef idx="2">
-            <a:schemeClr val="accent2"/>
-          </a:fillRef>
-          <a:effectRef idx="1">
-            <a:schemeClr val="accent2"/>
-          </a:effectRef>
-          <a:fontRef idx="minor">
-            <a:schemeClr val="dk1"/>
-          </a:fontRef>
-        </p:style>
-        <p:txBody>
-          <a:bodyPr rtlCol="0" anchor="t"/>
-          <a:lstStyle/>
-          <a:p>
-            <a:r>
-              <a:rPr lang="en-US" sz="1200" b="1" dirty="0" smtClean="0">
-                <a:solidFill>
-                  <a:srgbClr val="7030A0"/>
-                </a:solidFill>
-              </a:rPr>
-              <a:t>Grade Model</a:t>
-            </a:r>
-            <a:endParaRPr lang="en-SG" sz="1200" b="1" dirty="0">
-              <a:solidFill>
-                <a:srgbClr val="7030A0"/>
-              </a:solidFill>
-            </a:endParaRPr>
-          </a:p>
-        </p:txBody>
-      </p:sp>
-      <p:sp>
-        <p:nvSpPr>
-          <p:cNvPr id="490" name="Rectangle 62"/>
-          <p:cNvSpPr/>
-          <p:nvPr/>
-        </p:nvSpPr>
-        <p:spPr>
-          <a:xfrm rot="16200000">
-            <a:off x="6002777" y="11056905"/>
-            <a:ext cx="1313351" cy="346760"/>
-          </a:xfrm>
-          <a:prstGeom prst="rect">
-            <a:avLst/>
-          </a:prstGeom>
-          <a:solidFill>
-            <a:srgbClr val="7030A0"/>
-          </a:solidFill>
-          <a:ln w="19050">
-            <a:solidFill>
-              <a:srgbClr val="7030A0"/>
-            </a:solidFill>
-          </a:ln>
-          <a:effectLst/>
-        </p:spPr>
-        <p:style>
-          <a:lnRef idx="1">
-            <a:schemeClr val="accent2"/>
-          </a:lnRef>
-          <a:fillRef idx="2">
-            <a:schemeClr val="accent2"/>
-          </a:fillRef>
-          <a:effectRef idx="1">
-            <a:schemeClr val="accent2"/>
-          </a:effectRef>
-          <a:fontRef idx="minor">
-            <a:schemeClr val="dk1"/>
-          </a:fontRef>
-        </p:style>
-        <p:txBody>
-          <a:bodyPr rtlCol="0" anchor="ctr"/>
-          <a:lstStyle/>
-          <a:p>
-            <a:pPr algn="ctr"/>
-            <a:r>
-              <a:rPr lang="en-US" sz="1050" dirty="0" err="1" smtClean="0">
-                <a:solidFill>
-                  <a:schemeClr val="bg1"/>
-                </a:solidFill>
-              </a:rPr>
-              <a:t>GradesManager</a:t>
-            </a:r>
-            <a:endParaRPr lang="en-US" sz="1050" dirty="0" smtClean="0">
-              <a:solidFill>
-                <a:schemeClr val="bg1"/>
-              </a:solidFill>
-            </a:endParaRPr>
-          </a:p>
-        </p:txBody>
-      </p:sp>
-      <p:cxnSp>
-        <p:nvCxnSpPr>
-          <p:cNvPr id="491" name="Elbow Connector 122"/>
-          <p:cNvCxnSpPr/>
-          <p:nvPr/>
-        </p:nvCxnSpPr>
-        <p:spPr>
-          <a:xfrm flipV="1">
-            <a:off x="349249" y="11199488"/>
-            <a:ext cx="6136821" cy="1449712"/>
-          </a:xfrm>
-          <a:prstGeom prst="bentConnector3">
-            <a:avLst>
-              <a:gd name="adj1" fmla="val 93011"/>
-            </a:avLst>
-          </a:prstGeom>
-          <a:ln w="19050">
-            <a:solidFill>
-              <a:schemeClr val="bg1">
-                <a:lumMod val="75000"/>
-              </a:schemeClr>
-            </a:solidFill>
-            <a:prstDash val="sysDot"/>
-            <a:headEnd type="none" w="med" len="med"/>
-            <a:tailEnd type="arrow" w="med" len="med"/>
-          </a:ln>
-          <a:effectLst/>
-        </p:spPr>
-        <p:style>
-          <a:lnRef idx="1">
-            <a:schemeClr val="accent2"/>
-          </a:lnRef>
-          <a:fillRef idx="2">
-            <a:schemeClr val="accent2"/>
-          </a:fillRef>
-          <a:effectRef idx="1">
-            <a:schemeClr val="accent2"/>
-          </a:effectRef>
-          <a:fontRef idx="minor">
-            <a:schemeClr val="dk1"/>
-          </a:fontRef>
-        </p:style>
-      </p:cxnSp>
-      <p:cxnSp>
-        <p:nvCxnSpPr>
-          <p:cNvPr id="492" name="Straight Arrow Connector 491"/>
-          <p:cNvCxnSpPr>
-            <a:endCxn id="493" idx="1"/>
-          </p:cNvCxnSpPr>
-          <p:nvPr/>
-        </p:nvCxnSpPr>
-        <p:spPr>
-          <a:xfrm>
-            <a:off x="7068880" y="11232185"/>
-            <a:ext cx="254082" cy="0"/>
-          </a:xfrm>
-          <a:prstGeom prst="straightConnector1">
-            <a:avLst/>
-          </a:prstGeom>
-          <a:ln w="19050">
-            <a:solidFill>
-              <a:srgbClr val="7030A0"/>
-            </a:solidFill>
-            <a:headEnd type="none" w="med" len="med"/>
-            <a:tailEnd type="arrow" w="med" len="med"/>
-          </a:ln>
-          <a:effectLst/>
-        </p:spPr>
-        <p:style>
-          <a:lnRef idx="1">
-            <a:schemeClr val="accent2"/>
-          </a:lnRef>
-          <a:fillRef idx="2">
-            <a:schemeClr val="accent2"/>
-          </a:fillRef>
-          <a:effectRef idx="1">
-            <a:schemeClr val="accent2"/>
-          </a:effectRef>
-          <a:fontRef idx="minor">
-            <a:schemeClr val="dk1"/>
-          </a:fontRef>
-        </p:style>
-      </p:cxnSp>
-      <p:sp>
-        <p:nvSpPr>
-          <p:cNvPr id="493" name="Rectangle 8"/>
-          <p:cNvSpPr/>
-          <p:nvPr/>
-        </p:nvSpPr>
-        <p:spPr>
-          <a:xfrm>
-            <a:off x="7322962" y="11058805"/>
-            <a:ext cx="1948270" cy="346760"/>
-          </a:xfrm>
-          <a:prstGeom prst="rect">
-            <a:avLst/>
-          </a:prstGeom>
-          <a:ln w="19050">
-            <a:solidFill>
-              <a:srgbClr val="7030A0"/>
-            </a:solidFill>
-          </a:ln>
-          <a:effectLst/>
-        </p:spPr>
-        <p:style>
-          <a:lnRef idx="1">
-            <a:schemeClr val="accent4"/>
-          </a:lnRef>
-          <a:fillRef idx="2">
-            <a:schemeClr val="accent4"/>
-          </a:fillRef>
-          <a:effectRef idx="1">
-            <a:schemeClr val="accent4"/>
-          </a:effectRef>
-          <a:fontRef idx="minor">
-            <a:schemeClr val="dk1"/>
-          </a:fontRef>
-        </p:style>
-        <p:txBody>
-          <a:bodyPr rtlCol="0" anchor="ctr"/>
-          <a:lstStyle/>
-          <a:p>
-            <a:pPr algn="ctr"/>
-            <a:r>
-              <a:rPr lang="en-US" sz="1050" dirty="0" smtClean="0">
-                <a:solidFill>
-                  <a:srgbClr val="7030A0"/>
-                </a:solidFill>
-              </a:rPr>
-              <a:t>Grades</a:t>
-            </a:r>
-            <a:endParaRPr lang="en-SG" sz="1050" dirty="0">
-              <a:solidFill>
-                <a:srgbClr val="7030A0"/>
-              </a:solidFill>
-            </a:endParaRPr>
-          </a:p>
-        </p:txBody>
-      </p:sp>
-      <p:sp>
-        <p:nvSpPr>
-          <p:cNvPr id="494" name="TextBox 493"/>
-          <p:cNvSpPr txBox="1"/>
-          <p:nvPr/>
-        </p:nvSpPr>
-        <p:spPr>
-          <a:xfrm>
-            <a:off x="7141257" y="11070463"/>
-            <a:ext cx="170110" cy="137542"/>
-          </a:xfrm>
-          <a:prstGeom prst="rect">
-            <a:avLst/>
-          </a:prstGeom>
-          <a:noFill/>
-        </p:spPr>
-        <p:txBody>
-          <a:bodyPr wrap="square" lIns="0" tIns="0" rIns="0" bIns="0" rtlCol="0">
-            <a:noAutofit/>
-          </a:bodyPr>
-          <a:lstStyle/>
-          <a:p>
-            <a:pPr algn="ctr"/>
-            <a:r>
-              <a:rPr lang="en-US" sz="1100" dirty="0">
-                <a:solidFill>
-                  <a:srgbClr val="7030A0"/>
-                </a:solidFill>
-              </a:rPr>
-              <a:t>*</a:t>
-            </a:r>
-            <a:endParaRPr lang="en-SG" sz="1100" dirty="0">
-              <a:solidFill>
-                <a:srgbClr val="7030A0"/>
-              </a:solidFill>
-            </a:endParaRPr>
-          </a:p>
-        </p:txBody>
-      </p:sp>
-      <p:sp>
-        <p:nvSpPr>
-          <p:cNvPr id="495" name="Rectangle 8"/>
-          <p:cNvSpPr/>
-          <p:nvPr/>
-        </p:nvSpPr>
-        <p:spPr>
-          <a:xfrm>
-            <a:off x="7322962" y="11405566"/>
-            <a:ext cx="1948270" cy="637210"/>
-          </a:xfrm>
-          <a:prstGeom prst="rect">
-            <a:avLst/>
-          </a:prstGeom>
-          <a:ln w="19050">
-            <a:solidFill>
-              <a:srgbClr val="7030A0"/>
-            </a:solidFill>
-          </a:ln>
-          <a:effectLst/>
-        </p:spPr>
-        <p:style>
-          <a:lnRef idx="1">
-            <a:schemeClr val="accent4"/>
-          </a:lnRef>
-          <a:fillRef idx="2">
-            <a:schemeClr val="accent4"/>
-          </a:fillRef>
-          <a:effectRef idx="1">
-            <a:schemeClr val="accent4"/>
-          </a:effectRef>
-          <a:fontRef idx="minor">
-            <a:schemeClr val="dk1"/>
-          </a:fontRef>
-        </p:style>
-        <p:txBody>
-          <a:bodyPr rtlCol="0" anchor="ctr"/>
-          <a:lstStyle/>
-          <a:p>
-            <a:r>
-              <a:rPr lang="en-US" sz="800" dirty="0" smtClean="0">
-                <a:solidFill>
-                  <a:srgbClr val="7030A0"/>
-                </a:solidFill>
-              </a:rPr>
-              <a:t>-</a:t>
-            </a:r>
-            <a:r>
-              <a:rPr lang="en-US" sz="800" dirty="0" err="1" smtClean="0">
-                <a:solidFill>
-                  <a:srgbClr val="7030A0"/>
-                </a:solidFill>
-              </a:rPr>
-              <a:t>moduleCode</a:t>
-            </a:r>
-            <a:r>
-              <a:rPr lang="en-US" sz="800" dirty="0" smtClean="0">
-                <a:solidFill>
-                  <a:srgbClr val="7030A0"/>
-                </a:solidFill>
-              </a:rPr>
-              <a:t>: String</a:t>
-            </a:r>
-          </a:p>
-          <a:p>
-            <a:r>
-              <a:rPr lang="en-US" sz="800" dirty="0">
-                <a:solidFill>
-                  <a:srgbClr val="7030A0"/>
-                </a:solidFill>
-              </a:rPr>
-              <a:t>-</a:t>
-            </a:r>
-            <a:r>
-              <a:rPr lang="en-US" sz="800" dirty="0" err="1" smtClean="0">
-                <a:solidFill>
-                  <a:srgbClr val="7030A0"/>
-                </a:solidFill>
-              </a:rPr>
-              <a:t>gradeComponentName</a:t>
-            </a:r>
-            <a:r>
-              <a:rPr lang="en-US" sz="800" dirty="0" smtClean="0">
-                <a:solidFill>
-                  <a:srgbClr val="7030A0"/>
-                </a:solidFill>
-              </a:rPr>
-              <a:t>: String</a:t>
-            </a:r>
-          </a:p>
-          <a:p>
-            <a:r>
-              <a:rPr lang="en-US" sz="800" dirty="0" smtClean="0">
-                <a:solidFill>
-                  <a:srgbClr val="7030A0"/>
-                </a:solidFill>
-              </a:rPr>
-              <a:t>-</a:t>
-            </a:r>
-            <a:r>
-              <a:rPr lang="en-US" sz="800" dirty="0" err="1" smtClean="0">
-                <a:solidFill>
-                  <a:srgbClr val="7030A0"/>
-                </a:solidFill>
-              </a:rPr>
-              <a:t>adminNo</a:t>
-            </a:r>
-            <a:r>
-              <a:rPr lang="en-US" sz="800" dirty="0" smtClean="0">
-                <a:solidFill>
-                  <a:srgbClr val="7030A0"/>
-                </a:solidFill>
-              </a:rPr>
-              <a:t>: String</a:t>
-            </a:r>
-          </a:p>
-          <a:p>
-            <a:r>
-              <a:rPr lang="en-US" sz="800" dirty="0" smtClean="0">
-                <a:solidFill>
-                  <a:srgbClr val="7030A0"/>
-                </a:solidFill>
-              </a:rPr>
-              <a:t>-marks: float</a:t>
-            </a:r>
-            <a:endParaRPr lang="en-SG" sz="800" dirty="0">
-              <a:solidFill>
-                <a:srgbClr val="7030A0"/>
-              </a:solidFill>
-            </a:endParaRPr>
-          </a:p>
-        </p:txBody>
-      </p:sp>
-      <p:sp>
-        <p:nvSpPr>
-          <p:cNvPr id="496" name="Flowchart: Decision 96"/>
-          <p:cNvSpPr/>
-          <p:nvPr/>
-        </p:nvSpPr>
-        <p:spPr>
-          <a:xfrm>
-            <a:off x="6832833" y="11139234"/>
-            <a:ext cx="236048" cy="173380"/>
-          </a:xfrm>
-          <a:prstGeom prst="flowChartDecision">
-            <a:avLst/>
-          </a:prstGeom>
-          <a:solidFill>
-            <a:srgbClr val="7030A0"/>
-          </a:solidFill>
-          <a:ln w="19050">
-            <a:solidFill>
-              <a:srgbClr val="7030A0"/>
-            </a:solidFill>
-          </a:ln>
-          <a:effectLst/>
-        </p:spPr>
-        <p:style>
-          <a:lnRef idx="1">
-            <a:schemeClr val="accent6"/>
-          </a:lnRef>
-          <a:fillRef idx="2">
-            <a:schemeClr val="accent6"/>
-          </a:fillRef>
-          <a:effectRef idx="1">
-            <a:schemeClr val="accent6"/>
-          </a:effectRef>
-          <a:fontRef idx="minor">
-            <a:schemeClr val="dk1"/>
-          </a:fontRef>
-        </p:style>
-        <p:txBody>
-          <a:bodyPr rtlCol="0" anchor="ctr"/>
-          <a:lstStyle/>
-          <a:p>
-            <a:pPr algn="ctr"/>
-            <a:endParaRPr lang="en-US" sz="1050"/>
-          </a:p>
-        </p:txBody>
-      </p:sp>
-      <p:cxnSp>
-        <p:nvCxnSpPr>
-          <p:cNvPr id="498" name="Elbow Connector 497"/>
-          <p:cNvCxnSpPr>
-            <a:cxnSpLocks/>
-            <a:stCxn id="489" idx="0"/>
-          </p:cNvCxnSpPr>
-          <p:nvPr/>
-        </p:nvCxnSpPr>
-        <p:spPr>
-          <a:xfrm flipH="1" flipV="1">
-            <a:off x="8037375" y="5459425"/>
-            <a:ext cx="1" cy="4675399"/>
-          </a:xfrm>
-          <a:prstGeom prst="straightConnector1">
-            <a:avLst/>
-          </a:prstGeom>
-          <a:ln w="19050">
-            <a:solidFill>
-              <a:srgbClr val="7030A0"/>
-            </a:solidFill>
-            <a:prstDash val="sysDot"/>
-            <a:headEnd type="none" w="med" len="med"/>
-            <a:tailEnd type="arrow" w="med" len="med"/>
-          </a:ln>
-          <a:effectLst/>
-        </p:spPr>
-        <p:style>
-          <a:lnRef idx="1">
-            <a:schemeClr val="accent2"/>
-          </a:lnRef>
-          <a:fillRef idx="2">
-            <a:schemeClr val="accent2"/>
-          </a:fillRef>
-          <a:effectRef idx="1">
-            <a:schemeClr val="accent2"/>
-          </a:effectRef>
-          <a:fontRef idx="minor">
-            <a:schemeClr val="dk1"/>
-          </a:fontRef>
-        </p:style>
-      </p:cxnSp>
-      <p:cxnSp>
-        <p:nvCxnSpPr>
-          <p:cNvPr id="505" name="Elbow Connector 504"/>
-          <p:cNvCxnSpPr>
-            <a:cxnSpLocks/>
-            <a:stCxn id="489" idx="1"/>
-            <a:endCxn id="385" idx="3"/>
-          </p:cNvCxnSpPr>
-          <p:nvPr/>
-        </p:nvCxnSpPr>
-        <p:spPr>
-          <a:xfrm rot="10800000">
-            <a:off x="4737657" y="11315700"/>
-            <a:ext cx="1574425" cy="224"/>
-          </a:xfrm>
-          <a:prstGeom prst="bentConnector3">
-            <a:avLst>
-              <a:gd name="adj1" fmla="val 50000"/>
-            </a:avLst>
-          </a:prstGeom>
-          <a:ln w="19050">
-            <a:solidFill>
-              <a:srgbClr val="7030A0"/>
-            </a:solidFill>
-            <a:prstDash val="sysDot"/>
-            <a:headEnd type="none" w="med" len="med"/>
-            <a:tailEnd type="arrow" w="med" len="med"/>
-          </a:ln>
-          <a:effectLst/>
-        </p:spPr>
-        <p:style>
-          <a:lnRef idx="1">
-            <a:schemeClr val="accent2"/>
-          </a:lnRef>
-          <a:fillRef idx="2">
-            <a:schemeClr val="accent2"/>
-          </a:fillRef>
-          <a:effectRef idx="1">
-            <a:schemeClr val="accent2"/>
-          </a:effectRef>
-          <a:fontRef idx="minor">
-            <a:schemeClr val="dk1"/>
-          </a:fontRef>
-        </p:style>
-      </p:cxnSp>
-      <p:cxnSp>
-        <p:nvCxnSpPr>
-          <p:cNvPr id="509" name="Elbow Connector 497"/>
-          <p:cNvCxnSpPr>
-            <a:cxnSpLocks/>
-          </p:cNvCxnSpPr>
-          <p:nvPr/>
-        </p:nvCxnSpPr>
-        <p:spPr>
-          <a:xfrm rot="16200000" flipV="1">
-            <a:off x="4795277" y="7286809"/>
-            <a:ext cx="3141916" cy="2553666"/>
-          </a:xfrm>
-          <a:prstGeom prst="bentConnector3">
-            <a:avLst>
-              <a:gd name="adj1" fmla="val 99961"/>
-            </a:avLst>
-          </a:prstGeom>
-          <a:ln w="19050">
-            <a:solidFill>
-              <a:srgbClr val="7030A0"/>
-            </a:solidFill>
-            <a:prstDash val="sysDot"/>
-            <a:headEnd type="none" w="med" len="med"/>
-            <a:tailEnd type="arrow" w="med" len="med"/>
-          </a:ln>
-          <a:effectLst/>
-        </p:spPr>
-        <p:style>
-          <a:lnRef idx="1">
-            <a:schemeClr val="accent2"/>
-          </a:lnRef>
-          <a:fillRef idx="2">
-            <a:schemeClr val="accent2"/>
-          </a:fillRef>
-          <a:effectRef idx="1">
-            <a:schemeClr val="accent2"/>
-          </a:effectRef>
-          <a:fontRef idx="minor">
-            <a:schemeClr val="dk1"/>
-          </a:fontRef>
-        </p:style>
-      </p:cxnSp>
-      <p:sp>
-        <p:nvSpPr>
-          <p:cNvPr id="516" name="Rectangle 65"/>
-          <p:cNvSpPr/>
-          <p:nvPr/>
-        </p:nvSpPr>
-        <p:spPr>
-          <a:xfrm>
-            <a:off x="1179244" y="12725400"/>
-            <a:ext cx="3711693" cy="2252532"/>
-          </a:xfrm>
-          <a:prstGeom prst="roundRect">
-            <a:avLst>
-              <a:gd name="adj" fmla="val 3484"/>
-            </a:avLst>
-          </a:prstGeom>
-          <a:solidFill>
-            <a:schemeClr val="accent4">
-              <a:lumMod val="20000"/>
-              <a:lumOff val="80000"/>
-            </a:schemeClr>
-          </a:solidFill>
-          <a:ln w="19050">
-            <a:noFill/>
-          </a:ln>
-          <a:effectLst/>
-        </p:spPr>
-        <p:style>
-          <a:lnRef idx="1">
-            <a:schemeClr val="accent2"/>
-          </a:lnRef>
-          <a:fillRef idx="2">
-            <a:schemeClr val="accent2"/>
-          </a:fillRef>
-          <a:effectRef idx="1">
-            <a:schemeClr val="accent2"/>
-          </a:effectRef>
-          <a:fontRef idx="minor">
-            <a:schemeClr val="dk1"/>
-          </a:fontRef>
-        </p:style>
-        <p:txBody>
-          <a:bodyPr rtlCol="0" anchor="t"/>
-          <a:lstStyle/>
-          <a:p>
-            <a:r>
-              <a:rPr lang="en-US" sz="1200" b="1" dirty="0" smtClean="0">
-                <a:solidFill>
-                  <a:srgbClr val="7030A0"/>
-                </a:solidFill>
-              </a:rPr>
-              <a:t>Note Model</a:t>
-            </a:r>
-            <a:endParaRPr lang="en-SG" sz="1200" b="1" dirty="0">
-              <a:solidFill>
-                <a:srgbClr val="7030A0"/>
-              </a:solidFill>
-            </a:endParaRPr>
-          </a:p>
-        </p:txBody>
-      </p:sp>
-      <p:sp>
-        <p:nvSpPr>
-          <p:cNvPr id="517" name="Rectangle 62"/>
-          <p:cNvSpPr/>
-          <p:nvPr/>
-        </p:nvSpPr>
-        <p:spPr>
-          <a:xfrm rot="16200000">
-            <a:off x="1089530" y="13739495"/>
-            <a:ext cx="1093635" cy="346760"/>
-          </a:xfrm>
-          <a:prstGeom prst="rect">
-            <a:avLst/>
-          </a:prstGeom>
-          <a:solidFill>
-            <a:srgbClr val="7030A0"/>
-          </a:solidFill>
-          <a:ln w="19050">
-            <a:solidFill>
-              <a:srgbClr val="7030A0"/>
-            </a:solidFill>
-          </a:ln>
-          <a:effectLst/>
-        </p:spPr>
-        <p:style>
-          <a:lnRef idx="1">
-            <a:schemeClr val="accent2"/>
-          </a:lnRef>
-          <a:fillRef idx="2">
-            <a:schemeClr val="accent2"/>
-          </a:fillRef>
-          <a:effectRef idx="1">
-            <a:schemeClr val="accent2"/>
-          </a:effectRef>
-          <a:fontRef idx="minor">
-            <a:schemeClr val="dk1"/>
-          </a:fontRef>
-        </p:style>
-        <p:txBody>
-          <a:bodyPr rtlCol="0" anchor="ctr"/>
-          <a:lstStyle/>
-          <a:p>
-            <a:pPr algn="ctr"/>
-            <a:r>
-              <a:rPr lang="en-US" sz="1050" dirty="0" err="1" smtClean="0">
-                <a:solidFill>
-                  <a:schemeClr val="bg1"/>
-                </a:solidFill>
-              </a:rPr>
-              <a:t>NoteManager</a:t>
-            </a:r>
-            <a:endParaRPr lang="en-US" sz="1050" dirty="0" smtClean="0">
-              <a:solidFill>
-                <a:schemeClr val="bg1"/>
-              </a:solidFill>
-            </a:endParaRPr>
-          </a:p>
-        </p:txBody>
-      </p:sp>
-      <p:cxnSp>
-        <p:nvCxnSpPr>
-          <p:cNvPr id="518" name="Elbow Connector 517"/>
-          <p:cNvCxnSpPr>
-            <a:cxnSpLocks/>
-            <a:stCxn id="517" idx="1"/>
-            <a:endCxn id="520" idx="2"/>
-          </p:cNvCxnSpPr>
-          <p:nvPr/>
-        </p:nvCxnSpPr>
-        <p:spPr>
-          <a:xfrm rot="5400000" flipH="1" flipV="1">
-            <a:off x="1965527" y="13771269"/>
-            <a:ext cx="359245" cy="1017604"/>
-          </a:xfrm>
-          <a:prstGeom prst="bentConnector3">
-            <a:avLst>
-              <a:gd name="adj1" fmla="val -80719"/>
-            </a:avLst>
-          </a:prstGeom>
-          <a:ln w="19050">
-            <a:solidFill>
-              <a:srgbClr val="7030A0"/>
-            </a:solidFill>
-            <a:prstDash val="solid"/>
-            <a:headEnd type="none" w="med" len="med"/>
-            <a:tailEnd type="arrow" w="med" len="med"/>
-          </a:ln>
-          <a:effectLst/>
-        </p:spPr>
-        <p:style>
-          <a:lnRef idx="1">
-            <a:schemeClr val="accent2"/>
-          </a:lnRef>
-          <a:fillRef idx="2">
-            <a:schemeClr val="accent2"/>
-          </a:fillRef>
-          <a:effectRef idx="1">
-            <a:schemeClr val="accent2"/>
-          </a:effectRef>
-          <a:fontRef idx="minor">
-            <a:schemeClr val="dk1"/>
-          </a:fontRef>
-        </p:style>
-      </p:cxnSp>
-      <p:cxnSp>
-        <p:nvCxnSpPr>
-          <p:cNvPr id="519" name="Straight Arrow Connector 518"/>
-          <p:cNvCxnSpPr>
-            <a:endCxn id="520" idx="1"/>
-          </p:cNvCxnSpPr>
-          <p:nvPr/>
-        </p:nvCxnSpPr>
-        <p:spPr>
-          <a:xfrm>
-            <a:off x="2045776" y="13927068"/>
-            <a:ext cx="254083" cy="0"/>
-          </a:xfrm>
-          <a:prstGeom prst="straightConnector1">
-            <a:avLst/>
-          </a:prstGeom>
-          <a:ln w="19050">
-            <a:solidFill>
-              <a:srgbClr val="7030A0"/>
-            </a:solidFill>
-            <a:headEnd type="none" w="med" len="med"/>
-            <a:tailEnd type="arrow" w="med" len="med"/>
-          </a:ln>
-          <a:effectLst/>
-        </p:spPr>
-        <p:style>
-          <a:lnRef idx="1">
-            <a:schemeClr val="accent2"/>
-          </a:lnRef>
-          <a:fillRef idx="2">
-            <a:schemeClr val="accent2"/>
-          </a:fillRef>
-          <a:effectRef idx="1">
-            <a:schemeClr val="accent2"/>
-          </a:effectRef>
-          <a:fontRef idx="minor">
-            <a:schemeClr val="dk1"/>
-          </a:fontRef>
-        </p:style>
-      </p:cxnSp>
-      <p:sp>
-        <p:nvSpPr>
-          <p:cNvPr id="520" name="Rectangle 8"/>
-          <p:cNvSpPr/>
-          <p:nvPr/>
-        </p:nvSpPr>
-        <p:spPr>
-          <a:xfrm>
-            <a:off x="2299859" y="13753688"/>
-            <a:ext cx="708186" cy="346760"/>
-          </a:xfrm>
-          <a:prstGeom prst="rect">
-            <a:avLst/>
-          </a:prstGeom>
-          <a:ln w="19050">
-            <a:solidFill>
-              <a:srgbClr val="7030A0"/>
-            </a:solidFill>
-          </a:ln>
-          <a:effectLst/>
-        </p:spPr>
-        <p:style>
-          <a:lnRef idx="1">
-            <a:schemeClr val="accent4"/>
-          </a:lnRef>
-          <a:fillRef idx="2">
-            <a:schemeClr val="accent4"/>
-          </a:fillRef>
-          <a:effectRef idx="1">
-            <a:schemeClr val="accent4"/>
-          </a:effectRef>
-          <a:fontRef idx="minor">
-            <a:schemeClr val="dk1"/>
-          </a:fontRef>
-        </p:style>
-        <p:txBody>
-          <a:bodyPr rtlCol="0" anchor="ctr"/>
-          <a:lstStyle/>
-          <a:p>
-            <a:pPr algn="ctr"/>
-            <a:r>
-              <a:rPr lang="en-US" sz="1050" dirty="0" smtClean="0">
-                <a:solidFill>
-                  <a:srgbClr val="7030A0"/>
-                </a:solidFill>
-              </a:rPr>
-              <a:t>Note</a:t>
-            </a:r>
-            <a:endParaRPr lang="en-SG" sz="1050" dirty="0">
-              <a:solidFill>
-                <a:srgbClr val="7030A0"/>
-              </a:solidFill>
-            </a:endParaRPr>
-          </a:p>
-        </p:txBody>
-      </p:sp>
-      <p:sp>
-        <p:nvSpPr>
-          <p:cNvPr id="521" name="Rectangle 8"/>
-          <p:cNvSpPr/>
-          <p:nvPr/>
-        </p:nvSpPr>
-        <p:spPr>
-          <a:xfrm>
-            <a:off x="3703495" y="13137073"/>
-            <a:ext cx="925631" cy="285783"/>
-          </a:xfrm>
-          <a:prstGeom prst="rect">
-            <a:avLst/>
-          </a:prstGeom>
-          <a:ln w="19050">
-            <a:solidFill>
-              <a:srgbClr val="7030A0"/>
-            </a:solidFill>
-          </a:ln>
-          <a:effectLst/>
-        </p:spPr>
-        <p:style>
-          <a:lnRef idx="1">
-            <a:schemeClr val="accent4"/>
-          </a:lnRef>
-          <a:fillRef idx="2">
-            <a:schemeClr val="accent4"/>
-          </a:fillRef>
-          <a:effectRef idx="1">
-            <a:schemeClr val="accent4"/>
-          </a:effectRef>
-          <a:fontRef idx="minor">
-            <a:schemeClr val="dk1"/>
-          </a:fontRef>
-        </p:style>
-        <p:txBody>
-          <a:bodyPr rtlCol="0" anchor="ctr"/>
-          <a:lstStyle/>
-          <a:p>
-            <a:pPr algn="ctr"/>
-            <a:r>
-              <a:rPr lang="en-US" sz="1050" dirty="0" err="1" smtClean="0">
-                <a:solidFill>
-                  <a:srgbClr val="7030A0"/>
-                </a:solidFill>
-              </a:rPr>
-              <a:t>NoteTitle</a:t>
-            </a:r>
-            <a:endParaRPr lang="en-SG" sz="1050" dirty="0">
-              <a:solidFill>
-                <a:srgbClr val="7030A0"/>
-              </a:solidFill>
-            </a:endParaRPr>
-          </a:p>
-        </p:txBody>
-      </p:sp>
-      <p:sp>
-        <p:nvSpPr>
-          <p:cNvPr id="522" name="Flowchart: Decision 96"/>
-          <p:cNvSpPr/>
-          <p:nvPr/>
-        </p:nvSpPr>
-        <p:spPr>
-          <a:xfrm>
-            <a:off x="3033046" y="13840378"/>
-            <a:ext cx="236048" cy="173380"/>
-          </a:xfrm>
-          <a:prstGeom prst="flowChartDecision">
-            <a:avLst/>
-          </a:prstGeom>
-          <a:solidFill>
-            <a:srgbClr val="7030A0"/>
-          </a:solidFill>
-          <a:ln w="19050">
-            <a:solidFill>
-              <a:srgbClr val="7030A0"/>
-            </a:solidFill>
-          </a:ln>
-          <a:effectLst/>
-        </p:spPr>
-        <p:style>
-          <a:lnRef idx="1">
-            <a:schemeClr val="accent6"/>
-          </a:lnRef>
-          <a:fillRef idx="2">
-            <a:schemeClr val="accent6"/>
-          </a:fillRef>
-          <a:effectRef idx="1">
-            <a:schemeClr val="accent6"/>
-          </a:effectRef>
-          <a:fontRef idx="minor">
-            <a:schemeClr val="dk1"/>
-          </a:fontRef>
-        </p:style>
-        <p:txBody>
-          <a:bodyPr rtlCol="0" anchor="ctr"/>
-          <a:lstStyle/>
-          <a:p>
-            <a:pPr algn="ctr"/>
-            <a:endParaRPr lang="en-US" sz="1050"/>
-          </a:p>
-        </p:txBody>
-      </p:sp>
-      <p:cxnSp>
-        <p:nvCxnSpPr>
-          <p:cNvPr id="523" name="Elbow Connector 522"/>
-          <p:cNvCxnSpPr>
-            <a:cxnSpLocks/>
-            <a:stCxn id="522" idx="3"/>
-            <a:endCxn id="521" idx="1"/>
-          </p:cNvCxnSpPr>
-          <p:nvPr/>
-        </p:nvCxnSpPr>
-        <p:spPr>
-          <a:xfrm flipV="1">
-            <a:off x="3269094" y="13279965"/>
-            <a:ext cx="434401" cy="647103"/>
-          </a:xfrm>
-          <a:prstGeom prst="bentConnector3">
-            <a:avLst>
-              <a:gd name="adj1" fmla="val 50000"/>
-            </a:avLst>
-          </a:prstGeom>
-          <a:ln w="19050">
-            <a:solidFill>
-              <a:srgbClr val="7030A0"/>
-            </a:solidFill>
-            <a:headEnd type="none" w="med" len="med"/>
-            <a:tailEnd type="arrow" w="med" len="med"/>
-          </a:ln>
-          <a:effectLst/>
-        </p:spPr>
-        <p:style>
-          <a:lnRef idx="1">
-            <a:schemeClr val="accent2"/>
-          </a:lnRef>
-          <a:fillRef idx="2">
-            <a:schemeClr val="accent2"/>
-          </a:fillRef>
-          <a:effectRef idx="1">
-            <a:schemeClr val="accent2"/>
-          </a:effectRef>
-          <a:fontRef idx="minor">
-            <a:schemeClr val="dk1"/>
-          </a:fontRef>
-        </p:style>
-      </p:cxnSp>
-      <p:sp>
-        <p:nvSpPr>
-          <p:cNvPr id="524" name="Rectangle 8"/>
-          <p:cNvSpPr/>
-          <p:nvPr/>
-        </p:nvSpPr>
-        <p:spPr>
-          <a:xfrm>
-            <a:off x="3703495" y="13460051"/>
-            <a:ext cx="925631" cy="285783"/>
-          </a:xfrm>
-          <a:prstGeom prst="rect">
-            <a:avLst/>
-          </a:prstGeom>
-          <a:ln w="19050">
-            <a:solidFill>
-              <a:srgbClr val="7030A0"/>
-            </a:solidFill>
-          </a:ln>
-          <a:effectLst/>
-        </p:spPr>
-        <p:style>
-          <a:lnRef idx="1">
-            <a:schemeClr val="accent4"/>
-          </a:lnRef>
-          <a:fillRef idx="2">
-            <a:schemeClr val="accent4"/>
-          </a:fillRef>
-          <a:effectRef idx="1">
-            <a:schemeClr val="accent4"/>
-          </a:effectRef>
-          <a:fontRef idx="minor">
-            <a:schemeClr val="dk1"/>
-          </a:fontRef>
-        </p:style>
-        <p:txBody>
-          <a:bodyPr rtlCol="0" anchor="ctr"/>
-          <a:lstStyle/>
-          <a:p>
-            <a:pPr algn="ctr"/>
-            <a:r>
-              <a:rPr lang="en-US" sz="1050" dirty="0" err="1" smtClean="0">
-                <a:solidFill>
-                  <a:srgbClr val="7030A0"/>
-                </a:solidFill>
-              </a:rPr>
-              <a:t>NoteDate</a:t>
-            </a:r>
-            <a:endParaRPr lang="en-SG" sz="1050" dirty="0">
-              <a:solidFill>
-                <a:srgbClr val="7030A0"/>
-              </a:solidFill>
-            </a:endParaRPr>
-          </a:p>
-        </p:txBody>
-      </p:sp>
-      <p:cxnSp>
-        <p:nvCxnSpPr>
-          <p:cNvPr id="525" name="Elbow Connector 524"/>
-          <p:cNvCxnSpPr>
-            <a:stCxn id="522" idx="3"/>
-            <a:endCxn id="524" idx="1"/>
-          </p:cNvCxnSpPr>
-          <p:nvPr/>
-        </p:nvCxnSpPr>
-        <p:spPr>
-          <a:xfrm flipV="1">
-            <a:off x="3269094" y="13602943"/>
-            <a:ext cx="434401" cy="324125"/>
-          </a:xfrm>
-          <a:prstGeom prst="bentConnector3">
-            <a:avLst>
-              <a:gd name="adj1" fmla="val 50000"/>
-            </a:avLst>
-          </a:prstGeom>
-          <a:ln w="19050">
-            <a:solidFill>
-              <a:srgbClr val="7030A0"/>
-            </a:solidFill>
-            <a:headEnd type="none" w="med" len="med"/>
-            <a:tailEnd type="arrow" w="med" len="med"/>
-          </a:ln>
-          <a:effectLst/>
-        </p:spPr>
-        <p:style>
-          <a:lnRef idx="1">
-            <a:schemeClr val="accent2"/>
-          </a:lnRef>
-          <a:fillRef idx="2">
-            <a:schemeClr val="accent2"/>
-          </a:fillRef>
-          <a:effectRef idx="1">
-            <a:schemeClr val="accent2"/>
-          </a:effectRef>
-          <a:fontRef idx="minor">
-            <a:schemeClr val="dk1"/>
-          </a:fontRef>
-        </p:style>
-      </p:cxnSp>
-      <p:sp>
-        <p:nvSpPr>
-          <p:cNvPr id="526" name="Rectangle 8"/>
-          <p:cNvSpPr/>
-          <p:nvPr/>
-        </p:nvSpPr>
-        <p:spPr>
-          <a:xfrm>
-            <a:off x="3710219" y="13784176"/>
-            <a:ext cx="925631" cy="285783"/>
-          </a:xfrm>
-          <a:prstGeom prst="rect">
-            <a:avLst/>
-          </a:prstGeom>
-          <a:ln w="19050">
-            <a:solidFill>
-              <a:srgbClr val="7030A0"/>
-            </a:solidFill>
-          </a:ln>
-          <a:effectLst/>
-        </p:spPr>
-        <p:style>
-          <a:lnRef idx="1">
-            <a:schemeClr val="accent4"/>
-          </a:lnRef>
-          <a:fillRef idx="2">
-            <a:schemeClr val="accent4"/>
-          </a:fillRef>
-          <a:effectRef idx="1">
-            <a:schemeClr val="accent4"/>
-          </a:effectRef>
-          <a:fontRef idx="minor">
-            <a:schemeClr val="dk1"/>
-          </a:fontRef>
-        </p:style>
-        <p:txBody>
-          <a:bodyPr rtlCol="0" anchor="ctr"/>
-          <a:lstStyle/>
-          <a:p>
-            <a:pPr algn="ctr"/>
-            <a:r>
-              <a:rPr lang="en-US" sz="1050" dirty="0" err="1" smtClean="0">
-                <a:solidFill>
-                  <a:srgbClr val="7030A0"/>
-                </a:solidFill>
-              </a:rPr>
-              <a:t>NoteTime</a:t>
-            </a:r>
-            <a:endParaRPr lang="en-SG" sz="1050" dirty="0">
-              <a:solidFill>
-                <a:srgbClr val="7030A0"/>
-              </a:solidFill>
-            </a:endParaRPr>
-          </a:p>
-        </p:txBody>
-      </p:sp>
-      <p:cxnSp>
-        <p:nvCxnSpPr>
-          <p:cNvPr id="527" name="Elbow Connector 526"/>
-          <p:cNvCxnSpPr>
-            <a:stCxn id="522" idx="3"/>
-            <a:endCxn id="526" idx="1"/>
-          </p:cNvCxnSpPr>
-          <p:nvPr/>
-        </p:nvCxnSpPr>
-        <p:spPr>
-          <a:xfrm>
-            <a:off x="3269094" y="13927068"/>
-            <a:ext cx="441125" cy="12700"/>
-          </a:xfrm>
-          <a:prstGeom prst="bentConnector3">
-            <a:avLst/>
-          </a:prstGeom>
-          <a:ln w="19050">
-            <a:solidFill>
-              <a:srgbClr val="7030A0"/>
-            </a:solidFill>
-            <a:headEnd type="none" w="med" len="med"/>
-            <a:tailEnd type="arrow" w="med" len="med"/>
-          </a:ln>
-          <a:effectLst/>
-        </p:spPr>
-        <p:style>
-          <a:lnRef idx="1">
-            <a:schemeClr val="accent2"/>
-          </a:lnRef>
-          <a:fillRef idx="2">
-            <a:schemeClr val="accent2"/>
-          </a:fillRef>
-          <a:effectRef idx="1">
-            <a:schemeClr val="accent2"/>
-          </a:effectRef>
-          <a:fontRef idx="minor">
-            <a:schemeClr val="dk1"/>
-          </a:fontRef>
-        </p:style>
-      </p:cxnSp>
-      <p:sp>
-        <p:nvSpPr>
-          <p:cNvPr id="528" name="TextBox 527"/>
-          <p:cNvSpPr txBox="1"/>
-          <p:nvPr/>
-        </p:nvSpPr>
-        <p:spPr>
-          <a:xfrm>
-            <a:off x="1539611" y="14716322"/>
-            <a:ext cx="1162307" cy="261610"/>
-          </a:xfrm>
-          <a:prstGeom prst="rect">
-            <a:avLst/>
-          </a:prstGeom>
-          <a:noFill/>
-        </p:spPr>
-        <p:txBody>
-          <a:bodyPr wrap="square" rtlCol="0">
-            <a:spAutoFit/>
-          </a:bodyPr>
-          <a:lstStyle/>
-          <a:p>
-            <a:pPr algn="r"/>
-            <a:r>
-              <a:rPr lang="en-US" sz="1100" dirty="0" smtClean="0">
-                <a:solidFill>
-                  <a:srgbClr val="7030A0"/>
-                </a:solidFill>
-              </a:rPr>
-              <a:t>filtered note list</a:t>
-            </a:r>
-            <a:endParaRPr lang="en-SG" sz="1100" dirty="0">
-              <a:solidFill>
-                <a:srgbClr val="7030A0"/>
-              </a:solidFill>
-            </a:endParaRPr>
-          </a:p>
-        </p:txBody>
-      </p:sp>
-      <p:sp>
-        <p:nvSpPr>
-          <p:cNvPr id="529" name="TextBox 528"/>
-          <p:cNvSpPr txBox="1"/>
-          <p:nvPr/>
-        </p:nvSpPr>
-        <p:spPr>
-          <a:xfrm>
-            <a:off x="2118153" y="13765346"/>
-            <a:ext cx="170110" cy="137542"/>
-          </a:xfrm>
-          <a:prstGeom prst="rect">
-            <a:avLst/>
-          </a:prstGeom>
-          <a:noFill/>
-        </p:spPr>
-        <p:txBody>
-          <a:bodyPr wrap="square" lIns="0" tIns="0" rIns="0" bIns="0" rtlCol="0">
-            <a:noAutofit/>
-          </a:bodyPr>
-          <a:lstStyle/>
-          <a:p>
-            <a:pPr algn="ctr"/>
-            <a:r>
-              <a:rPr lang="en-US" sz="1100" dirty="0">
-                <a:solidFill>
-                  <a:srgbClr val="7030A0"/>
-                </a:solidFill>
-              </a:rPr>
-              <a:t>*</a:t>
-            </a:r>
-            <a:endParaRPr lang="en-SG" sz="1100" dirty="0">
-              <a:solidFill>
-                <a:srgbClr val="7030A0"/>
-              </a:solidFill>
-            </a:endParaRPr>
-          </a:p>
-        </p:txBody>
-      </p:sp>
-      <p:sp>
-        <p:nvSpPr>
-          <p:cNvPr id="530" name="Rectangle 8">
-            <a:extLst>
-              <a:ext uri="{FF2B5EF4-FFF2-40B4-BE49-F238E27FC236}">
-                <a16:creationId xmlns:a16="http://schemas.microsoft.com/office/drawing/2014/main" xmlns="" id="{ABDCDBD2-131A-4B66-A2F2-43BBEE82C773}"/>
-              </a:ext>
-            </a:extLst>
-          </p:cNvPr>
-          <p:cNvSpPr/>
-          <p:nvPr/>
-        </p:nvSpPr>
-        <p:spPr>
-          <a:xfrm>
-            <a:off x="3703495" y="12801652"/>
-            <a:ext cx="925632" cy="285783"/>
-          </a:xfrm>
-          <a:prstGeom prst="rect">
-            <a:avLst/>
-          </a:prstGeom>
-          <a:ln w="19050">
-            <a:solidFill>
-              <a:srgbClr val="7030A0"/>
-            </a:solidFill>
-          </a:ln>
-          <a:effectLst/>
-        </p:spPr>
-        <p:style>
-          <a:lnRef idx="1">
-            <a:schemeClr val="accent4"/>
-          </a:lnRef>
-          <a:fillRef idx="2">
-            <a:schemeClr val="accent4"/>
-          </a:fillRef>
-          <a:effectRef idx="1">
-            <a:schemeClr val="accent4"/>
-          </a:effectRef>
-          <a:fontRef idx="minor">
-            <a:schemeClr val="dk1"/>
-          </a:fontRef>
-        </p:style>
-        <p:txBody>
-          <a:bodyPr rtlCol="0" anchor="ctr"/>
-          <a:lstStyle/>
-          <a:p>
-            <a:pPr algn="ctr"/>
-            <a:r>
-              <a:rPr lang="en-US" sz="1050" dirty="0" err="1" smtClean="0">
-                <a:solidFill>
-                  <a:srgbClr val="7030A0"/>
-                </a:solidFill>
-              </a:rPr>
-              <a:t>ModuleCode</a:t>
-            </a:r>
-            <a:endParaRPr lang="en-SG" sz="1050" dirty="0">
-              <a:solidFill>
-                <a:srgbClr val="7030A0"/>
-              </a:solidFill>
-            </a:endParaRPr>
-          </a:p>
-        </p:txBody>
-      </p:sp>
-      <p:cxnSp>
-        <p:nvCxnSpPr>
-          <p:cNvPr id="531" name="Elbow Connector 78">
-            <a:extLst>
-              <a:ext uri="{FF2B5EF4-FFF2-40B4-BE49-F238E27FC236}">
-                <a16:creationId xmlns:a16="http://schemas.microsoft.com/office/drawing/2014/main" xmlns="" id="{B97967F8-618A-448B-81FD-CDFD4AF0EC64}"/>
-              </a:ext>
-            </a:extLst>
-          </p:cNvPr>
-          <p:cNvCxnSpPr>
-            <a:cxnSpLocks/>
-            <a:stCxn id="522" idx="3"/>
-            <a:endCxn id="530" idx="1"/>
-          </p:cNvCxnSpPr>
-          <p:nvPr/>
-        </p:nvCxnSpPr>
-        <p:spPr>
-          <a:xfrm flipV="1">
-            <a:off x="3269094" y="12944544"/>
-            <a:ext cx="434401" cy="982524"/>
-          </a:xfrm>
-          <a:prstGeom prst="bentConnector3">
-            <a:avLst>
-              <a:gd name="adj1" fmla="val 50000"/>
-            </a:avLst>
-          </a:prstGeom>
-          <a:ln w="19050">
-            <a:solidFill>
-              <a:srgbClr val="7030A0"/>
-            </a:solidFill>
-            <a:headEnd type="none" w="med" len="med"/>
-            <a:tailEnd type="arrow" w="med" len="med"/>
-          </a:ln>
-          <a:effectLst/>
-        </p:spPr>
-        <p:style>
-          <a:lnRef idx="1">
-            <a:schemeClr val="accent2"/>
-          </a:lnRef>
-          <a:fillRef idx="2">
-            <a:schemeClr val="accent2"/>
-          </a:fillRef>
-          <a:effectRef idx="1">
-            <a:schemeClr val="accent2"/>
-          </a:effectRef>
-          <a:fontRef idx="minor">
-            <a:schemeClr val="dk1"/>
-          </a:fontRef>
-        </p:style>
-      </p:cxnSp>
-      <p:sp>
-        <p:nvSpPr>
           <p:cNvPr id="532" name="TextBox 531"/>
           <p:cNvSpPr txBox="1"/>
           <p:nvPr/>
         </p:nvSpPr>
         <p:spPr>
           <a:xfrm>
-            <a:off x="2701918" y="14142529"/>
+            <a:off x="2316111" y="10401683"/>
             <a:ext cx="170110" cy="137542"/>
           </a:xfrm>
           <a:prstGeom prst="rect">
@@ -10149,7 +9583,7 @@
         </p:nvSpPr>
         <p:spPr>
           <a:xfrm>
-            <a:off x="3703496" y="14115704"/>
+            <a:off x="3317689" y="10374858"/>
             <a:ext cx="925631" cy="285783"/>
           </a:xfrm>
           <a:prstGeom prst="rect">
@@ -10208,7 +9642,7 @@
         </p:nvCxnSpPr>
         <p:spPr>
           <a:xfrm>
-            <a:off x="3269094" y="13927068"/>
+            <a:off x="2883287" y="10186222"/>
             <a:ext cx="434402" cy="331528"/>
           </a:xfrm>
           <a:prstGeom prst="bentConnector3">
@@ -10248,7 +9682,7 @@
         </p:nvSpPr>
         <p:spPr>
           <a:xfrm>
-            <a:off x="3703493" y="14459694"/>
+            <a:off x="3317686" y="10718848"/>
             <a:ext cx="925631" cy="285783"/>
           </a:xfrm>
           <a:prstGeom prst="rect">
@@ -10307,7 +9741,7 @@
         </p:nvCxnSpPr>
         <p:spPr>
           <a:xfrm>
-            <a:off x="3269094" y="13927068"/>
+            <a:off x="2883287" y="10186222"/>
             <a:ext cx="434399" cy="675518"/>
           </a:xfrm>
           <a:prstGeom prst="bentConnector3">
@@ -10347,7 +9781,7 @@
         </p:nvSpPr>
         <p:spPr>
           <a:xfrm>
-            <a:off x="3484617" y="13421806"/>
+            <a:off x="3098810" y="9680960"/>
             <a:ext cx="241419" cy="137542"/>
           </a:xfrm>
           <a:prstGeom prst="rect">
@@ -10368,7 +9802,7 @@
                   <a:srgbClr val="7030A0"/>
                 </a:solidFill>
               </a:rPr>
-              <a:t>0, 2</a:t>
+              <a:t>0,2</a:t>
             </a:r>
             <a:endParaRPr lang="en-SG" sz="900" dirty="0">
               <a:solidFill>
@@ -10386,7 +9820,7 @@
         </p:nvSpPr>
         <p:spPr>
           <a:xfrm>
-            <a:off x="3545578" y="13759792"/>
+            <a:off x="3159771" y="10018946"/>
             <a:ext cx="170110" cy="137542"/>
           </a:xfrm>
           <a:prstGeom prst="rect">
@@ -10425,7 +9859,7 @@
         </p:nvSpPr>
         <p:spPr>
           <a:xfrm>
-            <a:off x="3448330" y="12764462"/>
+            <a:off x="3078674" y="9010889"/>
             <a:ext cx="255165" cy="137542"/>
           </a:xfrm>
           <a:prstGeom prst="rect">
@@ -10464,7 +9898,7 @@
         </p:nvSpPr>
         <p:spPr>
           <a:xfrm>
-            <a:off x="1810833" y="13834117"/>
+            <a:off x="1425026" y="10093271"/>
             <a:ext cx="236048" cy="173380"/>
           </a:xfrm>
           <a:prstGeom prst="flowChartDecision">
@@ -10505,19 +9939,438 @@
       </p:sp>
       <p:cxnSp>
         <p:nvCxnSpPr>
-          <p:cNvPr id="544" name="Elbow Connector 122"/>
-          <p:cNvCxnSpPr/>
+          <p:cNvPr id="221" name="Elbow Connector 220"/>
+          <p:cNvCxnSpPr>
+            <a:cxnSpLocks/>
+            <a:stCxn id="217" idx="3"/>
+            <a:endCxn id="260" idx="3"/>
+          </p:cNvCxnSpPr>
           <p:nvPr/>
         </p:nvCxnSpPr>
         <p:spPr>
-          <a:xfrm>
-            <a:off x="381000" y="13912875"/>
-            <a:ext cx="1081967" cy="14193"/>
+          <a:xfrm flipH="1" flipV="1">
+            <a:off x="4396503" y="899728"/>
+            <a:ext cx="3993417" cy="3746151"/>
           </a:xfrm>
           <a:prstGeom prst="bentConnector3">
             <a:avLst>
-              <a:gd name="adj1" fmla="val 50000"/>
+              <a:gd name="adj1" fmla="val -5724"/>
             </a:avLst>
+          </a:prstGeom>
+          <a:ln w="19050">
+            <a:solidFill>
+              <a:srgbClr val="7030A0"/>
+            </a:solidFill>
+            <a:prstDash val="sysDot"/>
+            <a:headEnd type="none" w="med" len="med"/>
+            <a:tailEnd type="arrow" w="med" len="med"/>
+          </a:ln>
+          <a:effectLst/>
+        </p:spPr>
+        <p:style>
+          <a:lnRef idx="1">
+            <a:schemeClr val="accent2"/>
+          </a:lnRef>
+          <a:fillRef idx="2">
+            <a:schemeClr val="accent2"/>
+          </a:fillRef>
+          <a:effectRef idx="1">
+            <a:schemeClr val="accent2"/>
+          </a:effectRef>
+          <a:fontRef idx="minor">
+            <a:schemeClr val="dk1"/>
+          </a:fontRef>
+        </p:style>
+      </p:cxnSp>
+      <p:cxnSp>
+        <p:nvCxnSpPr>
+          <p:cNvPr id="288" name="Elbow Connector 287"/>
+          <p:cNvCxnSpPr>
+            <a:cxnSpLocks/>
+            <a:stCxn id="389" idx="0"/>
+          </p:cNvCxnSpPr>
+          <p:nvPr/>
+        </p:nvCxnSpPr>
+        <p:spPr>
+          <a:xfrm rot="5400000" flipH="1" flipV="1">
+            <a:off x="4087734" y="10474886"/>
+            <a:ext cx="535290" cy="2625050"/>
+          </a:xfrm>
+          <a:prstGeom prst="bentConnector2">
+            <a:avLst/>
+          </a:prstGeom>
+          <a:ln w="19050">
+            <a:solidFill>
+              <a:srgbClr val="7030A0"/>
+            </a:solidFill>
+            <a:prstDash val="sysDot"/>
+            <a:headEnd type="none" w="med" len="med"/>
+            <a:tailEnd type="none" w="med" len="med"/>
+          </a:ln>
+          <a:effectLst/>
+        </p:spPr>
+        <p:style>
+          <a:lnRef idx="1">
+            <a:schemeClr val="accent2"/>
+          </a:lnRef>
+          <a:fillRef idx="2">
+            <a:schemeClr val="accent2"/>
+          </a:fillRef>
+          <a:effectRef idx="1">
+            <a:schemeClr val="accent2"/>
+          </a:effectRef>
+          <a:fontRef idx="minor">
+            <a:schemeClr val="dk1"/>
+          </a:fontRef>
+        </p:style>
+      </p:cxnSp>
+      <p:cxnSp>
+        <p:nvCxnSpPr>
+          <p:cNvPr id="289" name="Elbow Connector 288"/>
+          <p:cNvCxnSpPr>
+            <a:cxnSpLocks/>
+          </p:cNvCxnSpPr>
+          <p:nvPr/>
+        </p:nvCxnSpPr>
+        <p:spPr>
+          <a:xfrm>
+            <a:off x="5451079" y="6718898"/>
+            <a:ext cx="0" cy="2484800"/>
+          </a:xfrm>
+          <a:prstGeom prst="straightConnector1">
+            <a:avLst/>
+          </a:prstGeom>
+          <a:ln w="19050">
+            <a:solidFill>
+              <a:srgbClr val="7030A0"/>
+            </a:solidFill>
+            <a:prstDash val="sysDot"/>
+            <a:headEnd type="none" w="med" len="med"/>
+            <a:tailEnd type="none" w="med" len="med"/>
+          </a:ln>
+          <a:effectLst/>
+        </p:spPr>
+        <p:style>
+          <a:lnRef idx="1">
+            <a:schemeClr val="accent2"/>
+          </a:lnRef>
+          <a:fillRef idx="2">
+            <a:schemeClr val="accent2"/>
+          </a:fillRef>
+          <a:effectRef idx="1">
+            <a:schemeClr val="accent2"/>
+          </a:effectRef>
+          <a:fontRef idx="minor">
+            <a:schemeClr val="dk1"/>
+          </a:fontRef>
+        </p:style>
+      </p:cxnSp>
+      <p:cxnSp>
+        <p:nvCxnSpPr>
+          <p:cNvPr id="290" name="Elbow Connector 289"/>
+          <p:cNvCxnSpPr>
+            <a:cxnSpLocks/>
+            <a:endCxn id="488" idx="2"/>
+          </p:cNvCxnSpPr>
+          <p:nvPr/>
+        </p:nvCxnSpPr>
+        <p:spPr>
+          <a:xfrm rot="10800000">
+            <a:off x="4105953" y="6210264"/>
+            <a:ext cx="1345126" cy="529083"/>
+          </a:xfrm>
+          <a:prstGeom prst="bentConnector2">
+            <a:avLst/>
+          </a:prstGeom>
+          <a:ln w="19050">
+            <a:solidFill>
+              <a:srgbClr val="7030A0"/>
+            </a:solidFill>
+            <a:prstDash val="sysDot"/>
+            <a:headEnd type="none" w="med" len="med"/>
+            <a:tailEnd type="arrow" w="med" len="med"/>
+          </a:ln>
+          <a:effectLst/>
+        </p:spPr>
+        <p:style>
+          <a:lnRef idx="1">
+            <a:schemeClr val="accent2"/>
+          </a:lnRef>
+          <a:fillRef idx="2">
+            <a:schemeClr val="accent2"/>
+          </a:fillRef>
+          <a:effectRef idx="1">
+            <a:schemeClr val="accent2"/>
+          </a:effectRef>
+          <a:fontRef idx="minor">
+            <a:schemeClr val="dk1"/>
+          </a:fontRef>
+        </p:style>
+      </p:cxnSp>
+      <p:cxnSp>
+        <p:nvCxnSpPr>
+          <p:cNvPr id="320" name="Elbow Connector 497"/>
+          <p:cNvCxnSpPr>
+            <a:cxnSpLocks/>
+          </p:cNvCxnSpPr>
+          <p:nvPr/>
+        </p:nvCxnSpPr>
+        <p:spPr>
+          <a:xfrm flipH="1" flipV="1">
+            <a:off x="5658767" y="6615523"/>
+            <a:ext cx="9135" cy="4904243"/>
+          </a:xfrm>
+          <a:prstGeom prst="straightConnector1">
+            <a:avLst/>
+          </a:prstGeom>
+          <a:ln w="19050">
+            <a:solidFill>
+              <a:srgbClr val="7030A0"/>
+            </a:solidFill>
+            <a:prstDash val="sysDot"/>
+            <a:headEnd type="none" w="med" len="med"/>
+            <a:tailEnd type="none" w="med" len="med"/>
+          </a:ln>
+          <a:effectLst/>
+        </p:spPr>
+        <p:style>
+          <a:lnRef idx="1">
+            <a:schemeClr val="accent2"/>
+          </a:lnRef>
+          <a:fillRef idx="2">
+            <a:schemeClr val="accent2"/>
+          </a:fillRef>
+          <a:effectRef idx="1">
+            <a:schemeClr val="accent2"/>
+          </a:effectRef>
+          <a:fontRef idx="minor">
+            <a:schemeClr val="dk1"/>
+          </a:fontRef>
+        </p:style>
+      </p:cxnSp>
+      <p:cxnSp>
+        <p:nvCxnSpPr>
+          <p:cNvPr id="321" name="Elbow Connector 497"/>
+          <p:cNvCxnSpPr>
+            <a:cxnSpLocks/>
+            <a:endCxn id="318" idx="2"/>
+          </p:cNvCxnSpPr>
+          <p:nvPr/>
+        </p:nvCxnSpPr>
+        <p:spPr>
+          <a:xfrm rot="10800000">
+            <a:off x="4412672" y="6210264"/>
+            <a:ext cx="1246095" cy="405258"/>
+          </a:xfrm>
+          <a:prstGeom prst="bentConnector2">
+            <a:avLst/>
+          </a:prstGeom>
+          <a:ln w="19050">
+            <a:solidFill>
+              <a:srgbClr val="7030A0"/>
+            </a:solidFill>
+            <a:prstDash val="sysDot"/>
+            <a:headEnd type="none" w="med" len="med"/>
+            <a:tailEnd type="arrow" w="med" len="med"/>
+          </a:ln>
+          <a:effectLst/>
+        </p:spPr>
+        <p:style>
+          <a:lnRef idx="1">
+            <a:schemeClr val="accent2"/>
+          </a:lnRef>
+          <a:fillRef idx="2">
+            <a:schemeClr val="accent2"/>
+          </a:fillRef>
+          <a:effectRef idx="1">
+            <a:schemeClr val="accent2"/>
+          </a:effectRef>
+          <a:fontRef idx="minor">
+            <a:schemeClr val="dk1"/>
+          </a:fontRef>
+        </p:style>
+      </p:cxnSp>
+      <p:cxnSp>
+        <p:nvCxnSpPr>
+          <p:cNvPr id="322" name="Elbow Connector 497"/>
+          <p:cNvCxnSpPr>
+            <a:cxnSpLocks/>
+          </p:cNvCxnSpPr>
+          <p:nvPr/>
+        </p:nvCxnSpPr>
+        <p:spPr>
+          <a:xfrm flipV="1">
+            <a:off x="2468062" y="13039026"/>
+            <a:ext cx="0" cy="1028829"/>
+          </a:xfrm>
+          <a:prstGeom prst="straightConnector1">
+            <a:avLst/>
+          </a:prstGeom>
+          <a:ln w="19050">
+            <a:solidFill>
+              <a:srgbClr val="7030A0"/>
+            </a:solidFill>
+            <a:prstDash val="sysDot"/>
+            <a:headEnd type="none" w="med" len="med"/>
+            <a:tailEnd type="arrow" w="med" len="med"/>
+          </a:ln>
+          <a:effectLst/>
+        </p:spPr>
+        <p:style>
+          <a:lnRef idx="1">
+            <a:schemeClr val="accent2"/>
+          </a:lnRef>
+          <a:fillRef idx="2">
+            <a:schemeClr val="accent2"/>
+          </a:fillRef>
+          <a:effectRef idx="1">
+            <a:schemeClr val="accent2"/>
+          </a:effectRef>
+          <a:fontRef idx="minor">
+            <a:schemeClr val="dk1"/>
+          </a:fontRef>
+        </p:style>
+      </p:cxnSp>
+      <p:cxnSp>
+        <p:nvCxnSpPr>
+          <p:cNvPr id="323" name="Elbow Connector 288"/>
+          <p:cNvCxnSpPr>
+            <a:cxnSpLocks/>
+            <a:stCxn id="530" idx="3"/>
+          </p:cNvCxnSpPr>
+          <p:nvPr/>
+        </p:nvCxnSpPr>
+        <p:spPr>
+          <a:xfrm flipV="1">
+            <a:off x="4243320" y="9203697"/>
+            <a:ext cx="1198631" cy="1"/>
+          </a:xfrm>
+          <a:prstGeom prst="straightConnector1">
+            <a:avLst/>
+          </a:prstGeom>
+          <a:ln w="19050">
+            <a:solidFill>
+              <a:srgbClr val="7030A0"/>
+            </a:solidFill>
+            <a:prstDash val="sysDot"/>
+            <a:headEnd type="none" w="med" len="med"/>
+            <a:tailEnd type="none" w="med" len="med"/>
+          </a:ln>
+          <a:effectLst/>
+        </p:spPr>
+        <p:style>
+          <a:lnRef idx="1">
+            <a:schemeClr val="accent2"/>
+          </a:lnRef>
+          <a:fillRef idx="2">
+            <a:schemeClr val="accent2"/>
+          </a:fillRef>
+          <a:effectRef idx="1">
+            <a:schemeClr val="accent2"/>
+          </a:effectRef>
+          <a:fontRef idx="minor">
+            <a:schemeClr val="dk1"/>
+          </a:fontRef>
+        </p:style>
+      </p:cxnSp>
+      <p:cxnSp>
+        <p:nvCxnSpPr>
+          <p:cNvPr id="331" name="Elbow Connector 497"/>
+          <p:cNvCxnSpPr>
+            <a:cxnSpLocks/>
+          </p:cNvCxnSpPr>
+          <p:nvPr/>
+        </p:nvCxnSpPr>
+        <p:spPr>
+          <a:xfrm flipV="1">
+            <a:off x="5977209" y="6066347"/>
+            <a:ext cx="23110" cy="7615203"/>
+          </a:xfrm>
+          <a:prstGeom prst="straightConnector1">
+            <a:avLst/>
+          </a:prstGeom>
+          <a:ln w="19050">
+            <a:solidFill>
+              <a:srgbClr val="7030A0"/>
+            </a:solidFill>
+            <a:prstDash val="sysDot"/>
+            <a:headEnd type="none" w="med" len="med"/>
+            <a:tailEnd type="none" w="med" len="med"/>
+          </a:ln>
+          <a:effectLst/>
+        </p:spPr>
+        <p:style>
+          <a:lnRef idx="1">
+            <a:schemeClr val="accent2"/>
+          </a:lnRef>
+          <a:fillRef idx="2">
+            <a:schemeClr val="accent2"/>
+          </a:fillRef>
+          <a:effectRef idx="1">
+            <a:schemeClr val="accent2"/>
+          </a:effectRef>
+          <a:fontRef idx="minor">
+            <a:schemeClr val="dk1"/>
+          </a:fontRef>
+        </p:style>
+      </p:cxnSp>
+      <p:cxnSp>
+        <p:nvCxnSpPr>
+          <p:cNvPr id="335" name="Elbow Connector 497"/>
+          <p:cNvCxnSpPr>
+            <a:cxnSpLocks/>
+            <a:endCxn id="277" idx="3"/>
+          </p:cNvCxnSpPr>
+          <p:nvPr/>
+        </p:nvCxnSpPr>
+        <p:spPr>
+          <a:xfrm flipH="1">
+            <a:off x="4609260" y="6066347"/>
+            <a:ext cx="1391059" cy="1"/>
+          </a:xfrm>
+          <a:prstGeom prst="straightConnector1">
+            <a:avLst/>
+          </a:prstGeom>
+          <a:ln w="19050">
+            <a:solidFill>
+              <a:srgbClr val="7030A0"/>
+            </a:solidFill>
+            <a:prstDash val="sysDot"/>
+            <a:headEnd type="none" w="med" len="med"/>
+            <a:tailEnd type="arrow" w="med" len="med"/>
+          </a:ln>
+          <a:effectLst/>
+        </p:spPr>
+        <p:style>
+          <a:lnRef idx="1">
+            <a:schemeClr val="accent2"/>
+          </a:lnRef>
+          <a:fillRef idx="2">
+            <a:schemeClr val="accent2"/>
+          </a:fillRef>
+          <a:effectRef idx="1">
+            <a:schemeClr val="accent2"/>
+          </a:effectRef>
+          <a:fontRef idx="minor">
+            <a:schemeClr val="dk1"/>
+          </a:fontRef>
+        </p:style>
+      </p:cxnSp>
+      <p:cxnSp>
+        <p:nvCxnSpPr>
+          <p:cNvPr id="417" name="Elbow Connector 122"/>
+          <p:cNvCxnSpPr>
+            <a:endCxn id="252" idx="0"/>
+          </p:cNvCxnSpPr>
+          <p:nvPr/>
+        </p:nvCxnSpPr>
+        <p:spPr>
+          <a:xfrm>
+            <a:off x="247651" y="1208436"/>
+            <a:ext cx="898394" cy="0"/>
+          </a:xfrm>
+          <a:prstGeom prst="straightConnector1">
+            <a:avLst/>
           </a:prstGeom>
           <a:ln w="19050">
             <a:solidFill>
@@ -10548,25 +10401,25 @@
       </p:cxnSp>
       <p:cxnSp>
         <p:nvCxnSpPr>
-          <p:cNvPr id="547" name="Elbow Connector 497"/>
+          <p:cNvPr id="425" name="Elbow Connector 122"/>
           <p:cNvCxnSpPr>
-            <a:cxnSpLocks/>
+            <a:endCxn id="181" idx="0"/>
           </p:cNvCxnSpPr>
           <p:nvPr/>
         </p:nvCxnSpPr>
         <p:spPr>
-          <a:xfrm rot="5400000" flipH="1" flipV="1">
-            <a:off x="-2150543" y="10202066"/>
-            <a:ext cx="6254623" cy="322400"/>
-          </a:xfrm>
-          <a:prstGeom prst="bentConnector3">
-            <a:avLst>
-              <a:gd name="adj1" fmla="val 100031"/>
-            </a:avLst>
-          </a:prstGeom>
-          <a:ln w="19050">
-            <a:solidFill>
-              <a:srgbClr val="7030A0"/>
+          <a:xfrm>
+            <a:off x="247651" y="3678072"/>
+            <a:ext cx="861309" cy="0"/>
+          </a:xfrm>
+          <a:prstGeom prst="straightConnector1">
+            <a:avLst/>
+          </a:prstGeom>
+          <a:ln w="19050">
+            <a:solidFill>
+              <a:schemeClr val="bg1">
+                <a:lumMod val="75000"/>
+              </a:schemeClr>
             </a:solidFill>
             <a:prstDash val="sysDot"/>
             <a:headEnd type="none" w="med" len="med"/>
@@ -10591,27 +10444,201 @@
       </p:cxnSp>
       <p:cxnSp>
         <p:nvCxnSpPr>
-          <p:cNvPr id="570" name="Elbow Connector 497"/>
+          <p:cNvPr id="428" name="Elbow Connector 122"/>
           <p:cNvCxnSpPr>
-            <a:cxnSpLocks/>
+            <a:endCxn id="267" idx="0"/>
           </p:cNvCxnSpPr>
           <p:nvPr/>
         </p:nvCxnSpPr>
         <p:spPr>
-          <a:xfrm flipH="1">
-            <a:off x="815569" y="13490577"/>
-            <a:ext cx="340687" cy="2"/>
+          <a:xfrm flipV="1">
+            <a:off x="247651" y="5706932"/>
+            <a:ext cx="849132" cy="5555"/>
           </a:xfrm>
           <a:prstGeom prst="straightConnector1">
             <a:avLst/>
           </a:prstGeom>
           <a:ln w="19050">
             <a:solidFill>
-              <a:srgbClr val="7030A0"/>
+              <a:schemeClr val="bg1">
+                <a:lumMod val="75000"/>
+              </a:schemeClr>
             </a:solidFill>
             <a:prstDash val="sysDot"/>
             <a:headEnd type="none" w="med" len="med"/>
-            <a:tailEnd type="none" w="med" len="med"/>
+            <a:tailEnd type="arrow" w="med" len="med"/>
+          </a:ln>
+          <a:effectLst/>
+        </p:spPr>
+        <p:style>
+          <a:lnRef idx="1">
+            <a:schemeClr val="accent2"/>
+          </a:lnRef>
+          <a:fillRef idx="2">
+            <a:schemeClr val="accent2"/>
+          </a:fillRef>
+          <a:effectRef idx="1">
+            <a:schemeClr val="accent2"/>
+          </a:effectRef>
+          <a:fontRef idx="minor">
+            <a:schemeClr val="dk1"/>
+          </a:fontRef>
+        </p:style>
+      </p:cxnSp>
+      <p:cxnSp>
+        <p:nvCxnSpPr>
+          <p:cNvPr id="431" name="Elbow Connector 122"/>
+          <p:cNvCxnSpPr>
+            <a:endCxn id="296" idx="0"/>
+          </p:cNvCxnSpPr>
+          <p:nvPr/>
+        </p:nvCxnSpPr>
+        <p:spPr>
+          <a:xfrm flipV="1">
+            <a:off x="247651" y="7817744"/>
+            <a:ext cx="832540" cy="11378"/>
+          </a:xfrm>
+          <a:prstGeom prst="straightConnector1">
+            <a:avLst/>
+          </a:prstGeom>
+          <a:ln w="19050">
+            <a:solidFill>
+              <a:schemeClr val="bg1">
+                <a:lumMod val="75000"/>
+              </a:schemeClr>
+            </a:solidFill>
+            <a:prstDash val="sysDot"/>
+            <a:headEnd type="none" w="med" len="med"/>
+            <a:tailEnd type="arrow" w="med" len="med"/>
+          </a:ln>
+          <a:effectLst/>
+        </p:spPr>
+        <p:style>
+          <a:lnRef idx="1">
+            <a:schemeClr val="accent2"/>
+          </a:lnRef>
+          <a:fillRef idx="2">
+            <a:schemeClr val="accent2"/>
+          </a:fillRef>
+          <a:effectRef idx="1">
+            <a:schemeClr val="accent2"/>
+          </a:effectRef>
+          <a:fontRef idx="minor">
+            <a:schemeClr val="dk1"/>
+          </a:fontRef>
+        </p:style>
+      </p:cxnSp>
+      <p:cxnSp>
+        <p:nvCxnSpPr>
+          <p:cNvPr id="434" name="Elbow Connector 122"/>
+          <p:cNvCxnSpPr>
+            <a:endCxn id="517" idx="0"/>
+          </p:cNvCxnSpPr>
+          <p:nvPr/>
+        </p:nvCxnSpPr>
+        <p:spPr>
+          <a:xfrm>
+            <a:off x="247651" y="10164258"/>
+            <a:ext cx="829510" cy="7771"/>
+          </a:xfrm>
+          <a:prstGeom prst="straightConnector1">
+            <a:avLst/>
+          </a:prstGeom>
+          <a:ln w="19050">
+            <a:solidFill>
+              <a:schemeClr val="bg1">
+                <a:lumMod val="75000"/>
+              </a:schemeClr>
+            </a:solidFill>
+            <a:prstDash val="sysDot"/>
+            <a:headEnd type="none" w="med" len="med"/>
+            <a:tailEnd type="arrow" w="med" len="med"/>
+          </a:ln>
+          <a:effectLst/>
+        </p:spPr>
+        <p:style>
+          <a:lnRef idx="1">
+            <a:schemeClr val="accent2"/>
+          </a:lnRef>
+          <a:fillRef idx="2">
+            <a:schemeClr val="accent2"/>
+          </a:fillRef>
+          <a:effectRef idx="1">
+            <a:schemeClr val="accent2"/>
+          </a:effectRef>
+          <a:fontRef idx="minor">
+            <a:schemeClr val="dk1"/>
+          </a:fontRef>
+        </p:style>
+      </p:cxnSp>
+      <p:cxnSp>
+        <p:nvCxnSpPr>
+          <p:cNvPr id="437" name="Elbow Connector 122"/>
+          <p:cNvCxnSpPr>
+            <a:endCxn id="386" idx="0"/>
+          </p:cNvCxnSpPr>
+          <p:nvPr/>
+        </p:nvCxnSpPr>
+        <p:spPr>
+          <a:xfrm flipV="1">
+            <a:off x="247651" y="12226536"/>
+            <a:ext cx="831778" cy="1900"/>
+          </a:xfrm>
+          <a:prstGeom prst="straightConnector1">
+            <a:avLst/>
+          </a:prstGeom>
+          <a:ln w="19050">
+            <a:solidFill>
+              <a:schemeClr val="bg1">
+                <a:lumMod val="75000"/>
+              </a:schemeClr>
+            </a:solidFill>
+            <a:prstDash val="sysDot"/>
+            <a:headEnd type="none" w="med" len="med"/>
+            <a:tailEnd type="arrow" w="med" len="med"/>
+          </a:ln>
+          <a:effectLst/>
+        </p:spPr>
+        <p:style>
+          <a:lnRef idx="1">
+            <a:schemeClr val="accent2"/>
+          </a:lnRef>
+          <a:fillRef idx="2">
+            <a:schemeClr val="accent2"/>
+          </a:fillRef>
+          <a:effectRef idx="1">
+            <a:schemeClr val="accent2"/>
+          </a:effectRef>
+          <a:fontRef idx="minor">
+            <a:schemeClr val="dk1"/>
+          </a:fontRef>
+        </p:style>
+      </p:cxnSp>
+      <p:cxnSp>
+        <p:nvCxnSpPr>
+          <p:cNvPr id="440" name="Elbow Connector 122"/>
+          <p:cNvCxnSpPr>
+            <a:endCxn id="490" idx="0"/>
+          </p:cNvCxnSpPr>
+          <p:nvPr/>
+        </p:nvCxnSpPr>
+        <p:spPr>
+          <a:xfrm>
+            <a:off x="247651" y="14227677"/>
+            <a:ext cx="832540" cy="0"/>
+          </a:xfrm>
+          <a:prstGeom prst="straightConnector1">
+            <a:avLst/>
+          </a:prstGeom>
+          <a:ln w="19050">
+            <a:solidFill>
+              <a:schemeClr val="bg1">
+                <a:lumMod val="75000"/>
+              </a:schemeClr>
+            </a:solidFill>
+            <a:prstDash val="sysDot"/>
+            <a:headEnd type="none" w="med" len="med"/>
+            <a:tailEnd type="arrow" w="med" len="med"/>
           </a:ln>
           <a:effectLst/>
         </p:spPr>
